--- a/Documents/Review 1 ppt.pptx
+++ b/Documents/Review 1 ppt.pptx
@@ -11,7 +11,7 @@
     <p:sldId id="256" r:id="rId2"/>
     <p:sldId id="257" r:id="rId3"/>
     <p:sldId id="259" r:id="rId4"/>
-    <p:sldId id="270" r:id="rId5"/>
+    <p:sldId id="275" r:id="rId5"/>
     <p:sldId id="260" r:id="rId6"/>
     <p:sldId id="271" r:id="rId7"/>
     <p:sldId id="272" r:id="rId8"/>
@@ -271,10 +271,147 @@
       </p15:sldGuideLst>
     </p:ext>
     <p:ext uri="http://customooxmlschemas.google.com/">
-      <go:slidesCustomData xmlns="" xmlns:mc="http://schemas.openxmlformats.org/markup-compatibility/2006" xmlns:mv="urn:schemas-microsoft-com:mac:vml" xmlns:c="http://schemas.openxmlformats.org/drawingml/2006/chart" xmlns:dgm="http://schemas.openxmlformats.org/drawingml/2006/diagram" xmlns:o="urn:schemas-microsoft-com:office:office" xmlns:v="urn:schemas-microsoft-com:vml" xmlns:pvml="urn:schemas-microsoft-com:office:powerpoint" xmlns:com="http://schemas.openxmlformats.org/drawingml/2006/compatibility" xmlns:p14="http://schemas.microsoft.com/office/powerpoint/2010/main" xmlns:p15="http://schemas.microsoft.com/office/powerpoint/2012/main" xmlns:ahyp="http://schemas.microsoft.com/office/drawing/2018/hyperlinkcolor" xmlns:go="http://customooxmlschemas.google.com/" r:id="rId18" roundtripDataSignature="AMtx7mi8k4vfTcigBOvi1GPtpHoS9j9jSA=="/>
+      <go:slidesCustomData xmlns:go="http://customooxmlschemas.google.com/" xmlns:ahyp="http://schemas.microsoft.com/office/drawing/2018/hyperlinkcolor" xmlns:p15="http://schemas.microsoft.com/office/powerpoint/2012/main" xmlns:p14="http://schemas.microsoft.com/office/powerpoint/2010/main" xmlns:com="http://schemas.openxmlformats.org/drawingml/2006/compatibility" xmlns:pvml="urn:schemas-microsoft-com:office:powerpoint" xmlns:v="urn:schemas-microsoft-com:vml" xmlns:o="urn:schemas-microsoft-com:office:office" xmlns:dgm="http://schemas.openxmlformats.org/drawingml/2006/diagram" xmlns:c="http://schemas.openxmlformats.org/drawingml/2006/chart" xmlns:mv="urn:schemas-microsoft-com:mac:vml" xmlns:mc="http://schemas.openxmlformats.org/markup-compatibility/2006" xmlns="" r:id="rId18" roundtripDataSignature="AMtx7mi8k4vfTcigBOvi1GPtpHoS9j9jSA=="/>
     </p:ext>
   </p:extLst>
 </p:presentation>
+</file>
+
+<file path=ppt/changesInfos/changesInfo1.xml><?xml version="1.0" encoding="utf-8"?>
+<pc:chgInfo xmlns:a="http://schemas.openxmlformats.org/drawingml/2006/main" xmlns:r="http://schemas.openxmlformats.org/officeDocument/2006/relationships" xmlns:ac="http://schemas.microsoft.com/office/drawing/2013/main/command" xmlns:pc="http://schemas.microsoft.com/office/powerpoint/2013/main/command">
+  <pc:docChgLst>
+    <pc:chgData name="Prakash Y" userId="4bab4cd9d2318bd6" providerId="LiveId" clId="{F58CBE45-31C4-4508-8C62-54FEBD6B4B79}"/>
+    <pc:docChg chg="undo custSel modSld">
+      <pc:chgData name="Prakash Y" userId="4bab4cd9d2318bd6" providerId="LiveId" clId="{F58CBE45-31C4-4508-8C62-54FEBD6B4B79}" dt="2023-08-25T06:46:40.836" v="90" actId="207"/>
+      <pc:docMkLst>
+        <pc:docMk/>
+      </pc:docMkLst>
+      <pc:sldChg chg="modSp mod">
+        <pc:chgData name="Prakash Y" userId="4bab4cd9d2318bd6" providerId="LiveId" clId="{F58CBE45-31C4-4508-8C62-54FEBD6B4B79}" dt="2023-08-25T06:46:40.836" v="90" actId="207"/>
+        <pc:sldMkLst>
+          <pc:docMk/>
+          <pc:sldMk cId="0" sldId="256"/>
+        </pc:sldMkLst>
+        <pc:spChg chg="mod">
+          <ac:chgData name="Prakash Y" userId="4bab4cd9d2318bd6" providerId="LiveId" clId="{F58CBE45-31C4-4508-8C62-54FEBD6B4B79}" dt="2023-08-25T06:46:05.012" v="56" actId="2711"/>
+          <ac:spMkLst>
+            <pc:docMk/>
+            <pc:sldMk cId="0" sldId="256"/>
+            <ac:spMk id="7" creationId="{00000000-0000-0000-0000-000000000000}"/>
+          </ac:spMkLst>
+        </pc:spChg>
+        <pc:spChg chg="mod">
+          <ac:chgData name="Prakash Y" userId="4bab4cd9d2318bd6" providerId="LiveId" clId="{F58CBE45-31C4-4508-8C62-54FEBD6B4B79}" dt="2023-08-25T06:45:55.955" v="52" actId="207"/>
+          <ac:spMkLst>
+            <pc:docMk/>
+            <pc:sldMk cId="0" sldId="256"/>
+            <ac:spMk id="88" creationId="{00000000-0000-0000-0000-000000000000}"/>
+          </ac:spMkLst>
+        </pc:spChg>
+        <pc:spChg chg="mod">
+          <ac:chgData name="Prakash Y" userId="4bab4cd9d2318bd6" providerId="LiveId" clId="{F58CBE45-31C4-4508-8C62-54FEBD6B4B79}" dt="2023-08-25T06:46:40.836" v="90" actId="207"/>
+          <ac:spMkLst>
+            <pc:docMk/>
+            <pc:sldMk cId="0" sldId="256"/>
+            <ac:spMk id="89" creationId="{00000000-0000-0000-0000-000000000000}"/>
+          </ac:spMkLst>
+        </pc:spChg>
+      </pc:sldChg>
+      <pc:sldChg chg="modSp mod">
+        <pc:chgData name="Prakash Y" userId="4bab4cd9d2318bd6" providerId="LiveId" clId="{F58CBE45-31C4-4508-8C62-54FEBD6B4B79}" dt="2023-08-25T06:45:28.150" v="47" actId="14100"/>
+        <pc:sldMkLst>
+          <pc:docMk/>
+          <pc:sldMk cId="0" sldId="257"/>
+        </pc:sldMkLst>
+        <pc:spChg chg="mod">
+          <ac:chgData name="Prakash Y" userId="4bab4cd9d2318bd6" providerId="LiveId" clId="{F58CBE45-31C4-4508-8C62-54FEBD6B4B79}" dt="2023-08-25T06:45:07.599" v="41" actId="2711"/>
+          <ac:spMkLst>
+            <pc:docMk/>
+            <pc:sldMk cId="0" sldId="257"/>
+            <ac:spMk id="96" creationId="{00000000-0000-0000-0000-000000000000}"/>
+          </ac:spMkLst>
+        </pc:spChg>
+        <pc:spChg chg="mod">
+          <ac:chgData name="Prakash Y" userId="4bab4cd9d2318bd6" providerId="LiveId" clId="{F58CBE45-31C4-4508-8C62-54FEBD6B4B79}" dt="2023-08-25T06:45:28.150" v="47" actId="14100"/>
+          <ac:spMkLst>
+            <pc:docMk/>
+            <pc:sldMk cId="0" sldId="257"/>
+            <ac:spMk id="97" creationId="{00000000-0000-0000-0000-000000000000}"/>
+          </ac:spMkLst>
+        </pc:spChg>
+      </pc:sldChg>
+      <pc:sldChg chg="modSp mod">
+        <pc:chgData name="Prakash Y" userId="4bab4cd9d2318bd6" providerId="LiveId" clId="{F58CBE45-31C4-4508-8C62-54FEBD6B4B79}" dt="2023-08-25T06:44:48.398" v="39" actId="255"/>
+        <pc:sldMkLst>
+          <pc:docMk/>
+          <pc:sldMk cId="1066086990" sldId="259"/>
+        </pc:sldMkLst>
+        <pc:spChg chg="mod">
+          <ac:chgData name="Prakash Y" userId="4bab4cd9d2318bd6" providerId="LiveId" clId="{F58CBE45-31C4-4508-8C62-54FEBD6B4B79}" dt="2023-08-25T06:44:29.801" v="34" actId="2711"/>
+          <ac:spMkLst>
+            <pc:docMk/>
+            <pc:sldMk cId="1066086990" sldId="259"/>
+            <ac:spMk id="96" creationId="{00000000-0000-0000-0000-000000000000}"/>
+          </ac:spMkLst>
+        </pc:spChg>
+        <pc:spChg chg="mod">
+          <ac:chgData name="Prakash Y" userId="4bab4cd9d2318bd6" providerId="LiveId" clId="{F58CBE45-31C4-4508-8C62-54FEBD6B4B79}" dt="2023-08-25T06:44:48.398" v="39" actId="255"/>
+          <ac:spMkLst>
+            <pc:docMk/>
+            <pc:sldMk cId="1066086990" sldId="259"/>
+            <ac:spMk id="97" creationId="{00000000-0000-0000-0000-000000000000}"/>
+          </ac:spMkLst>
+        </pc:spChg>
+      </pc:sldChg>
+      <pc:sldChg chg="modSp mod">
+        <pc:chgData name="Prakash Y" userId="4bab4cd9d2318bd6" providerId="LiveId" clId="{F58CBE45-31C4-4508-8C62-54FEBD6B4B79}" dt="2023-08-25T06:44:09.011" v="32" actId="123"/>
+        <pc:sldMkLst>
+          <pc:docMk/>
+          <pc:sldMk cId="3626857481" sldId="260"/>
+        </pc:sldMkLst>
+        <pc:spChg chg="mod">
+          <ac:chgData name="Prakash Y" userId="4bab4cd9d2318bd6" providerId="LiveId" clId="{F58CBE45-31C4-4508-8C62-54FEBD6B4B79}" dt="2023-08-25T06:43:39.311" v="21" actId="113"/>
+          <ac:spMkLst>
+            <pc:docMk/>
+            <pc:sldMk cId="3626857481" sldId="260"/>
+            <ac:spMk id="96" creationId="{00000000-0000-0000-0000-000000000000}"/>
+          </ac:spMkLst>
+        </pc:spChg>
+        <pc:spChg chg="mod">
+          <ac:chgData name="Prakash Y" userId="4bab4cd9d2318bd6" providerId="LiveId" clId="{F58CBE45-31C4-4508-8C62-54FEBD6B4B79}" dt="2023-08-25T06:44:09.011" v="32" actId="123"/>
+          <ac:spMkLst>
+            <pc:docMk/>
+            <pc:sldMk cId="3626857481" sldId="260"/>
+            <ac:spMk id="97" creationId="{00000000-0000-0000-0000-000000000000}"/>
+          </ac:spMkLst>
+        </pc:spChg>
+      </pc:sldChg>
+      <pc:sldChg chg="modSp mod">
+        <pc:chgData name="Prakash Y" userId="4bab4cd9d2318bd6" providerId="LiveId" clId="{F58CBE45-31C4-4508-8C62-54FEBD6B4B79}" dt="2023-08-25T06:43:31.708" v="20" actId="123"/>
+        <pc:sldMkLst>
+          <pc:docMk/>
+          <pc:sldMk cId="3706963159" sldId="271"/>
+        </pc:sldMkLst>
+        <pc:spChg chg="mod">
+          <ac:chgData name="Prakash Y" userId="4bab4cd9d2318bd6" providerId="LiveId" clId="{F58CBE45-31C4-4508-8C62-54FEBD6B4B79}" dt="2023-08-25T06:42:30.620" v="7" actId="20577"/>
+          <ac:spMkLst>
+            <pc:docMk/>
+            <pc:sldMk cId="3706963159" sldId="271"/>
+            <ac:spMk id="2" creationId="{FB7B518F-859D-E8D4-0829-673A286142CD}"/>
+          </ac:spMkLst>
+        </pc:spChg>
+        <pc:spChg chg="mod">
+          <ac:chgData name="Prakash Y" userId="4bab4cd9d2318bd6" providerId="LiveId" clId="{F58CBE45-31C4-4508-8C62-54FEBD6B4B79}" dt="2023-08-25T06:43:31.708" v="20" actId="123"/>
+          <ac:spMkLst>
+            <pc:docMk/>
+            <pc:sldMk cId="3706963159" sldId="271"/>
+            <ac:spMk id="3" creationId="{DD61E5A9-6CE4-DEDA-E5BE-D29FD34908E8}"/>
+          </ac:spMkLst>
+        </pc:spChg>
+      </pc:sldChg>
+    </pc:docChg>
+  </pc:docChgLst>
+</pc:chgInfo>
 </file>
 
 <file path=ppt/notesMasters/notesMaster1.xml><?xml version="1.0" encoding="utf-8"?>
@@ -12428,32 +12565,36 @@
             </a:br>
             <a:br>
               <a:rPr lang="en-US" dirty="0">
+                <a:solidFill>
+                  <a:schemeClr val="tx1"/>
+                </a:solidFill>
                 <a:latin typeface="Times New Roman" panose="02020603050405020304" pitchFamily="18" charset="0"/>
                 <a:cs typeface="Times New Roman" panose="02020603050405020304" pitchFamily="18" charset="0"/>
               </a:rPr>
             </a:br>
             <a:r>
-              <a:rPr lang="en-IN" sz="1800" dirty="0">
-                <a:solidFill>
-                  <a:schemeClr val="tx1">
-                    <a:lumMod val="75000"/>
-                    <a:lumOff val="25000"/>
-                  </a:schemeClr>
-                </a:solidFill>
+              <a:rPr lang="en-IN" sz="1800" b="1" dirty="0">
+                <a:solidFill>
+                  <a:schemeClr val="tx1"/>
+                </a:solidFill>
+                <a:latin typeface="Times New Roman" panose="02020603050405020304" pitchFamily="18" charset="0"/>
+                <a:cs typeface="Times New Roman" panose="02020603050405020304" pitchFamily="18" charset="0"/>
               </a:rPr>
               <a:t>Analyse the soil fertility with the essential nutrients present in the soil</a:t>
             </a:r>
             <a:br>
-              <a:rPr lang="en-IN" sz="4400" dirty="0">
-                <a:solidFill>
-                  <a:schemeClr val="tx1">
-                    <a:lumMod val="75000"/>
-                    <a:lumOff val="25000"/>
-                  </a:schemeClr>
-                </a:solidFill>
+              <a:rPr lang="en-IN" sz="4400" b="1" dirty="0">
+                <a:solidFill>
+                  <a:schemeClr val="tx1"/>
+                </a:solidFill>
+                <a:latin typeface="Times New Roman" panose="02020603050405020304" pitchFamily="18" charset="0"/>
+                <a:cs typeface="Times New Roman" panose="02020603050405020304" pitchFamily="18" charset="0"/>
               </a:rPr>
             </a:br>
-            <a:endParaRPr dirty="0">
+            <a:endParaRPr b="1" dirty="0">
+              <a:solidFill>
+                <a:schemeClr val="tx1"/>
+              </a:solidFill>
               <a:latin typeface="Times New Roman" panose="02020603050405020304" pitchFamily="18" charset="0"/>
               <a:cs typeface="Times New Roman" panose="02020603050405020304" pitchFamily="18" charset="0"/>
             </a:endParaRPr>
@@ -12485,7 +12626,7 @@
         </p:spPr>
         <p:txBody>
           <a:bodyPr spcFirstLastPara="1" wrap="square" lIns="91425" tIns="45700" rIns="91425" bIns="45700" anchor="t" anchorCtr="0">
-            <a:normAutofit fontScale="55000" lnSpcReduction="20000"/>
+            <a:normAutofit fontScale="92500" lnSpcReduction="10000"/>
           </a:bodyPr>
           <a:lstStyle/>
           <a:p>
@@ -12496,7 +12637,10 @@
               <a:buSzPct val="100000"/>
             </a:pPr>
             <a:r>
-              <a:rPr lang="en-US" dirty="0">
+              <a:rPr lang="en-US" sz="1600" dirty="0">
+                <a:solidFill>
+                  <a:schemeClr val="tx1"/>
+                </a:solidFill>
                 <a:latin typeface="Times New Roman" panose="02020603050405020304" pitchFamily="18" charset="0"/>
                 <a:cs typeface="Times New Roman" panose="02020603050405020304" pitchFamily="18" charset="0"/>
               </a:rPr>
@@ -12517,7 +12661,10 @@
               <a:buSzPct val="100000"/>
               <a:buNone/>
             </a:pPr>
-            <a:endParaRPr lang="en-US" dirty="0">
+            <a:endParaRPr lang="en-US" sz="1600" dirty="0">
+              <a:solidFill>
+                <a:schemeClr val="tx1"/>
+              </a:solidFill>
               <a:latin typeface="Times New Roman" panose="02020603050405020304" pitchFamily="18" charset="0"/>
               <a:cs typeface="Times New Roman" panose="02020603050405020304" pitchFamily="18" charset="0"/>
             </a:endParaRPr>
@@ -12537,13 +12684,19 @@
               <a:buNone/>
             </a:pPr>
             <a:r>
-              <a:rPr lang="en-US" dirty="0">
+              <a:rPr lang="en-US" sz="1600" dirty="0">
+                <a:solidFill>
+                  <a:schemeClr val="tx1"/>
+                </a:solidFill>
                 <a:latin typeface="Times New Roman" panose="02020603050405020304" pitchFamily="18" charset="0"/>
                 <a:cs typeface="Times New Roman" panose="02020603050405020304" pitchFamily="18" charset="0"/>
               </a:rPr>
               <a:t>Student 1 Reg. No: RA2011003010044</a:t>
             </a:r>
-            <a:endParaRPr dirty="0">
+            <a:endParaRPr sz="1600" dirty="0">
+              <a:solidFill>
+                <a:schemeClr val="tx1"/>
+              </a:solidFill>
               <a:latin typeface="Times New Roman" panose="02020603050405020304" pitchFamily="18" charset="0"/>
               <a:cs typeface="Times New Roman" panose="02020603050405020304" pitchFamily="18" charset="0"/>
             </a:endParaRPr>
@@ -12556,7 +12709,10 @@
               <a:buSzPct val="100000"/>
             </a:pPr>
             <a:r>
-              <a:rPr lang="en-US" dirty="0">
+              <a:rPr lang="en-US" sz="1600" dirty="0">
+                <a:solidFill>
+                  <a:schemeClr val="tx1"/>
+                </a:solidFill>
                 <a:latin typeface="Times New Roman" panose="02020603050405020304" pitchFamily="18" charset="0"/>
                 <a:cs typeface="Times New Roman" panose="02020603050405020304" pitchFamily="18" charset="0"/>
               </a:rPr>
@@ -12577,7 +12733,10 @@
               <a:buSzPct val="100000"/>
               <a:buNone/>
             </a:pPr>
-            <a:endParaRPr lang="en-US" dirty="0">
+            <a:endParaRPr lang="en-US" sz="1600" dirty="0">
+              <a:solidFill>
+                <a:schemeClr val="tx1"/>
+              </a:solidFill>
               <a:latin typeface="Times New Roman" panose="02020603050405020304" pitchFamily="18" charset="0"/>
               <a:cs typeface="Times New Roman" panose="02020603050405020304" pitchFamily="18" charset="0"/>
             </a:endParaRPr>
@@ -12597,7 +12756,10 @@
               <a:buNone/>
             </a:pPr>
             <a:r>
-              <a:rPr lang="en-US" dirty="0">
+              <a:rPr lang="en-US" sz="1600" dirty="0">
+                <a:solidFill>
+                  <a:schemeClr val="tx1"/>
+                </a:solidFill>
                 <a:latin typeface="Times New Roman" panose="02020603050405020304" pitchFamily="18" charset="0"/>
                 <a:cs typeface="Times New Roman" panose="02020603050405020304" pitchFamily="18" charset="0"/>
               </a:rPr>
@@ -12612,13 +12774,19 @@
               <a:buSzPct val="100000"/>
             </a:pPr>
             <a:r>
-              <a:rPr lang="en-US" dirty="0">
+              <a:rPr lang="en-US" sz="1600" dirty="0">
+                <a:solidFill>
+                  <a:schemeClr val="tx1"/>
+                </a:solidFill>
                 <a:latin typeface="Times New Roman" panose="02020603050405020304" pitchFamily="18" charset="0"/>
                 <a:cs typeface="Times New Roman" panose="02020603050405020304" pitchFamily="18" charset="0"/>
               </a:rPr>
               <a:t>Student 2 Name: Jagadeesh S</a:t>
             </a:r>
-            <a:endParaRPr dirty="0">
+            <a:endParaRPr sz="1600" dirty="0">
+              <a:solidFill>
+                <a:schemeClr val="tx1"/>
+              </a:solidFill>
               <a:latin typeface="Times New Roman" panose="02020603050405020304" pitchFamily="18" charset="0"/>
               <a:cs typeface="Times New Roman" panose="02020603050405020304" pitchFamily="18" charset="0"/>
             </a:endParaRPr>
@@ -12816,8 +12984,8 @@
         </p:nvSpPr>
         <p:spPr>
           <a:xfrm>
-            <a:off x="228600" y="5243512"/>
-            <a:ext cx="3471862" cy="1190625"/>
+            <a:off x="228600" y="4586288"/>
+            <a:ext cx="3471862" cy="1847849"/>
           </a:xfrm>
           <a:prstGeom prst="rect">
             <a:avLst/>
@@ -12829,7 +12997,7 @@
         </p:spPr>
         <p:txBody>
           <a:bodyPr spcFirstLastPara="1" wrap="square" lIns="91425" tIns="45700" rIns="91425" bIns="45700" anchor="t" anchorCtr="0">
-            <a:normAutofit fontScale="40000" lnSpcReduction="20000"/>
+            <a:normAutofit fontScale="47500" lnSpcReduction="20000"/>
           </a:bodyPr>
           <a:lstStyle>
             <a:defPPr marR="0" lvl="0" algn="l" rtl="0">
@@ -13090,6 +13258,9 @@
             </a:pPr>
             <a:r>
               <a:rPr lang="en-US" dirty="0">
+                <a:solidFill>
+                  <a:schemeClr val="tx1"/>
+                </a:solidFill>
                 <a:latin typeface="Times New Roman" panose="02020603050405020304" pitchFamily="18" charset="0"/>
                 <a:cs typeface="Times New Roman" panose="02020603050405020304" pitchFamily="18" charset="0"/>
               </a:rPr>
@@ -13108,6 +13279,9 @@
             </a:pPr>
             <a:r>
               <a:rPr lang="en-US" dirty="0">
+                <a:solidFill>
+                  <a:schemeClr val="tx1"/>
+                </a:solidFill>
                 <a:latin typeface="Times New Roman" panose="02020603050405020304" pitchFamily="18" charset="0"/>
                 <a:cs typeface="Times New Roman" panose="02020603050405020304" pitchFamily="18" charset="0"/>
               </a:rPr>
@@ -13115,12 +13289,18 @@
             </a:r>
             <a:br>
               <a:rPr lang="en-US" dirty="0">
+                <a:solidFill>
+                  <a:schemeClr val="tx1"/>
+                </a:solidFill>
                 <a:latin typeface="Times New Roman" panose="02020603050405020304" pitchFamily="18" charset="0"/>
                 <a:cs typeface="Times New Roman" panose="02020603050405020304" pitchFamily="18" charset="0"/>
               </a:rPr>
             </a:br>
             <a:r>
               <a:rPr lang="en-US" dirty="0">
+                <a:solidFill>
+                  <a:schemeClr val="tx1"/>
+                </a:solidFill>
                 <a:latin typeface="Times New Roman" panose="02020603050405020304" pitchFamily="18" charset="0"/>
                 <a:cs typeface="Times New Roman" panose="02020603050405020304" pitchFamily="18" charset="0"/>
               </a:rPr>
@@ -13339,7 +13519,7 @@
               <a:buNone/>
             </a:pPr>
             <a:r>
-              <a:rPr lang="en-US" sz="2800" dirty="0">
+              <a:rPr lang="en-US" sz="2800" b="1" dirty="0">
                 <a:latin typeface="Times New Roman" panose="02020603050405020304" pitchFamily="18" charset="0"/>
                 <a:cs typeface="Times New Roman" panose="02020603050405020304" pitchFamily="18" charset="0"/>
               </a:rPr>
@@ -13437,151 +13617,241 @@
           </a:bodyPr>
           <a:lstStyle/>
           <a:p>
-            <a:pPr marL="114300" indent="0" algn="l">
+            <a:pPr marL="114300" indent="0" algn="just">
               <a:buNone/>
             </a:pPr>
             <a:r>
-              <a:rPr lang="en-GB" sz="1400" dirty="0"/>
-              <a:t>1. Data Collection and Storage:</a:t>
-            </a:r>
-          </a:p>
-          <a:p>
-            <a:pPr marL="742950" lvl="1" indent="-285750">
+              <a:rPr lang="en-GB" sz="1400" b="1" dirty="0"/>
+              <a:t>1. </a:t>
+            </a:r>
+            <a:r>
+              <a:rPr lang="en-GB" sz="1400" b="1" dirty="0">
+                <a:latin typeface="Times New Roman" panose="02020603050405020304" pitchFamily="18" charset="0"/>
+                <a:cs typeface="Times New Roman" panose="02020603050405020304" pitchFamily="18" charset="0"/>
+              </a:rPr>
+              <a:t>Data Collection and Storage:</a:t>
+            </a:r>
+          </a:p>
+          <a:p>
+            <a:pPr marL="742950" lvl="1" indent="-285750" algn="just">
               <a:buFont typeface="Arial" panose="020B0604020202020204" pitchFamily="34" charset="0"/>
               <a:buChar char="•"/>
             </a:pPr>
             <a:r>
-              <a:rPr lang="en-GB" sz="1400" dirty="0"/>
+              <a:rPr lang="en-GB" sz="1400" dirty="0">
+                <a:latin typeface="Times New Roman" panose="02020603050405020304" pitchFamily="18" charset="0"/>
+                <a:cs typeface="Times New Roman" panose="02020603050405020304" pitchFamily="18" charset="0"/>
+              </a:rPr>
               <a:t>Gather diverse soil samples with essential nutrients, pH, OC, EC, and other properties.</a:t>
             </a:r>
           </a:p>
           <a:p>
-            <a:pPr marL="742950" lvl="1" indent="-285750">
+            <a:pPr marL="742950" lvl="1" indent="-285750" algn="just">
               <a:buFont typeface="Arial" panose="020B0604020202020204" pitchFamily="34" charset="0"/>
               <a:buChar char="•"/>
             </a:pPr>
             <a:r>
-              <a:rPr lang="en-GB" sz="1400" dirty="0"/>
+              <a:rPr lang="en-GB" sz="1400" dirty="0">
+                <a:latin typeface="Times New Roman" panose="02020603050405020304" pitchFamily="18" charset="0"/>
+                <a:cs typeface="Times New Roman" panose="02020603050405020304" pitchFamily="18" charset="0"/>
+              </a:rPr>
               <a:t>Store the collected data in a structured database.</a:t>
             </a:r>
           </a:p>
           <a:p>
-            <a:pPr marL="114300" indent="0" algn="l">
+            <a:pPr marL="114300" indent="0" algn="just">
               <a:buNone/>
             </a:pPr>
             <a:r>
-              <a:rPr lang="en-GB" sz="1400" dirty="0"/>
+              <a:rPr lang="en-GB" sz="1400" b="1" dirty="0">
+                <a:latin typeface="Times New Roman" panose="02020603050405020304" pitchFamily="18" charset="0"/>
+                <a:cs typeface="Times New Roman" panose="02020603050405020304" pitchFamily="18" charset="0"/>
+              </a:rPr>
               <a:t>2. Data Preprocessing:</a:t>
             </a:r>
           </a:p>
           <a:p>
-            <a:pPr marL="742950" lvl="1" indent="-285750">
+            <a:pPr marL="742950" lvl="1" indent="-285750" algn="just">
               <a:buFont typeface="Arial" panose="020B0604020202020204" pitchFamily="34" charset="0"/>
               <a:buChar char="•"/>
             </a:pPr>
             <a:r>
-              <a:rPr lang="en-GB" sz="1400" dirty="0"/>
+              <a:rPr lang="en-GB" sz="1400" dirty="0">
+                <a:latin typeface="Times New Roman" panose="02020603050405020304" pitchFamily="18" charset="0"/>
+                <a:cs typeface="Times New Roman" panose="02020603050405020304" pitchFamily="18" charset="0"/>
+              </a:rPr>
               <a:t>Clean the data by handling missing values, outliers, and errors.</a:t>
             </a:r>
           </a:p>
           <a:p>
-            <a:pPr marL="742950" lvl="1" indent="-285750">
+            <a:pPr marL="742950" lvl="1" indent="-285750" algn="just">
               <a:buFont typeface="Arial" panose="020B0604020202020204" pitchFamily="34" charset="0"/>
               <a:buChar char="•"/>
             </a:pPr>
             <a:r>
-              <a:rPr lang="en-GB" sz="1400" dirty="0"/>
+              <a:rPr lang="en-GB" sz="1400" dirty="0">
+                <a:latin typeface="Times New Roman" panose="02020603050405020304" pitchFamily="18" charset="0"/>
+                <a:cs typeface="Times New Roman" panose="02020603050405020304" pitchFamily="18" charset="0"/>
+              </a:rPr>
               <a:t>Normalize or standardize features to ensure consistent scaling.</a:t>
             </a:r>
           </a:p>
           <a:p>
-            <a:pPr marL="114300" indent="0" algn="l">
+            <a:pPr marL="114300" indent="0" algn="just">
               <a:buNone/>
             </a:pPr>
             <a:r>
-              <a:rPr lang="en-IN" sz="1400" dirty="0"/>
-              <a:t>3. Machine Learning Model Training:</a:t>
-            </a:r>
-          </a:p>
-          <a:p>
-            <a:pPr lvl="1">
+              <a:rPr lang="en-IN" sz="1400" b="1" dirty="0">
+                <a:latin typeface="Times New Roman" panose="02020603050405020304" pitchFamily="18" charset="0"/>
+                <a:cs typeface="Times New Roman" panose="02020603050405020304" pitchFamily="18" charset="0"/>
+              </a:rPr>
+              <a:t>3. Generating SFI value:</a:t>
+            </a:r>
+          </a:p>
+          <a:p>
+            <a:pPr marL="746125" indent="-288925" algn="just"/>
+            <a:r>
+              <a:rPr lang="en-IN" sz="1400" dirty="0">
+                <a:latin typeface="Times New Roman" panose="02020603050405020304" pitchFamily="18" charset="0"/>
+                <a:cs typeface="Times New Roman" panose="02020603050405020304" pitchFamily="18" charset="0"/>
+              </a:rPr>
+              <a:t>With the necessary information </a:t>
+            </a:r>
+            <a:r>
+              <a:rPr lang="en-IN" sz="1400" dirty="0">
+                <a:latin typeface="Times New Roman" panose="02020603050405020304" pitchFamily="18" charset="0"/>
+                <a:ea typeface="Calibri" panose="020F0502020204030204" pitchFamily="34" charset="0"/>
+                <a:cs typeface="Times New Roman" panose="02020603050405020304" pitchFamily="18" charset="0"/>
+              </a:rPr>
+              <a:t>such as </a:t>
+            </a:r>
+            <a:r>
+              <a:rPr lang="en-IN" sz="1400" b="0" i="0" dirty="0">
+                <a:solidFill>
+                  <a:schemeClr val="tx1"/>
+                </a:solidFill>
+                <a:effectLst/>
+                <a:latin typeface="Times New Roman" panose="02020603050405020304" pitchFamily="18" charset="0"/>
+                <a:ea typeface="Calibri" panose="020F0502020204030204" pitchFamily="34" charset="0"/>
+                <a:cs typeface="Times New Roman" panose="02020603050405020304" pitchFamily="18" charset="0"/>
+              </a:rPr>
+              <a:t>Nutrient Score, pH Score, EC Score, OC Score and Texture Score we can calculate the Soil fertility index score.</a:t>
+            </a:r>
+            <a:endParaRPr lang="en-IN" sz="1400" dirty="0">
+              <a:solidFill>
+                <a:schemeClr val="tx1"/>
+              </a:solidFill>
+              <a:latin typeface="Times New Roman" panose="02020603050405020304" pitchFamily="18" charset="0"/>
+              <a:ea typeface="Calibri" panose="020F0502020204030204" pitchFamily="34" charset="0"/>
+              <a:cs typeface="Times New Roman" panose="02020603050405020304" pitchFamily="18" charset="0"/>
+            </a:endParaRPr>
+          </a:p>
+          <a:p>
+            <a:pPr marL="114300" indent="0" algn="just">
+              <a:buNone/>
+            </a:pPr>
+            <a:r>
+              <a:rPr lang="en-IN" sz="1400" b="1" dirty="0">
+                <a:latin typeface="Times New Roman" panose="02020603050405020304" pitchFamily="18" charset="0"/>
+                <a:cs typeface="Times New Roman" panose="02020603050405020304" pitchFamily="18" charset="0"/>
+              </a:rPr>
+              <a:t>4.  Machine Learning Model Training:</a:t>
+            </a:r>
+          </a:p>
+          <a:p>
+            <a:pPr marL="690563" lvl="1" indent="-233363" algn="just">
               <a:buFont typeface="Arial" panose="020B0604020202020204" pitchFamily="34" charset="0"/>
               <a:buChar char="•"/>
             </a:pPr>
             <a:r>
-              <a:rPr lang="en-IN" sz="1400" dirty="0"/>
+              <a:rPr lang="en-IN" sz="1400" dirty="0">
+                <a:latin typeface="Times New Roman" panose="02020603050405020304" pitchFamily="18" charset="0"/>
+                <a:cs typeface="Times New Roman" panose="02020603050405020304" pitchFamily="18" charset="0"/>
+              </a:rPr>
               <a:t>Choose appropriate machine learning algorithms (Random Forest) for the prediction task.</a:t>
             </a:r>
           </a:p>
           <a:p>
-            <a:pPr lvl="1">
+            <a:pPr marL="690563" lvl="1" indent="-233363" algn="just">
               <a:buFont typeface="Arial" panose="020B0604020202020204" pitchFamily="34" charset="0"/>
               <a:buChar char="•"/>
             </a:pPr>
             <a:r>
-              <a:rPr lang="en-IN" sz="1400" dirty="0"/>
+              <a:rPr lang="en-IN" sz="1400" dirty="0">
+                <a:latin typeface="Times New Roman" panose="02020603050405020304" pitchFamily="18" charset="0"/>
+                <a:cs typeface="Times New Roman" panose="02020603050405020304" pitchFamily="18" charset="0"/>
+              </a:rPr>
               <a:t>Split the data into training and validation sets.</a:t>
             </a:r>
           </a:p>
           <a:p>
-            <a:pPr lvl="1">
+            <a:pPr marL="690563" lvl="1" indent="-233363" algn="just">
               <a:buFont typeface="Arial" panose="020B0604020202020204" pitchFamily="34" charset="0"/>
               <a:buChar char="•"/>
             </a:pPr>
             <a:r>
-              <a:rPr lang="en-IN" sz="1400" dirty="0"/>
+              <a:rPr lang="en-IN" sz="1400" dirty="0">
+                <a:latin typeface="Times New Roman" panose="02020603050405020304" pitchFamily="18" charset="0"/>
+                <a:cs typeface="Times New Roman" panose="02020603050405020304" pitchFamily="18" charset="0"/>
+              </a:rPr>
               <a:t>Train the chosen models using the training data, tuning hyperparameters for optimal performance.</a:t>
             </a:r>
           </a:p>
           <a:p>
-            <a:pPr marL="114300" indent="0" algn="l">
+            <a:pPr marL="114300" indent="0" algn="just">
               <a:buNone/>
             </a:pPr>
             <a:r>
-              <a:rPr lang="en-IN" sz="1400" dirty="0"/>
+              <a:rPr lang="en-IN" sz="1400" b="1" dirty="0">
+                <a:latin typeface="Times New Roman" panose="02020603050405020304" pitchFamily="18" charset="0"/>
+                <a:cs typeface="Times New Roman" panose="02020603050405020304" pitchFamily="18" charset="0"/>
+              </a:rPr>
               <a:t>4. </a:t>
             </a:r>
             <a:r>
-              <a:rPr lang="en-GB" sz="1400" dirty="0"/>
-              <a:t>User Interface Development:</a:t>
-            </a:r>
-          </a:p>
-          <a:p>
-            <a:pPr lvl="1">
+              <a:rPr lang="en-GB" sz="1400" b="1" dirty="0">
+                <a:latin typeface="Times New Roman" panose="02020603050405020304" pitchFamily="18" charset="0"/>
+                <a:cs typeface="Times New Roman" panose="02020603050405020304" pitchFamily="18" charset="0"/>
+              </a:rPr>
+              <a:t>Model Deployment:</a:t>
+            </a:r>
+          </a:p>
+          <a:p>
+            <a:pPr marL="690563" lvl="1" indent="-233363" algn="just">
               <a:buFont typeface="Arial" panose="020B0604020202020204" pitchFamily="34" charset="0"/>
               <a:buChar char="•"/>
             </a:pPr>
             <a:r>
-              <a:rPr lang="en-GB" sz="1400" dirty="0"/>
+              <a:rPr lang="en-GB" sz="1400" dirty="0">
+                <a:latin typeface="Times New Roman" panose="02020603050405020304" pitchFamily="18" charset="0"/>
+                <a:cs typeface="Times New Roman" panose="02020603050405020304" pitchFamily="18" charset="0"/>
+              </a:rPr>
               <a:t>Design a web-based interface where users can input soil data and receive predictions.</a:t>
             </a:r>
           </a:p>
           <a:p>
-            <a:pPr lvl="1">
+            <a:pPr marL="690563" lvl="1" indent="-233363" algn="just">
               <a:buFont typeface="Arial" panose="020B0604020202020204" pitchFamily="34" charset="0"/>
               <a:buChar char="•"/>
             </a:pPr>
             <a:r>
-              <a:rPr lang="en-GB" sz="1400" dirty="0"/>
+              <a:rPr lang="en-GB" sz="1400" dirty="0">
+                <a:latin typeface="Times New Roman" panose="02020603050405020304" pitchFamily="18" charset="0"/>
+                <a:cs typeface="Times New Roman" panose="02020603050405020304" pitchFamily="18" charset="0"/>
+              </a:rPr>
               <a:t>Create user-friendly input forms with appropriate validations.</a:t>
             </a:r>
           </a:p>
           <a:p>
-            <a:pPr marL="114300" indent="0" algn="l">
-              <a:buNone/>
-            </a:pPr>
-            <a:r>
-              <a:rPr lang="en-GB" sz="1400" dirty="0"/>
-              <a:t>5. Prediction Generation:</a:t>
-            </a:r>
-          </a:p>
-          <a:p>
-            <a:pPr lvl="1">
+            <a:pPr marL="690563" lvl="1" indent="-233363" algn="just">
               <a:buFont typeface="Arial" panose="020B0604020202020204" pitchFamily="34" charset="0"/>
               <a:buChar char="•"/>
             </a:pPr>
             <a:r>
-              <a:rPr lang="en-GB" sz="1400" dirty="0"/>
+              <a:rPr lang="en-GB" sz="1400" dirty="0">
+                <a:latin typeface="Times New Roman" panose="02020603050405020304" pitchFamily="18" charset="0"/>
+                <a:cs typeface="Times New Roman" panose="02020603050405020304" pitchFamily="18" charset="0"/>
+              </a:rPr>
               <a:t>Implement the trained machine learning model in the backend to generate predictions based on user-inputted data.</a:t>
             </a:r>
           </a:p>
@@ -13782,10 +14052,10 @@
           <a:lstStyle/>
           <a:p>
             <a:r>
-              <a:rPr lang="en-US" sz="3200" dirty="0">
-                <a:latin typeface="Calibri" panose="020F0502020204030204" pitchFamily="34" charset="0"/>
+              <a:rPr lang="en-US" sz="3200" b="1" dirty="0">
+                <a:latin typeface="Times New Roman" panose="02020603050405020304" pitchFamily="18" charset="0"/>
                 <a:ea typeface="Calibri" panose="020F0502020204030204" pitchFamily="34" charset="0"/>
-                <a:cs typeface="Calibri" panose="020F0502020204030204" pitchFamily="34" charset="0"/>
+                <a:cs typeface="Times New Roman" panose="02020603050405020304" pitchFamily="18" charset="0"/>
               </a:rPr>
               <a:t>Modules Description </a:t>
             </a:r>
@@ -13837,7 +14107,7 @@
         </p:blipFill>
         <p:spPr>
           <a:xfrm>
-            <a:off x="381000" y="457200"/>
+            <a:off x="0" y="501650"/>
             <a:ext cx="2237740" cy="755015"/>
           </a:xfrm>
           <a:prstGeom prst="rect">
@@ -13989,8 +14259,8 @@
         </p:nvSpPr>
         <p:spPr>
           <a:xfrm>
-            <a:off x="2994212" y="313765"/>
-            <a:ext cx="5692588" cy="1569660"/>
+            <a:off x="2618740" y="531482"/>
+            <a:ext cx="6802931" cy="1077218"/>
           </a:xfrm>
           <a:prstGeom prst="rect">
             <a:avLst/>
@@ -14004,7 +14274,7 @@
           <a:lstStyle/>
           <a:p>
             <a:r>
-              <a:rPr lang="en-US" sz="3200" dirty="0">
+              <a:rPr lang="en-US" sz="3200" b="1" dirty="0">
                 <a:latin typeface="Times New Roman" panose="02020603050405020304" pitchFamily="18" charset="0"/>
                 <a:cs typeface="Times New Roman" panose="02020603050405020304" pitchFamily="18" charset="0"/>
               </a:rPr>
@@ -14012,7 +14282,7 @@
             </a:r>
           </a:p>
           <a:p>
-            <a:endParaRPr lang="en-IN" sz="3200" dirty="0"/>
+            <a:endParaRPr lang="en-IN" sz="3200" b="1" dirty="0"/>
           </a:p>
         </p:txBody>
       </p:sp>
@@ -14159,7 +14429,7 @@
         <p:spPr>
           <a:xfrm>
             <a:off x="313765" y="349624"/>
-            <a:ext cx="5504329" cy="307777"/>
+            <a:ext cx="5504329" cy="369332"/>
           </a:xfrm>
           <a:prstGeom prst="rect">
             <a:avLst/>
@@ -14173,7 +14443,10 @@
           <a:lstStyle/>
           <a:p>
             <a:r>
-              <a:rPr lang="en-IN" b="1" dirty="0"/>
+              <a:rPr lang="en-IN" sz="1800" b="1" dirty="0">
+                <a:latin typeface="Times New Roman" panose="02020603050405020304" pitchFamily="18" charset="0"/>
+                <a:cs typeface="Times New Roman" panose="02020603050405020304" pitchFamily="18" charset="0"/>
+              </a:rPr>
               <a:t>Newly formed Dataset: </a:t>
             </a:r>
           </a:p>
@@ -14227,7 +14500,7 @@
         </p:nvSpPr>
         <p:spPr>
           <a:xfrm>
-            <a:off x="457200" y="412376"/>
+            <a:off x="270588" y="136525"/>
             <a:ext cx="8229600" cy="5713787"/>
           </a:xfrm>
         </p:spPr>
@@ -14237,14 +14510,64 @@
           </a:bodyPr>
           <a:lstStyle/>
           <a:p>
-            <a:pPr marL="114300" indent="0">
-              <a:buNone/>
+            <a:pPr algn="just">
+              <a:lnSpc>
+                <a:spcPct val="150000"/>
+              </a:lnSpc>
             </a:pPr>
             <a:r>
-              <a:rPr lang="en-GB" sz="2200" dirty="0"/>
-              <a:t>In the provided dataset, which encompasses parameters such as pH, electrical conductivity (EC), organic carbon (OC), and various micronutrient levels, an additional layer of insight has been introduced through the calculation of a soil fertility index. This index is a synthesized metric that encapsulates the holistic fertility of the soil, merging the individual parameters into a single value. By employing specific formulas and calculations, this index offers a comprehensive evaluation of the soil's fertility status, integrating key factors that influence plant growth and productivity. The inclusion of the soil fertility index in the dataset enhances its utility by providing a consolidated measure that simplifies decision-making processes related to agricultural practices and resource allocation. This index becomes an invaluable tool for understanding the overall soil health and determining appropriate strategies for optimizing crop cultivation and land management practices.</a:t>
-            </a:r>
-            <a:endParaRPr lang="en-IN" sz="2200" dirty="0"/>
+              <a:rPr lang="en-GB" sz="1800" dirty="0">
+                <a:latin typeface="Times New Roman" panose="02020603050405020304" pitchFamily="18" charset="0"/>
+                <a:cs typeface="Times New Roman" panose="02020603050405020304" pitchFamily="18" charset="0"/>
+              </a:rPr>
+              <a:t>In the provided dataset, which encompasses parameters such as pH, electrical conductivity (EC), organic carbon (OC), and various micronutrient levels, an additional layer of insight has been introduced through the calculation of a soil fertility index. </a:t>
+            </a:r>
+          </a:p>
+          <a:p>
+            <a:pPr algn="just">
+              <a:lnSpc>
+                <a:spcPct val="150000"/>
+              </a:lnSpc>
+            </a:pPr>
+            <a:r>
+              <a:rPr lang="en-GB" sz="1800" dirty="0">
+                <a:latin typeface="Times New Roman" panose="02020603050405020304" pitchFamily="18" charset="0"/>
+                <a:cs typeface="Times New Roman" panose="02020603050405020304" pitchFamily="18" charset="0"/>
+              </a:rPr>
+              <a:t>This index is a synthesized metric that encapsulates the holistic fertility of the soil, merging the individual parameters into a single value. By employing specific formulas and calculations, this index offers a comprehensive evaluation of the soil's fertility status, integrating key factors that influence plant growth and productivity. </a:t>
+            </a:r>
+          </a:p>
+          <a:p>
+            <a:pPr algn="just">
+              <a:lnSpc>
+                <a:spcPct val="150000"/>
+              </a:lnSpc>
+            </a:pPr>
+            <a:r>
+              <a:rPr lang="en-GB" sz="1800" dirty="0">
+                <a:latin typeface="Times New Roman" panose="02020603050405020304" pitchFamily="18" charset="0"/>
+                <a:cs typeface="Times New Roman" panose="02020603050405020304" pitchFamily="18" charset="0"/>
+              </a:rPr>
+              <a:t>The inclusion of the soil fertility index in the dataset enhances its utility by providing a consolidated measure that simplifies decision-making processes related to agricultural practices and resource allocation. </a:t>
+            </a:r>
+          </a:p>
+          <a:p>
+            <a:pPr algn="just">
+              <a:lnSpc>
+                <a:spcPct val="150000"/>
+              </a:lnSpc>
+            </a:pPr>
+            <a:r>
+              <a:rPr lang="en-GB" sz="1800" dirty="0">
+                <a:latin typeface="Times New Roman" panose="02020603050405020304" pitchFamily="18" charset="0"/>
+                <a:cs typeface="Times New Roman" panose="02020603050405020304" pitchFamily="18" charset="0"/>
+              </a:rPr>
+              <a:t>This index becomes an invaluable tool for understanding the overall soil health and determining appropriate strategies for optimizing crop cultivation and land management practices.</a:t>
+            </a:r>
+            <a:endParaRPr lang="en-IN" sz="1800" dirty="0">
+              <a:latin typeface="Times New Roman" panose="02020603050405020304" pitchFamily="18" charset="0"/>
+              <a:cs typeface="Times New Roman" panose="02020603050405020304" pitchFamily="18" charset="0"/>
+            </a:endParaRPr>
           </a:p>
         </p:txBody>
       </p:sp>
@@ -14328,8 +14651,8 @@
         </p:nvSpPr>
         <p:spPr>
           <a:xfrm>
-            <a:off x="457200" y="1600200"/>
-            <a:ext cx="8229600" cy="4525963"/>
+            <a:off x="457200" y="967161"/>
+            <a:ext cx="8229600" cy="5150656"/>
           </a:xfrm>
           <a:prstGeom prst="rect">
             <a:avLst/>
@@ -14341,28 +14664,56 @@
         </p:spPr>
         <p:txBody>
           <a:bodyPr spcFirstLastPara="1" wrap="square" lIns="91425" tIns="45700" rIns="91425" bIns="45700" anchor="t" anchorCtr="0">
-            <a:normAutofit/>
+            <a:noAutofit/>
           </a:bodyPr>
           <a:lstStyle/>
           <a:p>
-            <a:r>
-              <a:rPr lang="en-GB" sz="2800" dirty="0"/>
+            <a:pPr marL="628650" indent="-514350" algn="just">
+              <a:lnSpc>
+                <a:spcPct val="170000"/>
+              </a:lnSpc>
+              <a:buFont typeface="+mj-lt"/>
+              <a:buAutoNum type="arabicPeriod"/>
+            </a:pPr>
+            <a:r>
+              <a:rPr lang="en-GB" sz="1300" dirty="0">
+                <a:solidFill>
+                  <a:schemeClr val="tx1">
+                    <a:lumMod val="95000"/>
+                    <a:lumOff val="5000"/>
+                  </a:schemeClr>
+                </a:solidFill>
+                <a:latin typeface="Times New Roman" panose="02020603050405020304" pitchFamily="18" charset="0"/>
+                <a:cs typeface="Times New Roman" panose="02020603050405020304" pitchFamily="18" charset="0"/>
+              </a:rPr>
               <a:t>Kaggle Dataset prepared by G. B. Pant University of Agriculture and Technology.</a:t>
             </a:r>
-            <a:endParaRPr lang="en-IN" sz="2800" dirty="0"/>
-          </a:p>
-          <a:p>
-            <a:pPr marL="0" indent="0">
-              <a:buNone/>
+          </a:p>
+          <a:p>
+            <a:pPr marL="628650" indent="-514350" algn="just">
+              <a:lnSpc>
+                <a:spcPct val="170000"/>
+              </a:lnSpc>
+              <a:buFont typeface="+mj-lt"/>
+              <a:buAutoNum type="arabicPeriod"/>
             </a:pPr>
-            <a:endParaRPr lang="en-GB" sz="2800" u="sng" dirty="0">
-              <a:sym typeface="Tahoma"/>
-            </a:endParaRPr>
-          </a:p>
-          <a:p>
-            <a:r>
-              <a:rPr lang="en-US" sz="2800" dirty="0">
-                <a:sym typeface="Helvetica Neue"/>
+            <a:r>
+              <a:rPr lang="en-IN" sz="1300" dirty="0">
+                <a:latin typeface="Times New Roman" panose="02020603050405020304" pitchFamily="18" charset="0"/>
+                <a:cs typeface="Times New Roman" panose="02020603050405020304" pitchFamily="18" charset="0"/>
+              </a:rPr>
+              <a:t>Analyze Soil Fertility Using Deep Learning Convolutional Neural Networks:                                               </a:t>
+            </a:r>
+            <a:r>
+              <a:rPr lang="en-GB" sz="1300" dirty="0" err="1">
+                <a:solidFill>
+                  <a:schemeClr val="tx1">
+                    <a:lumMod val="95000"/>
+                    <a:lumOff val="5000"/>
+                  </a:schemeClr>
+                </a:solidFill>
+                <a:latin typeface="Times New Roman" panose="02020603050405020304" pitchFamily="18" charset="0"/>
+                <a:cs typeface="Times New Roman" panose="02020603050405020304" pitchFamily="18" charset="0"/>
                 <a:hlinkClick r:id="rId3">
                   <a:extLst>
                     <a:ext uri="{A12FA001-AC4F-418D-AE19-62706E023703}">
@@ -14371,11 +14722,70 @@
                   </a:extLst>
                 </a:hlinkClick>
               </a:rPr>
-              <a:t>http://www.international-</a:t>
-            </a:r>
-            <a:r>
-              <a:rPr lang="en-US" sz="2800" dirty="0">
-                <a:sym typeface="Helvetica Neue"/>
+              <a:t>Analyze</a:t>
+            </a:r>
+            <a:r>
+              <a:rPr lang="en-GB" sz="1300" dirty="0">
+                <a:solidFill>
+                  <a:schemeClr val="tx1">
+                    <a:lumMod val="95000"/>
+                    <a:lumOff val="5000"/>
+                  </a:schemeClr>
+                </a:solidFill>
+                <a:latin typeface="Times New Roman" panose="02020603050405020304" pitchFamily="18" charset="0"/>
+                <a:cs typeface="Times New Roman" panose="02020603050405020304" pitchFamily="18" charset="0"/>
+                <a:hlinkClick r:id="rId3">
+                  <a:extLst>
+                    <a:ext uri="{A12FA001-AC4F-418D-AE19-62706E023703}">
+                      <ahyp:hlinkClr xmlns:ahyp="http://schemas.microsoft.com/office/drawing/2018/hyperlinkcolor" val="tx"/>
+                    </a:ext>
+                  </a:extLst>
+                </a:hlinkClick>
+              </a:rPr>
+              <a:t> Soil Fertility using Deep Learning Convolutional Neural Networks (researchgate.net)</a:t>
+            </a:r>
+            <a:endParaRPr lang="en-GB" sz="1300" dirty="0">
+              <a:solidFill>
+                <a:schemeClr val="tx1">
+                  <a:lumMod val="95000"/>
+                  <a:lumOff val="5000"/>
+                </a:schemeClr>
+              </a:solidFill>
+              <a:latin typeface="Times New Roman" panose="02020603050405020304" pitchFamily="18" charset="0"/>
+              <a:cs typeface="Times New Roman" panose="02020603050405020304" pitchFamily="18" charset="0"/>
+            </a:endParaRPr>
+          </a:p>
+          <a:p>
+            <a:pPr marL="628650" indent="-514350" algn="just">
+              <a:lnSpc>
+                <a:spcPct val="170000"/>
+              </a:lnSpc>
+              <a:buFont typeface="+mj-lt"/>
+              <a:buAutoNum type="arabicPeriod"/>
+            </a:pPr>
+            <a:r>
+              <a:rPr lang="en-GB" sz="1300" dirty="0">
+                <a:solidFill>
+                  <a:schemeClr val="tx1">
+                    <a:lumMod val="95000"/>
+                    <a:lumOff val="5000"/>
+                  </a:schemeClr>
+                </a:solidFill>
+                <a:latin typeface="Times New Roman" panose="02020603050405020304" pitchFamily="18" charset="0"/>
+                <a:cs typeface="Times New Roman" panose="02020603050405020304" pitchFamily="18" charset="0"/>
+              </a:rPr>
+              <a:t>Soil Classification Using Machine Learning, Deep Learning, and Computer Vision:                                         </a:t>
+            </a:r>
+            <a:r>
+              <a:rPr lang="en-GB" sz="1300" dirty="0">
+                <a:solidFill>
+                  <a:schemeClr val="tx1">
+                    <a:lumMod val="95000"/>
+                    <a:lumOff val="5000"/>
+                  </a:schemeClr>
+                </a:solidFill>
+                <a:latin typeface="Times New Roman" panose="02020603050405020304" pitchFamily="18" charset="0"/>
+                <a:cs typeface="Times New Roman" panose="02020603050405020304" pitchFamily="18" charset="0"/>
                 <a:hlinkClick r:id="rId4">
                   <a:extLst>
                     <a:ext uri="{A12FA001-AC4F-418D-AE19-62706E023703}">
@@ -14384,39 +14794,128 @@
                   </a:extLst>
                 </a:hlinkClick>
               </a:rPr>
-              <a:t>agrophysics.org/pdf-113349- 43087?filename=Soil%20quality%20ind </a:t>
-            </a:r>
-            <a:r>
-              <a:rPr lang="en-US" sz="2800" dirty="0">
-                <a:sym typeface="Helvetica Neue"/>
-              </a:rPr>
-              <a:t> </a:t>
-            </a:r>
-            <a:r>
-              <a:rPr lang="en-US" sz="2800" dirty="0">
-                <a:sym typeface="Helvetica Neue"/>
-                <a:hlinkClick r:id="rId4">
-                  <a:extLst>
-                    <a:ext uri="{A12FA001-AC4F-418D-AE19-62706E023703}">
-                      <ahyp:hlinkClr xmlns:ahyp="http://schemas.microsoft.com/office/drawing/2018/hyperlinkcolor" val="tx"/>
-                    </a:ext>
-                  </a:extLst>
-                </a:hlinkClick>
-              </a:rPr>
-              <a:t>ex%20for.pdf</a:t>
-            </a:r>
-            <a:endParaRPr lang="en-US" sz="2800" dirty="0">
-              <a:sym typeface="Helvetica Neue"/>
+              <a:t>Soil Classification Using Machine Learning, Deep Learning, and Computer Vision: A Review | SpringerLink</a:t>
+            </a:r>
+            <a:endParaRPr lang="en-GB" sz="1300" dirty="0">
+              <a:solidFill>
+                <a:schemeClr val="tx1">
+                  <a:lumMod val="95000"/>
+                  <a:lumOff val="5000"/>
+                </a:schemeClr>
+              </a:solidFill>
+              <a:latin typeface="Times New Roman" panose="02020603050405020304" pitchFamily="18" charset="0"/>
+              <a:cs typeface="Times New Roman" panose="02020603050405020304" pitchFamily="18" charset="0"/>
             </a:endParaRPr>
           </a:p>
           <a:p>
-            <a:endParaRPr lang="en-US" sz="2800" dirty="0">
-              <a:sym typeface="Helvetica Neue"/>
-            </a:endParaRPr>
-          </a:p>
-          <a:p>
-            <a:r>
-              <a:rPr lang="en-GB" sz="2800" dirty="0">
+            <a:pPr marL="628650" indent="-514350" algn="just">
+              <a:lnSpc>
+                <a:spcPct val="170000"/>
+              </a:lnSpc>
+              <a:buFont typeface="+mj-lt"/>
+              <a:buAutoNum type="arabicPeriod"/>
+            </a:pPr>
+            <a:r>
+              <a:rPr lang="en-IN" sz="1300" dirty="0">
+                <a:solidFill>
+                  <a:schemeClr val="tx1">
+                    <a:lumMod val="95000"/>
+                    <a:lumOff val="5000"/>
+                  </a:schemeClr>
+                </a:solidFill>
+                <a:latin typeface="Times New Roman" panose="02020603050405020304" pitchFamily="18" charset="0"/>
+                <a:cs typeface="Times New Roman" panose="02020603050405020304" pitchFamily="18" charset="0"/>
+              </a:rPr>
+              <a:t>Pant J, Pant P, Pant RP, Bhatt A, Pant D, </a:t>
+            </a:r>
+            <a:r>
+              <a:rPr lang="en-IN" sz="1300" dirty="0" err="1">
+                <a:solidFill>
+                  <a:schemeClr val="tx1">
+                    <a:lumMod val="95000"/>
+                    <a:lumOff val="5000"/>
+                  </a:schemeClr>
+                </a:solidFill>
+                <a:latin typeface="Times New Roman" panose="02020603050405020304" pitchFamily="18" charset="0"/>
+                <a:cs typeface="Times New Roman" panose="02020603050405020304" pitchFamily="18" charset="0"/>
+              </a:rPr>
+              <a:t>Juyal</a:t>
+            </a:r>
+            <a:r>
+              <a:rPr lang="en-IN" sz="1300" dirty="0">
+                <a:solidFill>
+                  <a:schemeClr val="tx1">
+                    <a:lumMod val="95000"/>
+                    <a:lumOff val="5000"/>
+                  </a:schemeClr>
+                </a:solidFill>
+                <a:latin typeface="Times New Roman" panose="02020603050405020304" pitchFamily="18" charset="0"/>
+                <a:cs typeface="Times New Roman" panose="02020603050405020304" pitchFamily="18" charset="0"/>
+              </a:rPr>
+              <a:t> A (2021) Soil quality prediction for determining soil fertility in </a:t>
+            </a:r>
+            <a:r>
+              <a:rPr lang="en-IN" sz="1300" dirty="0" err="1">
+                <a:solidFill>
+                  <a:schemeClr val="tx1">
+                    <a:lumMod val="95000"/>
+                    <a:lumOff val="5000"/>
+                  </a:schemeClr>
+                </a:solidFill>
+                <a:latin typeface="Times New Roman" panose="02020603050405020304" pitchFamily="18" charset="0"/>
+                <a:cs typeface="Times New Roman" panose="02020603050405020304" pitchFamily="18" charset="0"/>
+              </a:rPr>
+              <a:t>Bhimtal</a:t>
+            </a:r>
+            <a:r>
+              <a:rPr lang="en-IN" sz="1300" dirty="0">
+                <a:solidFill>
+                  <a:schemeClr val="tx1">
+                    <a:lumMod val="95000"/>
+                    <a:lumOff val="5000"/>
+                  </a:schemeClr>
+                </a:solidFill>
+                <a:latin typeface="Times New Roman" panose="02020603050405020304" pitchFamily="18" charset="0"/>
+                <a:cs typeface="Times New Roman" panose="02020603050405020304" pitchFamily="18" charset="0"/>
+              </a:rPr>
+              <a:t> Block of Uttarakhand (India) using machine learning. Int J Anal </a:t>
+            </a:r>
+            <a:r>
+              <a:rPr lang="en-IN" sz="1300" dirty="0" err="1">
+                <a:solidFill>
+                  <a:schemeClr val="tx1">
+                    <a:lumMod val="95000"/>
+                    <a:lumOff val="5000"/>
+                  </a:schemeClr>
+                </a:solidFill>
+                <a:latin typeface="Times New Roman" panose="02020603050405020304" pitchFamily="18" charset="0"/>
+                <a:cs typeface="Times New Roman" panose="02020603050405020304" pitchFamily="18" charset="0"/>
+              </a:rPr>
+              <a:t>Appl</a:t>
+            </a:r>
+            <a:r>
+              <a:rPr lang="en-IN" sz="1300" dirty="0">
+                <a:solidFill>
+                  <a:schemeClr val="tx1">
+                    <a:lumMod val="95000"/>
+                    <a:lumOff val="5000"/>
+                  </a:schemeClr>
+                </a:solidFill>
+                <a:latin typeface="Times New Roman" panose="02020603050405020304" pitchFamily="18" charset="0"/>
+                <a:cs typeface="Times New Roman" panose="02020603050405020304" pitchFamily="18" charset="0"/>
+              </a:rPr>
+              <a:t> 19(1):91–109                                                                                                                                </a:t>
+            </a:r>
+            <a:r>
+              <a:rPr lang="en-GB" sz="1300" dirty="0">
+                <a:solidFill>
+                  <a:schemeClr val="tx1">
+                    <a:lumMod val="95000"/>
+                    <a:lumOff val="5000"/>
+                  </a:schemeClr>
+                </a:solidFill>
+                <a:latin typeface="Times New Roman" panose="02020603050405020304" pitchFamily="18" charset="0"/>
+                <a:cs typeface="Times New Roman" panose="02020603050405020304" pitchFamily="18" charset="0"/>
                 <a:hlinkClick r:id="rId5">
                   <a:extLst>
                     <a:ext uri="{A12FA001-AC4F-418D-AE19-62706E023703}">
@@ -14425,15 +14924,305 @@
                   </a:extLst>
                 </a:hlinkClick>
               </a:rPr>
-              <a:t>Importance of Macro and Micro Nutrients for Crops | JLI Blog (jliedu.com)</a:t>
-            </a:r>
-            <a:endParaRPr lang="en-GB" sz="2800" dirty="0"/>
-          </a:p>
-          <a:p>
-            <a:pPr marL="571500" lvl="1" indent="0">
-              <a:buNone/>
+              <a:t>Soil Quality Prediction for Determining Soil Fertility in </a:t>
+            </a:r>
+            <a:r>
+              <a:rPr lang="en-GB" sz="1300" dirty="0" err="1">
+                <a:solidFill>
+                  <a:schemeClr val="tx1">
+                    <a:lumMod val="95000"/>
+                    <a:lumOff val="5000"/>
+                  </a:schemeClr>
+                </a:solidFill>
+                <a:latin typeface="Times New Roman" panose="02020603050405020304" pitchFamily="18" charset="0"/>
+                <a:cs typeface="Times New Roman" panose="02020603050405020304" pitchFamily="18" charset="0"/>
+                <a:hlinkClick r:id="rId5">
+                  <a:extLst>
+                    <a:ext uri="{A12FA001-AC4F-418D-AE19-62706E023703}">
+                      <ahyp:hlinkClr xmlns:ahyp="http://schemas.microsoft.com/office/drawing/2018/hyperlinkcolor" val="tx"/>
+                    </a:ext>
+                  </a:extLst>
+                </a:hlinkClick>
+              </a:rPr>
+              <a:t>Bhimtal</a:t>
+            </a:r>
+            <a:r>
+              <a:rPr lang="en-GB" sz="1300" dirty="0">
+                <a:solidFill>
+                  <a:schemeClr val="tx1">
+                    <a:lumMod val="95000"/>
+                    <a:lumOff val="5000"/>
+                  </a:schemeClr>
+                </a:solidFill>
+                <a:latin typeface="Times New Roman" panose="02020603050405020304" pitchFamily="18" charset="0"/>
+                <a:cs typeface="Times New Roman" panose="02020603050405020304" pitchFamily="18" charset="0"/>
+                <a:hlinkClick r:id="rId5">
+                  <a:extLst>
+                    <a:ext uri="{A12FA001-AC4F-418D-AE19-62706E023703}">
+                      <ahyp:hlinkClr xmlns:ahyp="http://schemas.microsoft.com/office/drawing/2018/hyperlinkcolor" val="tx"/>
+                    </a:ext>
+                  </a:extLst>
+                </a:hlinkClick>
+              </a:rPr>
+              <a:t> Block of Uttarakhand (India) Using Machine Learning | International Journal of Analysis and Applications (etamaths.com)</a:t>
+            </a:r>
+            <a:endParaRPr lang="en-GB" sz="1300" dirty="0">
+              <a:solidFill>
+                <a:schemeClr val="tx1">
+                  <a:lumMod val="95000"/>
+                  <a:lumOff val="5000"/>
+                </a:schemeClr>
+              </a:solidFill>
+              <a:latin typeface="Times New Roman" panose="02020603050405020304" pitchFamily="18" charset="0"/>
+              <a:cs typeface="Times New Roman" panose="02020603050405020304" pitchFamily="18" charset="0"/>
+              <a:sym typeface="Tahoma"/>
+            </a:endParaRPr>
+          </a:p>
+          <a:p>
+            <a:pPr marL="628650" indent="-514350" algn="just">
+              <a:lnSpc>
+                <a:spcPct val="170000"/>
+              </a:lnSpc>
+              <a:buFont typeface="+mj-lt"/>
+              <a:buAutoNum type="arabicPeriod"/>
             </a:pPr>
-            <a:endParaRPr lang="en-US" dirty="0">
+            <a:r>
+              <a:rPr lang="en-IN" sz="1300" dirty="0">
+                <a:solidFill>
+                  <a:schemeClr val="tx1">
+                    <a:lumMod val="95000"/>
+                    <a:lumOff val="5000"/>
+                  </a:schemeClr>
+                </a:solidFill>
+                <a:latin typeface="Times New Roman" panose="02020603050405020304" pitchFamily="18" charset="0"/>
+                <a:cs typeface="Times New Roman" panose="02020603050405020304" pitchFamily="18" charset="0"/>
+              </a:rPr>
+              <a:t>SK AL </a:t>
+            </a:r>
+            <a:r>
+              <a:rPr lang="en-IN" sz="1300" dirty="0" err="1">
+                <a:solidFill>
+                  <a:schemeClr val="tx1">
+                    <a:lumMod val="95000"/>
+                    <a:lumOff val="5000"/>
+                  </a:schemeClr>
+                </a:solidFill>
+                <a:latin typeface="Times New Roman" panose="02020603050405020304" pitchFamily="18" charset="0"/>
+                <a:cs typeface="Times New Roman" panose="02020603050405020304" pitchFamily="18" charset="0"/>
+              </a:rPr>
+              <a:t>Zaminur</a:t>
+            </a:r>
+            <a:r>
+              <a:rPr lang="en-IN" sz="1300" dirty="0">
+                <a:solidFill>
+                  <a:schemeClr val="tx1">
+                    <a:lumMod val="95000"/>
+                    <a:lumOff val="5000"/>
+                  </a:schemeClr>
+                </a:solidFill>
+                <a:latin typeface="Times New Roman" panose="02020603050405020304" pitchFamily="18" charset="0"/>
+                <a:cs typeface="Times New Roman" panose="02020603050405020304" pitchFamily="18" charset="0"/>
+              </a:rPr>
+              <a:t> Rahman, Kaushik Chandra Mitra and S.M </a:t>
+            </a:r>
+            <a:r>
+              <a:rPr lang="en-IN" sz="1300" dirty="0" err="1">
+                <a:solidFill>
+                  <a:schemeClr val="tx1">
+                    <a:lumMod val="95000"/>
+                    <a:lumOff val="5000"/>
+                  </a:schemeClr>
+                </a:solidFill>
+                <a:latin typeface="Times New Roman" panose="02020603050405020304" pitchFamily="18" charset="0"/>
+                <a:cs typeface="Times New Roman" panose="02020603050405020304" pitchFamily="18" charset="0"/>
+              </a:rPr>
+              <a:t>Mohidul</a:t>
+            </a:r>
+            <a:r>
+              <a:rPr lang="en-IN" sz="1300" dirty="0">
+                <a:solidFill>
+                  <a:schemeClr val="tx1">
+                    <a:lumMod val="95000"/>
+                    <a:lumOff val="5000"/>
+                  </a:schemeClr>
+                </a:solidFill>
+                <a:latin typeface="Times New Roman" panose="02020603050405020304" pitchFamily="18" charset="0"/>
+                <a:cs typeface="Times New Roman" panose="02020603050405020304" pitchFamily="18" charset="0"/>
+              </a:rPr>
+              <a:t> Islam, “Soil Classification using Machine Learning Methods and Crop Suggestion Based on Soil Series”, 2018 IEEE, 21st International Conference of Computer and Information Technology (ICCIT), pp.978-1-5386-9242-4/ 18 </a:t>
+            </a:r>
+          </a:p>
+          <a:p>
+            <a:pPr marL="628650" indent="-514350" algn="just">
+              <a:lnSpc>
+                <a:spcPct val="170000"/>
+              </a:lnSpc>
+              <a:buFont typeface="+mj-lt"/>
+              <a:buAutoNum type="arabicPeriod"/>
+            </a:pPr>
+            <a:r>
+              <a:rPr lang="en-IN" sz="1300" dirty="0" err="1">
+                <a:solidFill>
+                  <a:schemeClr val="tx1">
+                    <a:lumMod val="95000"/>
+                    <a:lumOff val="5000"/>
+                  </a:schemeClr>
+                </a:solidFill>
+                <a:latin typeface="Times New Roman" panose="02020603050405020304" pitchFamily="18" charset="0"/>
+                <a:cs typeface="Times New Roman" panose="02020603050405020304" pitchFamily="18" charset="0"/>
+              </a:rPr>
+              <a:t>Pramudyana</a:t>
+            </a:r>
+            <a:r>
+              <a:rPr lang="en-IN" sz="1300" dirty="0">
+                <a:solidFill>
+                  <a:schemeClr val="tx1">
+                    <a:lumMod val="95000"/>
+                    <a:lumOff val="5000"/>
+                  </a:schemeClr>
+                </a:solidFill>
+                <a:latin typeface="Times New Roman" panose="02020603050405020304" pitchFamily="18" charset="0"/>
+                <a:cs typeface="Times New Roman" panose="02020603050405020304" pitchFamily="18" charset="0"/>
+              </a:rPr>
+              <a:t> Agus </a:t>
+            </a:r>
+            <a:r>
+              <a:rPr lang="en-IN" sz="1300" dirty="0" err="1">
+                <a:solidFill>
+                  <a:schemeClr val="tx1">
+                    <a:lumMod val="95000"/>
+                    <a:lumOff val="5000"/>
+                  </a:schemeClr>
+                </a:solidFill>
+                <a:latin typeface="Times New Roman" panose="02020603050405020304" pitchFamily="18" charset="0"/>
+                <a:cs typeface="Times New Roman" panose="02020603050405020304" pitchFamily="18" charset="0"/>
+              </a:rPr>
+              <a:t>Harlianto</a:t>
+            </a:r>
+            <a:r>
+              <a:rPr lang="en-IN" sz="1300" dirty="0">
+                <a:solidFill>
+                  <a:schemeClr val="tx1">
+                    <a:lumMod val="95000"/>
+                    <a:lumOff val="5000"/>
+                  </a:schemeClr>
+                </a:solidFill>
+                <a:latin typeface="Times New Roman" panose="02020603050405020304" pitchFamily="18" charset="0"/>
+                <a:cs typeface="Times New Roman" panose="02020603050405020304" pitchFamily="18" charset="0"/>
+              </a:rPr>
+              <a:t>, </a:t>
+            </a:r>
+            <a:r>
+              <a:rPr lang="en-IN" sz="1300" dirty="0" err="1">
+                <a:solidFill>
+                  <a:schemeClr val="tx1">
+                    <a:lumMod val="95000"/>
+                    <a:lumOff val="5000"/>
+                  </a:schemeClr>
+                </a:solidFill>
+                <a:latin typeface="Times New Roman" panose="02020603050405020304" pitchFamily="18" charset="0"/>
+                <a:cs typeface="Times New Roman" panose="02020603050405020304" pitchFamily="18" charset="0"/>
+              </a:rPr>
+              <a:t>Teguh</a:t>
+            </a:r>
+            <a:r>
+              <a:rPr lang="en-IN" sz="1300" dirty="0">
+                <a:solidFill>
+                  <a:schemeClr val="tx1">
+                    <a:lumMod val="95000"/>
+                    <a:lumOff val="5000"/>
+                  </a:schemeClr>
+                </a:solidFill>
+                <a:latin typeface="Times New Roman" panose="02020603050405020304" pitchFamily="18" charset="0"/>
+                <a:cs typeface="Times New Roman" panose="02020603050405020304" pitchFamily="18" charset="0"/>
+              </a:rPr>
+              <a:t> Bharata </a:t>
+            </a:r>
+            <a:r>
+              <a:rPr lang="en-IN" sz="1300" dirty="0" err="1">
+                <a:solidFill>
+                  <a:schemeClr val="tx1">
+                    <a:lumMod val="95000"/>
+                    <a:lumOff val="5000"/>
+                  </a:schemeClr>
+                </a:solidFill>
+                <a:latin typeface="Times New Roman" panose="02020603050405020304" pitchFamily="18" charset="0"/>
+                <a:cs typeface="Times New Roman" panose="02020603050405020304" pitchFamily="18" charset="0"/>
+              </a:rPr>
+              <a:t>Adji</a:t>
+            </a:r>
+            <a:r>
+              <a:rPr lang="en-IN" sz="1300" dirty="0">
+                <a:solidFill>
+                  <a:schemeClr val="tx1">
+                    <a:lumMod val="95000"/>
+                    <a:lumOff val="5000"/>
+                  </a:schemeClr>
+                </a:solidFill>
+                <a:latin typeface="Times New Roman" panose="02020603050405020304" pitchFamily="18" charset="0"/>
+                <a:cs typeface="Times New Roman" panose="02020603050405020304" pitchFamily="18" charset="0"/>
+              </a:rPr>
+              <a:t> and Noor </a:t>
+            </a:r>
+            <a:r>
+              <a:rPr lang="en-IN" sz="1300" dirty="0" err="1">
+                <a:solidFill>
+                  <a:schemeClr val="tx1">
+                    <a:lumMod val="95000"/>
+                    <a:lumOff val="5000"/>
+                  </a:schemeClr>
+                </a:solidFill>
+                <a:latin typeface="Times New Roman" panose="02020603050405020304" pitchFamily="18" charset="0"/>
+                <a:cs typeface="Times New Roman" panose="02020603050405020304" pitchFamily="18" charset="0"/>
+              </a:rPr>
+              <a:t>Akhmad</a:t>
+            </a:r>
+            <a:r>
+              <a:rPr lang="en-IN" sz="1300" dirty="0">
+                <a:solidFill>
+                  <a:schemeClr val="tx1">
+                    <a:lumMod val="95000"/>
+                    <a:lumOff val="5000"/>
+                  </a:schemeClr>
+                </a:solidFill>
+                <a:latin typeface="Times New Roman" panose="02020603050405020304" pitchFamily="18" charset="0"/>
+                <a:cs typeface="Times New Roman" panose="02020603050405020304" pitchFamily="18" charset="0"/>
+              </a:rPr>
+              <a:t> Setiawan, “Comparison of Machine Learning Algorithm for Soil Type Classification”, 2017 3rd International Conference on Science and </a:t>
+            </a:r>
+            <a:r>
+              <a:rPr lang="en-IN" sz="1300" dirty="0" err="1">
+                <a:solidFill>
+                  <a:schemeClr val="tx1">
+                    <a:lumMod val="95000"/>
+                    <a:lumOff val="5000"/>
+                  </a:schemeClr>
+                </a:solidFill>
+                <a:latin typeface="Times New Roman" panose="02020603050405020304" pitchFamily="18" charset="0"/>
+                <a:cs typeface="Times New Roman" panose="02020603050405020304" pitchFamily="18" charset="0"/>
+              </a:rPr>
+              <a:t>TechnologyComputer</a:t>
+            </a:r>
+            <a:r>
+              <a:rPr lang="en-IN" sz="1300" dirty="0">
+                <a:solidFill>
+                  <a:schemeClr val="tx1">
+                    <a:lumMod val="95000"/>
+                    <a:lumOff val="5000"/>
+                  </a:schemeClr>
+                </a:solidFill>
+                <a:latin typeface="Times New Roman" panose="02020603050405020304" pitchFamily="18" charset="0"/>
+                <a:cs typeface="Times New Roman" panose="02020603050405020304" pitchFamily="18" charset="0"/>
+              </a:rPr>
+              <a:t>(ICST). </a:t>
+            </a:r>
+            <a:endParaRPr lang="en-US" sz="1300" dirty="0">
+              <a:solidFill>
+                <a:schemeClr val="tx1">
+                  <a:lumMod val="95000"/>
+                  <a:lumOff val="5000"/>
+                </a:schemeClr>
+              </a:solidFill>
               <a:latin typeface="Times New Roman" panose="02020603050405020304" pitchFamily="18" charset="0"/>
               <a:cs typeface="Times New Roman" panose="02020603050405020304" pitchFamily="18" charset="0"/>
             </a:endParaRPr>
@@ -14455,7 +15244,7 @@
         </p:blipFill>
         <p:spPr>
           <a:xfrm>
-            <a:off x="381000" y="457200"/>
+            <a:off x="353060" y="324888"/>
             <a:ext cx="2237740" cy="755015"/>
           </a:xfrm>
           <a:prstGeom prst="rect">
@@ -14607,7 +15396,7 @@
         </p:nvSpPr>
         <p:spPr>
           <a:xfrm>
-            <a:off x="3191435" y="495128"/>
+            <a:off x="3191435" y="410007"/>
             <a:ext cx="5495365" cy="584775"/>
           </a:xfrm>
           <a:prstGeom prst="rect">
@@ -14622,7 +15411,7 @@
           <a:lstStyle/>
           <a:p>
             <a:r>
-              <a:rPr lang="en-US" sz="3200" dirty="0">
+              <a:rPr lang="en-US" sz="3200" b="1" dirty="0">
                 <a:latin typeface="Times New Roman" panose="02020603050405020304" pitchFamily="18" charset="0"/>
                 <a:cs typeface="Times New Roman" panose="02020603050405020304" pitchFamily="18" charset="0"/>
               </a:rPr>
@@ -14705,10 +15494,16 @@
               <a:buNone/>
             </a:pPr>
             <a:r>
-              <a:rPr lang="en-US" dirty="0"/>
+              <a:rPr lang="en-US" b="1" dirty="0">
+                <a:latin typeface="Times New Roman" panose="02020603050405020304" pitchFamily="18" charset="0"/>
+                <a:cs typeface="Times New Roman" panose="02020603050405020304" pitchFamily="18" charset="0"/>
+              </a:rPr>
               <a:t>      Abstract</a:t>
             </a:r>
-            <a:endParaRPr dirty="0"/>
+            <a:endParaRPr b="1" dirty="0">
+              <a:latin typeface="Times New Roman" panose="02020603050405020304" pitchFamily="18" charset="0"/>
+              <a:cs typeface="Times New Roman" panose="02020603050405020304" pitchFamily="18" charset="0"/>
+            </a:endParaRPr>
           </a:p>
         </p:txBody>
       </p:sp>
@@ -14724,8 +15519,8 @@
         </p:nvSpPr>
         <p:spPr>
           <a:xfrm>
-            <a:off x="457200" y="1600200"/>
-            <a:ext cx="8229600" cy="4525963"/>
+            <a:off x="457200" y="1417638"/>
+            <a:ext cx="8229600" cy="4887009"/>
           </a:xfrm>
           <a:prstGeom prst="rect">
             <a:avLst/>
@@ -14737,11 +15532,40 @@
         </p:spPr>
         <p:txBody>
           <a:bodyPr spcFirstLastPara="1" wrap="square" lIns="91425" tIns="45700" rIns="91425" bIns="45700" anchor="t" anchorCtr="0">
-            <a:normAutofit fontScale="55000" lnSpcReduction="20000"/>
+            <a:noAutofit/>
           </a:bodyPr>
           <a:lstStyle/>
           <a:p>
-            <a:pPr marL="342900" lvl="0" indent="-139700" algn="l" rtl="0">
+            <a:pPr marL="114300" indent="0" algn="just">
+              <a:lnSpc>
+                <a:spcPct val="170000"/>
+              </a:lnSpc>
+              <a:spcBef>
+                <a:spcPts val="2000"/>
+              </a:spcBef>
+              <a:spcAft>
+                <a:spcPts val="2000"/>
+              </a:spcAft>
+              <a:buNone/>
+            </a:pPr>
+            <a:r>
+              <a:rPr lang="en-GB" sz="1700" b="0" i="0" dirty="0">
+                <a:effectLst/>
+                <a:latin typeface="Times New Roman" panose="02020603050405020304" pitchFamily="18" charset="0"/>
+                <a:cs typeface="Times New Roman" panose="02020603050405020304" pitchFamily="18" charset="0"/>
+              </a:rPr>
+              <a:t>In this presentation, we delve into the realm of data-driven agriculture by introducing a novel approach to soil analysis using machine learning. Our project aims to predict soil fertility through the integration of essential nutrients and key soil properties. By harnessing historical soil data alongside factors such as pH, electrical conductivity, organic content, and micro/macronutrient levels, our machine learning model offers a predictive framework for assessing soil health. Through a systematic approach encompassing data collection, preprocessing, feature engineering, model selection, and validation, we empower farmers and land managers with accurate fertility predictions. This presentation sheds light on the potential of modern technology to revolutionize agriculture practices, enabling sustainable cultivation and informed decision-making.</a:t>
+            </a:r>
+            <a:endParaRPr lang="en-IN" sz="1700" dirty="0">
+              <a:latin typeface="Times New Roman" panose="02020603050405020304" pitchFamily="18" charset="0"/>
+              <a:cs typeface="Times New Roman" panose="02020603050405020304" pitchFamily="18" charset="0"/>
+            </a:endParaRPr>
+          </a:p>
+          <a:p>
+            <a:pPr marL="342900" lvl="0" indent="-139700" algn="just" rtl="0">
+              <a:lnSpc>
+                <a:spcPct val="170000"/>
+              </a:lnSpc>
               <a:spcBef>
                 <a:spcPts val="640"/>
               </a:spcBef>
@@ -14754,65 +15578,7 @@
               <a:buSzPts val="3200"/>
               <a:buNone/>
             </a:pPr>
-            <a:endParaRPr dirty="0">
-              <a:latin typeface="Times New Roman" panose="02020603050405020304" pitchFamily="18" charset="0"/>
-              <a:cs typeface="Times New Roman" panose="02020603050405020304" pitchFamily="18" charset="0"/>
-            </a:endParaRPr>
-          </a:p>
-          <a:p>
-            <a:pPr>
-              <a:lnSpc>
-                <a:spcPct val="100000"/>
-              </a:lnSpc>
-              <a:spcBef>
-                <a:spcPts val="2000"/>
-              </a:spcBef>
-              <a:spcAft>
-                <a:spcPts val="2000"/>
-              </a:spcAft>
-            </a:pPr>
-            <a:r>
-              <a:rPr lang="en-GB" sz="3200" b="0" i="0" dirty="0">
-                <a:effectLst/>
-              </a:rPr>
-              <a:t>In this presentation, we delve into the realm of data-driven agriculture by introducing a novel approach to soil analysis using machine learning. Our project aims to predict soil fertility through the integration of essential nutrients and key soil properties. By harnessing historical soil data alongside factors such as pH, electrical conductivity, organic content, and micro/macronutrient levels, our machine learning model offers a predictive framework for assessing soil health. </a:t>
-            </a:r>
-          </a:p>
-          <a:p>
-            <a:pPr>
-              <a:lnSpc>
-                <a:spcPct val="100000"/>
-              </a:lnSpc>
-              <a:spcBef>
-                <a:spcPts val="2000"/>
-              </a:spcBef>
-              <a:spcAft>
-                <a:spcPts val="2000"/>
-              </a:spcAft>
-            </a:pPr>
-            <a:r>
-              <a:rPr lang="en-GB" sz="3200" b="0" i="0" dirty="0">
-                <a:effectLst/>
-              </a:rPr>
-              <a:t>Through a systematic approach encompassing data collection, preprocessing, feature engineering, model selection, and validation, we empower farmers and land managers with accurate fertility predictions. This presentation sheds light on the potential of modern technology to revolutionize agriculture practices, enabling sustainable cultivation and informed decision-making.</a:t>
-            </a:r>
-            <a:endParaRPr lang="en-IN" sz="3200" dirty="0"/>
-          </a:p>
-          <a:p>
-            <a:pPr marL="342900" lvl="0" indent="-139700" algn="l" rtl="0">
-              <a:spcBef>
-                <a:spcPts val="640"/>
-              </a:spcBef>
-              <a:spcAft>
-                <a:spcPts val="0"/>
-              </a:spcAft>
-              <a:buClr>
-                <a:schemeClr val="dk1"/>
-              </a:buClr>
-              <a:buSzPts val="3200"/>
-              <a:buNone/>
-            </a:pPr>
-            <a:endParaRPr dirty="0">
+            <a:endParaRPr sz="1700" dirty="0">
               <a:latin typeface="Times New Roman" panose="02020603050405020304" pitchFamily="18" charset="0"/>
               <a:cs typeface="Times New Roman" panose="02020603050405020304" pitchFamily="18" charset="0"/>
             </a:endParaRPr>
@@ -15042,9 +15808,19 @@
             </a:pPr>
             <a:r>
               <a:rPr lang="en-US" dirty="0"/>
-              <a:t>      Introduction</a:t>
-            </a:r>
-            <a:endParaRPr dirty="0"/>
+              <a:t>      </a:t>
+            </a:r>
+            <a:r>
+              <a:rPr lang="en-US" b="1" dirty="0">
+                <a:latin typeface="Times New Roman" panose="02020603050405020304" pitchFamily="18" charset="0"/>
+                <a:cs typeface="Times New Roman" panose="02020603050405020304" pitchFamily="18" charset="0"/>
+              </a:rPr>
+              <a:t>Introduction</a:t>
+            </a:r>
+            <a:endParaRPr b="1" dirty="0">
+              <a:latin typeface="Times New Roman" panose="02020603050405020304" pitchFamily="18" charset="0"/>
+              <a:cs typeface="Times New Roman" panose="02020603050405020304" pitchFamily="18" charset="0"/>
+            </a:endParaRPr>
           </a:p>
         </p:txBody>
       </p:sp>
@@ -15060,8 +15836,8 @@
         </p:nvSpPr>
         <p:spPr>
           <a:xfrm>
-            <a:off x="457200" y="1600200"/>
-            <a:ext cx="8229600" cy="4525963"/>
+            <a:off x="457200" y="1308368"/>
+            <a:ext cx="8229600" cy="5047982"/>
           </a:xfrm>
           <a:prstGeom prst="rect">
             <a:avLst/>
@@ -15073,7 +15849,7 @@
         </p:spPr>
         <p:txBody>
           <a:bodyPr spcFirstLastPara="1" wrap="square" lIns="91425" tIns="45700" rIns="91425" bIns="45700" anchor="t" anchorCtr="0">
-            <a:normAutofit fontScale="55000" lnSpcReduction="20000"/>
+            <a:normAutofit/>
           </a:bodyPr>
           <a:lstStyle/>
           <a:p>
@@ -15091,1193 +15867,1208 @@
               <a:buNone/>
             </a:pPr>
             <a:r>
-              <a:rPr lang="en-US" dirty="0">
+              <a:rPr lang="en-US" sz="1400" dirty="0">
                 <a:latin typeface="Times New Roman" panose="02020603050405020304" pitchFamily="18" charset="0"/>
                 <a:cs typeface="Times New Roman" panose="02020603050405020304" pitchFamily="18" charset="0"/>
               </a:rPr>
               <a:t>            </a:t>
             </a:r>
-            <a:endParaRPr dirty="0">
+            <a:endParaRPr sz="1400" dirty="0">
               <a:latin typeface="Times New Roman" panose="02020603050405020304" pitchFamily="18" charset="0"/>
               <a:cs typeface="Times New Roman" panose="02020603050405020304" pitchFamily="18" charset="0"/>
             </a:endParaRPr>
           </a:p>
           <a:p>
-            <a:r>
-              <a:rPr lang="en-US" sz="3200" spc="-5" dirty="0">
+            <a:pPr algn="just">
+              <a:lnSpc>
+                <a:spcPct val="170000"/>
+              </a:lnSpc>
+            </a:pPr>
+            <a:r>
+              <a:rPr lang="en-US" sz="1400" spc="-5" dirty="0">
                 <a:effectLst/>
-                <a:latin typeface="Calibri" panose="020F0502020204030204" pitchFamily="34" charset="0"/>
+                <a:latin typeface="Times New Roman" panose="02020603050405020304" pitchFamily="18" charset="0"/>
                 <a:ea typeface="Calibri" panose="020F0502020204030204" pitchFamily="34" charset="0"/>
-                <a:cs typeface="Calibri" panose="020F0502020204030204" pitchFamily="34" charset="0"/>
+                <a:cs typeface="Times New Roman" panose="02020603050405020304" pitchFamily="18" charset="0"/>
               </a:rPr>
               <a:t>As we know, India is the second largest population country </a:t>
             </a:r>
             <a:r>
-              <a:rPr lang="en-US" sz="3200" dirty="0">
+              <a:rPr lang="en-US" sz="1400" dirty="0">
                 <a:effectLst/>
-                <a:latin typeface="Calibri" panose="020F0502020204030204" pitchFamily="34" charset="0"/>
+                <a:latin typeface="Times New Roman" panose="02020603050405020304" pitchFamily="18" charset="0"/>
                 <a:ea typeface="Calibri" panose="020F0502020204030204" pitchFamily="34" charset="0"/>
-                <a:cs typeface="Calibri" panose="020F0502020204030204" pitchFamily="34" charset="0"/>
+                <a:cs typeface="Times New Roman" panose="02020603050405020304" pitchFamily="18" charset="0"/>
               </a:rPr>
               <a:t>in the world and</a:t>
             </a:r>
             <a:r>
-              <a:rPr lang="en-US" sz="3200" spc="5" dirty="0">
+              <a:rPr lang="en-US" sz="1400" spc="5" dirty="0">
                 <a:effectLst/>
-                <a:latin typeface="Calibri" panose="020F0502020204030204" pitchFamily="34" charset="0"/>
+                <a:latin typeface="Times New Roman" panose="02020603050405020304" pitchFamily="18" charset="0"/>
                 <a:ea typeface="Calibri" panose="020F0502020204030204" pitchFamily="34" charset="0"/>
-                <a:cs typeface="Calibri" panose="020F0502020204030204" pitchFamily="34" charset="0"/>
+                <a:cs typeface="Times New Roman" panose="02020603050405020304" pitchFamily="18" charset="0"/>
               </a:rPr>
               <a:t> </a:t>
             </a:r>
             <a:r>
-              <a:rPr lang="en-US" sz="3200" spc="-10" dirty="0">
+              <a:rPr lang="en-US" sz="1400" spc="-10" dirty="0">
                 <a:effectLst/>
-                <a:latin typeface="Calibri" panose="020F0502020204030204" pitchFamily="34" charset="0"/>
+                <a:latin typeface="Times New Roman" panose="02020603050405020304" pitchFamily="18" charset="0"/>
                 <a:ea typeface="Calibri" panose="020F0502020204030204" pitchFamily="34" charset="0"/>
-                <a:cs typeface="Calibri" panose="020F0502020204030204" pitchFamily="34" charset="0"/>
+                <a:cs typeface="Times New Roman" panose="02020603050405020304" pitchFamily="18" charset="0"/>
               </a:rPr>
               <a:t>the majority of people </a:t>
             </a:r>
             <a:r>
-              <a:rPr lang="en-US" sz="3200" spc="-5" dirty="0">
+              <a:rPr lang="en-US" sz="1400" spc="-5" dirty="0">
                 <a:effectLst/>
-                <a:latin typeface="Calibri" panose="020F0502020204030204" pitchFamily="34" charset="0"/>
+                <a:latin typeface="Times New Roman" panose="02020603050405020304" pitchFamily="18" charset="0"/>
                 <a:ea typeface="Calibri" panose="020F0502020204030204" pitchFamily="34" charset="0"/>
-                <a:cs typeface="Calibri" panose="020F0502020204030204" pitchFamily="34" charset="0"/>
+                <a:cs typeface="Times New Roman" panose="02020603050405020304" pitchFamily="18" charset="0"/>
               </a:rPr>
               <a:t>in India have agriculture as their occupation. Farmers are</a:t>
             </a:r>
             <a:r>
-              <a:rPr lang="en-US" sz="3200" dirty="0">
+              <a:rPr lang="en-US" sz="1400" dirty="0">
                 <a:effectLst/>
-                <a:latin typeface="Calibri" panose="020F0502020204030204" pitchFamily="34" charset="0"/>
+                <a:latin typeface="Times New Roman" panose="02020603050405020304" pitchFamily="18" charset="0"/>
                 <a:ea typeface="Calibri" panose="020F0502020204030204" pitchFamily="34" charset="0"/>
-                <a:cs typeface="Calibri" panose="020F0502020204030204" pitchFamily="34" charset="0"/>
+                <a:cs typeface="Times New Roman" panose="02020603050405020304" pitchFamily="18" charset="0"/>
               </a:rPr>
               <a:t> </a:t>
             </a:r>
             <a:r>
-              <a:rPr lang="en-US" sz="3200" spc="-5" dirty="0">
+              <a:rPr lang="en-US" sz="1400" spc="-5" dirty="0">
                 <a:effectLst/>
-                <a:latin typeface="Calibri" panose="020F0502020204030204" pitchFamily="34" charset="0"/>
+                <a:latin typeface="Times New Roman" panose="02020603050405020304" pitchFamily="18" charset="0"/>
                 <a:ea typeface="Calibri" panose="020F0502020204030204" pitchFamily="34" charset="0"/>
-                <a:cs typeface="Calibri" panose="020F0502020204030204" pitchFamily="34" charset="0"/>
+                <a:cs typeface="Times New Roman" panose="02020603050405020304" pitchFamily="18" charset="0"/>
               </a:rPr>
               <a:t>growing</a:t>
             </a:r>
             <a:r>
-              <a:rPr lang="en-US" sz="3200" spc="-25" dirty="0">
+              <a:rPr lang="en-US" sz="1400" spc="-25" dirty="0">
                 <a:effectLst/>
-                <a:latin typeface="Calibri" panose="020F0502020204030204" pitchFamily="34" charset="0"/>
+                <a:latin typeface="Times New Roman" panose="02020603050405020304" pitchFamily="18" charset="0"/>
                 <a:ea typeface="Calibri" panose="020F0502020204030204" pitchFamily="34" charset="0"/>
-                <a:cs typeface="Calibri" panose="020F0502020204030204" pitchFamily="34" charset="0"/>
+                <a:cs typeface="Times New Roman" panose="02020603050405020304" pitchFamily="18" charset="0"/>
               </a:rPr>
               <a:t> </a:t>
             </a:r>
             <a:r>
-              <a:rPr lang="en-US" sz="3200" spc="-5" dirty="0">
+              <a:rPr lang="en-US" sz="1400" spc="-5" dirty="0">
                 <a:effectLst/>
-                <a:latin typeface="Calibri" panose="020F0502020204030204" pitchFamily="34" charset="0"/>
+                <a:latin typeface="Times New Roman" panose="02020603050405020304" pitchFamily="18" charset="0"/>
                 <a:ea typeface="Calibri" panose="020F0502020204030204" pitchFamily="34" charset="0"/>
-                <a:cs typeface="Calibri" panose="020F0502020204030204" pitchFamily="34" charset="0"/>
+                <a:cs typeface="Times New Roman" panose="02020603050405020304" pitchFamily="18" charset="0"/>
               </a:rPr>
               <a:t>the</a:t>
             </a:r>
             <a:r>
-              <a:rPr lang="en-US" sz="3200" spc="-60" dirty="0">
+              <a:rPr lang="en-US" sz="1400" spc="-60" dirty="0">
                 <a:effectLst/>
-                <a:latin typeface="Calibri" panose="020F0502020204030204" pitchFamily="34" charset="0"/>
+                <a:latin typeface="Times New Roman" panose="02020603050405020304" pitchFamily="18" charset="0"/>
                 <a:ea typeface="Calibri" panose="020F0502020204030204" pitchFamily="34" charset="0"/>
-                <a:cs typeface="Calibri" panose="020F0502020204030204" pitchFamily="34" charset="0"/>
+                <a:cs typeface="Times New Roman" panose="02020603050405020304" pitchFamily="18" charset="0"/>
               </a:rPr>
               <a:t> </a:t>
             </a:r>
             <a:r>
-              <a:rPr lang="en-US" sz="3200" spc="-5" dirty="0">
+              <a:rPr lang="en-US" sz="1400" spc="-5" dirty="0">
                 <a:effectLst/>
-                <a:latin typeface="Calibri" panose="020F0502020204030204" pitchFamily="34" charset="0"/>
+                <a:latin typeface="Times New Roman" panose="02020603050405020304" pitchFamily="18" charset="0"/>
                 <a:ea typeface="Calibri" panose="020F0502020204030204" pitchFamily="34" charset="0"/>
-                <a:cs typeface="Calibri" panose="020F0502020204030204" pitchFamily="34" charset="0"/>
+                <a:cs typeface="Times New Roman" panose="02020603050405020304" pitchFamily="18" charset="0"/>
               </a:rPr>
               <a:t>same</a:t>
             </a:r>
             <a:r>
-              <a:rPr lang="en-US" sz="3200" spc="-60" dirty="0">
+              <a:rPr lang="en-US" sz="1400" spc="-60" dirty="0">
                 <a:effectLst/>
-                <a:latin typeface="Calibri" panose="020F0502020204030204" pitchFamily="34" charset="0"/>
+                <a:latin typeface="Times New Roman" panose="02020603050405020304" pitchFamily="18" charset="0"/>
                 <a:ea typeface="Calibri" panose="020F0502020204030204" pitchFamily="34" charset="0"/>
-                <a:cs typeface="Calibri" panose="020F0502020204030204" pitchFamily="34" charset="0"/>
+                <a:cs typeface="Times New Roman" panose="02020603050405020304" pitchFamily="18" charset="0"/>
               </a:rPr>
               <a:t> </a:t>
             </a:r>
             <a:r>
-              <a:rPr lang="en-US" sz="3200" spc="-5" dirty="0">
+              <a:rPr lang="en-US" sz="1400" spc="-5" dirty="0">
                 <a:effectLst/>
-                <a:latin typeface="Calibri" panose="020F0502020204030204" pitchFamily="34" charset="0"/>
+                <a:latin typeface="Times New Roman" panose="02020603050405020304" pitchFamily="18" charset="0"/>
                 <a:ea typeface="Calibri" panose="020F0502020204030204" pitchFamily="34" charset="0"/>
-                <a:cs typeface="Calibri" panose="020F0502020204030204" pitchFamily="34" charset="0"/>
+                <a:cs typeface="Times New Roman" panose="02020603050405020304" pitchFamily="18" charset="0"/>
               </a:rPr>
               <a:t>crops</a:t>
             </a:r>
             <a:r>
-              <a:rPr lang="en-US" sz="3200" spc="-50" dirty="0">
+              <a:rPr lang="en-US" sz="1400" spc="-50" dirty="0">
                 <a:effectLst/>
-                <a:latin typeface="Calibri" panose="020F0502020204030204" pitchFamily="34" charset="0"/>
+                <a:latin typeface="Times New Roman" panose="02020603050405020304" pitchFamily="18" charset="0"/>
                 <a:ea typeface="Calibri" panose="020F0502020204030204" pitchFamily="34" charset="0"/>
-                <a:cs typeface="Calibri" panose="020F0502020204030204" pitchFamily="34" charset="0"/>
+                <a:cs typeface="Times New Roman" panose="02020603050405020304" pitchFamily="18" charset="0"/>
               </a:rPr>
               <a:t> </a:t>
             </a:r>
             <a:r>
-              <a:rPr lang="en-US" sz="3200" spc="-5" dirty="0">
+              <a:rPr lang="en-US" sz="1400" spc="-5" dirty="0">
                 <a:effectLst/>
-                <a:latin typeface="Calibri" panose="020F0502020204030204" pitchFamily="34" charset="0"/>
+                <a:latin typeface="Times New Roman" panose="02020603050405020304" pitchFamily="18" charset="0"/>
                 <a:ea typeface="Calibri" panose="020F0502020204030204" pitchFamily="34" charset="0"/>
-                <a:cs typeface="Calibri" panose="020F0502020204030204" pitchFamily="34" charset="0"/>
+                <a:cs typeface="Times New Roman" panose="02020603050405020304" pitchFamily="18" charset="0"/>
               </a:rPr>
               <a:t>repeatedly</a:t>
             </a:r>
             <a:r>
-              <a:rPr lang="en-US" sz="3200" spc="-60" dirty="0">
+              <a:rPr lang="en-US" sz="1400" spc="-60" dirty="0">
                 <a:effectLst/>
-                <a:latin typeface="Calibri" panose="020F0502020204030204" pitchFamily="34" charset="0"/>
+                <a:latin typeface="Times New Roman" panose="02020603050405020304" pitchFamily="18" charset="0"/>
                 <a:ea typeface="Calibri" panose="020F0502020204030204" pitchFamily="34" charset="0"/>
-                <a:cs typeface="Calibri" panose="020F0502020204030204" pitchFamily="34" charset="0"/>
+                <a:cs typeface="Times New Roman" panose="02020603050405020304" pitchFamily="18" charset="0"/>
               </a:rPr>
               <a:t> </a:t>
             </a:r>
             <a:r>
-              <a:rPr lang="en-US" sz="3200" spc="-5" dirty="0">
+              <a:rPr lang="en-US" sz="1400" spc="-5" dirty="0">
                 <a:effectLst/>
-                <a:latin typeface="Calibri" panose="020F0502020204030204" pitchFamily="34" charset="0"/>
+                <a:latin typeface="Times New Roman" panose="02020603050405020304" pitchFamily="18" charset="0"/>
                 <a:ea typeface="Calibri" panose="020F0502020204030204" pitchFamily="34" charset="0"/>
-                <a:cs typeface="Calibri" panose="020F0502020204030204" pitchFamily="34" charset="0"/>
+                <a:cs typeface="Times New Roman" panose="02020603050405020304" pitchFamily="18" charset="0"/>
               </a:rPr>
               <a:t>without</a:t>
             </a:r>
             <a:r>
-              <a:rPr lang="en-US" sz="3200" spc="-50" dirty="0">
+              <a:rPr lang="en-US" sz="1400" spc="-50" dirty="0">
                 <a:effectLst/>
-                <a:latin typeface="Calibri" panose="020F0502020204030204" pitchFamily="34" charset="0"/>
+                <a:latin typeface="Times New Roman" panose="02020603050405020304" pitchFamily="18" charset="0"/>
                 <a:ea typeface="Calibri" panose="020F0502020204030204" pitchFamily="34" charset="0"/>
-                <a:cs typeface="Calibri" panose="020F0502020204030204" pitchFamily="34" charset="0"/>
+                <a:cs typeface="Times New Roman" panose="02020603050405020304" pitchFamily="18" charset="0"/>
               </a:rPr>
               <a:t> </a:t>
             </a:r>
             <a:r>
-              <a:rPr lang="en-US" sz="3200" spc="-5" dirty="0">
+              <a:rPr lang="en-US" sz="1400" spc="-5" dirty="0">
                 <a:effectLst/>
-                <a:latin typeface="Calibri" panose="020F0502020204030204" pitchFamily="34" charset="0"/>
+                <a:latin typeface="Times New Roman" panose="02020603050405020304" pitchFamily="18" charset="0"/>
                 <a:ea typeface="Calibri" panose="020F0502020204030204" pitchFamily="34" charset="0"/>
-                <a:cs typeface="Calibri" panose="020F0502020204030204" pitchFamily="34" charset="0"/>
+                <a:cs typeface="Times New Roman" panose="02020603050405020304" pitchFamily="18" charset="0"/>
               </a:rPr>
               <a:t>trying</a:t>
             </a:r>
             <a:r>
-              <a:rPr lang="en-US" sz="3200" spc="-35" dirty="0">
+              <a:rPr lang="en-US" sz="1400" spc="-35" dirty="0">
                 <a:effectLst/>
-                <a:latin typeface="Calibri" panose="020F0502020204030204" pitchFamily="34" charset="0"/>
+                <a:latin typeface="Times New Roman" panose="02020603050405020304" pitchFamily="18" charset="0"/>
                 <a:ea typeface="Calibri" panose="020F0502020204030204" pitchFamily="34" charset="0"/>
-                <a:cs typeface="Calibri" panose="020F0502020204030204" pitchFamily="34" charset="0"/>
+                <a:cs typeface="Times New Roman" panose="02020603050405020304" pitchFamily="18" charset="0"/>
               </a:rPr>
               <a:t> </a:t>
             </a:r>
             <a:r>
-              <a:rPr lang="en-US" sz="3200" spc="-5" dirty="0">
+              <a:rPr lang="en-US" sz="1400" spc="-5" dirty="0">
                 <a:effectLst/>
-                <a:latin typeface="Calibri" panose="020F0502020204030204" pitchFamily="34" charset="0"/>
+                <a:latin typeface="Times New Roman" panose="02020603050405020304" pitchFamily="18" charset="0"/>
                 <a:ea typeface="Calibri" panose="020F0502020204030204" pitchFamily="34" charset="0"/>
-                <a:cs typeface="Calibri" panose="020F0502020204030204" pitchFamily="34" charset="0"/>
+                <a:cs typeface="Times New Roman" panose="02020603050405020304" pitchFamily="18" charset="0"/>
               </a:rPr>
               <a:t>a</a:t>
             </a:r>
             <a:r>
-              <a:rPr lang="en-US" sz="3200" spc="-40" dirty="0">
+              <a:rPr lang="en-US" sz="1400" spc="-40" dirty="0">
                 <a:effectLst/>
-                <a:latin typeface="Calibri" panose="020F0502020204030204" pitchFamily="34" charset="0"/>
+                <a:latin typeface="Times New Roman" panose="02020603050405020304" pitchFamily="18" charset="0"/>
                 <a:ea typeface="Calibri" panose="020F0502020204030204" pitchFamily="34" charset="0"/>
-                <a:cs typeface="Calibri" panose="020F0502020204030204" pitchFamily="34" charset="0"/>
+                <a:cs typeface="Times New Roman" panose="02020603050405020304" pitchFamily="18" charset="0"/>
               </a:rPr>
               <a:t> </a:t>
             </a:r>
             <a:r>
-              <a:rPr lang="en-US" sz="3200" spc="-5" dirty="0">
+              <a:rPr lang="en-US" sz="1400" spc="-5" dirty="0">
                 <a:effectLst/>
-                <a:latin typeface="Calibri" panose="020F0502020204030204" pitchFamily="34" charset="0"/>
+                <a:latin typeface="Times New Roman" panose="02020603050405020304" pitchFamily="18" charset="0"/>
                 <a:ea typeface="Calibri" panose="020F0502020204030204" pitchFamily="34" charset="0"/>
-                <a:cs typeface="Calibri" panose="020F0502020204030204" pitchFamily="34" charset="0"/>
+                <a:cs typeface="Times New Roman" panose="02020603050405020304" pitchFamily="18" charset="0"/>
               </a:rPr>
               <a:t>new</a:t>
             </a:r>
             <a:r>
-              <a:rPr lang="en-US" sz="3200" spc="-65" dirty="0">
+              <a:rPr lang="en-US" sz="1400" spc="-65" dirty="0">
                 <a:effectLst/>
-                <a:latin typeface="Calibri" panose="020F0502020204030204" pitchFamily="34" charset="0"/>
+                <a:latin typeface="Times New Roman" panose="02020603050405020304" pitchFamily="18" charset="0"/>
                 <a:ea typeface="Calibri" panose="020F0502020204030204" pitchFamily="34" charset="0"/>
-                <a:cs typeface="Calibri" panose="020F0502020204030204" pitchFamily="34" charset="0"/>
+                <a:cs typeface="Times New Roman" panose="02020603050405020304" pitchFamily="18" charset="0"/>
               </a:rPr>
               <a:t> </a:t>
             </a:r>
             <a:r>
-              <a:rPr lang="en-US" sz="3200" spc="-5" dirty="0">
+              <a:rPr lang="en-US" sz="1400" spc="-5" dirty="0">
                 <a:effectLst/>
-                <a:latin typeface="Calibri" panose="020F0502020204030204" pitchFamily="34" charset="0"/>
+                <a:latin typeface="Times New Roman" panose="02020603050405020304" pitchFamily="18" charset="0"/>
                 <a:ea typeface="Calibri" panose="020F0502020204030204" pitchFamily="34" charset="0"/>
-                <a:cs typeface="Calibri" panose="020F0502020204030204" pitchFamily="34" charset="0"/>
+                <a:cs typeface="Times New Roman" panose="02020603050405020304" pitchFamily="18" charset="0"/>
               </a:rPr>
               <a:t>variety</a:t>
             </a:r>
             <a:r>
-              <a:rPr lang="en-US" sz="3200" spc="-60" dirty="0">
+              <a:rPr lang="en-US" sz="1400" spc="-60" dirty="0">
                 <a:effectLst/>
-                <a:latin typeface="Calibri" panose="020F0502020204030204" pitchFamily="34" charset="0"/>
+                <a:latin typeface="Times New Roman" panose="02020603050405020304" pitchFamily="18" charset="0"/>
                 <a:ea typeface="Calibri" panose="020F0502020204030204" pitchFamily="34" charset="0"/>
-                <a:cs typeface="Calibri" panose="020F0502020204030204" pitchFamily="34" charset="0"/>
+                <a:cs typeface="Times New Roman" panose="02020603050405020304" pitchFamily="18" charset="0"/>
               </a:rPr>
               <a:t> </a:t>
             </a:r>
             <a:r>
-              <a:rPr lang="en-US" sz="3200" dirty="0">
+              <a:rPr lang="en-US" sz="1400" dirty="0">
                 <a:effectLst/>
-                <a:latin typeface="Calibri" panose="020F0502020204030204" pitchFamily="34" charset="0"/>
+                <a:latin typeface="Times New Roman" panose="02020603050405020304" pitchFamily="18" charset="0"/>
                 <a:ea typeface="Calibri" panose="020F0502020204030204" pitchFamily="34" charset="0"/>
-                <a:cs typeface="Calibri" panose="020F0502020204030204" pitchFamily="34" charset="0"/>
+                <a:cs typeface="Times New Roman" panose="02020603050405020304" pitchFamily="18" charset="0"/>
               </a:rPr>
               <a:t>of</a:t>
             </a:r>
             <a:r>
-              <a:rPr lang="en-US" sz="3200" spc="-15" dirty="0">
+              <a:rPr lang="en-US" sz="1400" spc="-15" dirty="0">
                 <a:effectLst/>
-                <a:latin typeface="Calibri" panose="020F0502020204030204" pitchFamily="34" charset="0"/>
+                <a:latin typeface="Times New Roman" panose="02020603050405020304" pitchFamily="18" charset="0"/>
                 <a:ea typeface="Calibri" panose="020F0502020204030204" pitchFamily="34" charset="0"/>
-                <a:cs typeface="Calibri" panose="020F0502020204030204" pitchFamily="34" charset="0"/>
+                <a:cs typeface="Times New Roman" panose="02020603050405020304" pitchFamily="18" charset="0"/>
               </a:rPr>
               <a:t> </a:t>
             </a:r>
             <a:r>
-              <a:rPr lang="en-US" sz="3200" dirty="0">
+              <a:rPr lang="en-US" sz="1400" dirty="0">
                 <a:effectLst/>
-                <a:latin typeface="Calibri" panose="020F0502020204030204" pitchFamily="34" charset="0"/>
+                <a:latin typeface="Times New Roman" panose="02020603050405020304" pitchFamily="18" charset="0"/>
                 <a:ea typeface="Calibri" panose="020F0502020204030204" pitchFamily="34" charset="0"/>
-                <a:cs typeface="Calibri" panose="020F0502020204030204" pitchFamily="34" charset="0"/>
+                <a:cs typeface="Times New Roman" panose="02020603050405020304" pitchFamily="18" charset="0"/>
               </a:rPr>
               <a:t>crops</a:t>
             </a:r>
             <a:r>
-              <a:rPr lang="en-US" sz="3200" spc="-55" dirty="0">
+              <a:rPr lang="en-US" sz="1400" spc="-55" dirty="0">
                 <a:effectLst/>
-                <a:latin typeface="Calibri" panose="020F0502020204030204" pitchFamily="34" charset="0"/>
+                <a:latin typeface="Times New Roman" panose="02020603050405020304" pitchFamily="18" charset="0"/>
                 <a:ea typeface="Calibri" panose="020F0502020204030204" pitchFamily="34" charset="0"/>
-                <a:cs typeface="Calibri" panose="020F0502020204030204" pitchFamily="34" charset="0"/>
+                <a:cs typeface="Times New Roman" panose="02020603050405020304" pitchFamily="18" charset="0"/>
               </a:rPr>
               <a:t> </a:t>
             </a:r>
             <a:r>
-              <a:rPr lang="en-US" sz="3200" dirty="0">
+              <a:rPr lang="en-US" sz="1400" dirty="0">
                 <a:effectLst/>
-                <a:latin typeface="Calibri" panose="020F0502020204030204" pitchFamily="34" charset="0"/>
+                <a:latin typeface="Times New Roman" panose="02020603050405020304" pitchFamily="18" charset="0"/>
                 <a:ea typeface="Calibri" panose="020F0502020204030204" pitchFamily="34" charset="0"/>
-                <a:cs typeface="Calibri" panose="020F0502020204030204" pitchFamily="34" charset="0"/>
+                <a:cs typeface="Times New Roman" panose="02020603050405020304" pitchFamily="18" charset="0"/>
               </a:rPr>
               <a:t>and</a:t>
             </a:r>
             <a:r>
-              <a:rPr lang="en-US" sz="3200" spc="-25" dirty="0">
+              <a:rPr lang="en-US" sz="1400" spc="-25" dirty="0">
                 <a:effectLst/>
-                <a:latin typeface="Calibri" panose="020F0502020204030204" pitchFamily="34" charset="0"/>
+                <a:latin typeface="Times New Roman" panose="02020603050405020304" pitchFamily="18" charset="0"/>
                 <a:ea typeface="Calibri" panose="020F0502020204030204" pitchFamily="34" charset="0"/>
-                <a:cs typeface="Calibri" panose="020F0502020204030204" pitchFamily="34" charset="0"/>
+                <a:cs typeface="Times New Roman" panose="02020603050405020304" pitchFamily="18" charset="0"/>
               </a:rPr>
               <a:t> </a:t>
             </a:r>
             <a:r>
-              <a:rPr lang="en-US" sz="3200" dirty="0">
+              <a:rPr lang="en-US" sz="1400" dirty="0">
                 <a:effectLst/>
-                <a:latin typeface="Calibri" panose="020F0502020204030204" pitchFamily="34" charset="0"/>
+                <a:latin typeface="Times New Roman" panose="02020603050405020304" pitchFamily="18" charset="0"/>
                 <a:ea typeface="Calibri" panose="020F0502020204030204" pitchFamily="34" charset="0"/>
-                <a:cs typeface="Calibri" panose="020F0502020204030204" pitchFamily="34" charset="0"/>
+                <a:cs typeface="Times New Roman" panose="02020603050405020304" pitchFamily="18" charset="0"/>
               </a:rPr>
               <a:t>they</a:t>
             </a:r>
             <a:r>
-              <a:rPr lang="en-US" sz="3200" spc="-65" dirty="0">
+              <a:rPr lang="en-US" sz="1400" spc="-65" dirty="0">
                 <a:effectLst/>
-                <a:latin typeface="Calibri" panose="020F0502020204030204" pitchFamily="34" charset="0"/>
+                <a:latin typeface="Times New Roman" panose="02020603050405020304" pitchFamily="18" charset="0"/>
                 <a:ea typeface="Calibri" panose="020F0502020204030204" pitchFamily="34" charset="0"/>
-                <a:cs typeface="Calibri" panose="020F0502020204030204" pitchFamily="34" charset="0"/>
+                <a:cs typeface="Times New Roman" panose="02020603050405020304" pitchFamily="18" charset="0"/>
               </a:rPr>
               <a:t> </a:t>
             </a:r>
             <a:r>
-              <a:rPr lang="en-US" sz="3200" dirty="0">
+              <a:rPr lang="en-US" sz="1400" dirty="0">
                 <a:effectLst/>
-                <a:latin typeface="Calibri" panose="020F0502020204030204" pitchFamily="34" charset="0"/>
+                <a:latin typeface="Times New Roman" panose="02020603050405020304" pitchFamily="18" charset="0"/>
                 <a:ea typeface="Calibri" panose="020F0502020204030204" pitchFamily="34" charset="0"/>
-                <a:cs typeface="Calibri" panose="020F0502020204030204" pitchFamily="34" charset="0"/>
+                <a:cs typeface="Times New Roman" panose="02020603050405020304" pitchFamily="18" charset="0"/>
               </a:rPr>
               <a:t>are</a:t>
             </a:r>
             <a:r>
-              <a:rPr lang="en-US" sz="3200" spc="-260" dirty="0">
+              <a:rPr lang="en-US" sz="1400" spc="-260" dirty="0">
                 <a:effectLst/>
-                <a:latin typeface="Calibri" panose="020F0502020204030204" pitchFamily="34" charset="0"/>
+                <a:latin typeface="Times New Roman" panose="02020603050405020304" pitchFamily="18" charset="0"/>
                 <a:ea typeface="Calibri" panose="020F0502020204030204" pitchFamily="34" charset="0"/>
-                <a:cs typeface="Calibri" panose="020F0502020204030204" pitchFamily="34" charset="0"/>
+                <a:cs typeface="Times New Roman" panose="02020603050405020304" pitchFamily="18" charset="0"/>
               </a:rPr>
               <a:t> </a:t>
             </a:r>
             <a:r>
-              <a:rPr lang="en-US" sz="3200" spc="-5" dirty="0">
+              <a:rPr lang="en-US" sz="1400" spc="-5" dirty="0">
                 <a:effectLst/>
-                <a:latin typeface="Calibri" panose="020F0502020204030204" pitchFamily="34" charset="0"/>
+                <a:latin typeface="Times New Roman" panose="02020603050405020304" pitchFamily="18" charset="0"/>
                 <a:ea typeface="Calibri" panose="020F0502020204030204" pitchFamily="34" charset="0"/>
-                <a:cs typeface="Calibri" panose="020F0502020204030204" pitchFamily="34" charset="0"/>
+                <a:cs typeface="Times New Roman" panose="02020603050405020304" pitchFamily="18" charset="0"/>
               </a:rPr>
               <a:t>applying fertilizers in random quantities without </a:t>
             </a:r>
             <a:r>
-              <a:rPr lang="en-US" sz="3200" dirty="0">
+              <a:rPr lang="en-US" sz="1400" dirty="0">
                 <a:effectLst/>
-                <a:latin typeface="Calibri" panose="020F0502020204030204" pitchFamily="34" charset="0"/>
+                <a:latin typeface="Times New Roman" panose="02020603050405020304" pitchFamily="18" charset="0"/>
                 <a:ea typeface="Calibri" panose="020F0502020204030204" pitchFamily="34" charset="0"/>
-                <a:cs typeface="Calibri" panose="020F0502020204030204" pitchFamily="34" charset="0"/>
+                <a:cs typeface="Times New Roman" panose="02020603050405020304" pitchFamily="18" charset="0"/>
               </a:rPr>
               <a:t>knowing the deﬁcient content and</a:t>
             </a:r>
             <a:r>
-              <a:rPr lang="en-US" sz="3200" spc="-265" dirty="0">
+              <a:rPr lang="en-US" sz="1400" spc="-265" dirty="0">
                 <a:effectLst/>
-                <a:latin typeface="Calibri" panose="020F0502020204030204" pitchFamily="34" charset="0"/>
+                <a:latin typeface="Times New Roman" panose="02020603050405020304" pitchFamily="18" charset="0"/>
                 <a:ea typeface="Calibri" panose="020F0502020204030204" pitchFamily="34" charset="0"/>
-                <a:cs typeface="Calibri" panose="020F0502020204030204" pitchFamily="34" charset="0"/>
+                <a:cs typeface="Times New Roman" panose="02020603050405020304" pitchFamily="18" charset="0"/>
               </a:rPr>
               <a:t> </a:t>
             </a:r>
             <a:r>
-              <a:rPr lang="en-US" sz="3200" spc="-10" dirty="0">
+              <a:rPr lang="en-US" sz="1400" spc="-10" dirty="0">
                 <a:effectLst/>
-                <a:latin typeface="Calibri" panose="020F0502020204030204" pitchFamily="34" charset="0"/>
+                <a:latin typeface="Times New Roman" panose="02020603050405020304" pitchFamily="18" charset="0"/>
                 <a:ea typeface="Calibri" panose="020F0502020204030204" pitchFamily="34" charset="0"/>
-                <a:cs typeface="Calibri" panose="020F0502020204030204" pitchFamily="34" charset="0"/>
+                <a:cs typeface="Times New Roman" panose="02020603050405020304" pitchFamily="18" charset="0"/>
               </a:rPr>
               <a:t>quantity.</a:t>
             </a:r>
             <a:r>
-              <a:rPr lang="en-US" sz="3200" dirty="0">
+              <a:rPr lang="en-US" sz="1400" dirty="0">
                 <a:effectLst/>
-                <a:latin typeface="Calibri" panose="020F0502020204030204" pitchFamily="34" charset="0"/>
+                <a:latin typeface="Times New Roman" panose="02020603050405020304" pitchFamily="18" charset="0"/>
                 <a:ea typeface="Calibri" panose="020F0502020204030204" pitchFamily="34" charset="0"/>
-                <a:cs typeface="Calibri" panose="020F0502020204030204" pitchFamily="34" charset="0"/>
+                <a:cs typeface="Times New Roman" panose="02020603050405020304" pitchFamily="18" charset="0"/>
               </a:rPr>
               <a:t> </a:t>
             </a:r>
             <a:r>
-              <a:rPr lang="en-US" sz="3200" spc="-5" dirty="0">
+              <a:rPr lang="en-US" sz="1400" spc="-5" dirty="0">
                 <a:effectLst/>
-                <a:latin typeface="Calibri" panose="020F0502020204030204" pitchFamily="34" charset="0"/>
+                <a:latin typeface="Times New Roman" panose="02020603050405020304" pitchFamily="18" charset="0"/>
                 <a:ea typeface="Calibri" panose="020F0502020204030204" pitchFamily="34" charset="0"/>
-                <a:cs typeface="Calibri" panose="020F0502020204030204" pitchFamily="34" charset="0"/>
+                <a:cs typeface="Times New Roman" panose="02020603050405020304" pitchFamily="18" charset="0"/>
               </a:rPr>
               <a:t>So,</a:t>
             </a:r>
             <a:r>
-              <a:rPr lang="en-US" sz="3200" spc="-20" dirty="0">
+              <a:rPr lang="en-US" sz="1400" spc="-20" dirty="0">
                 <a:effectLst/>
-                <a:latin typeface="Calibri" panose="020F0502020204030204" pitchFamily="34" charset="0"/>
+                <a:latin typeface="Times New Roman" panose="02020603050405020304" pitchFamily="18" charset="0"/>
                 <a:ea typeface="Calibri" panose="020F0502020204030204" pitchFamily="34" charset="0"/>
-                <a:cs typeface="Calibri" panose="020F0502020204030204" pitchFamily="34" charset="0"/>
+                <a:cs typeface="Times New Roman" panose="02020603050405020304" pitchFamily="18" charset="0"/>
               </a:rPr>
               <a:t> </a:t>
             </a:r>
             <a:r>
-              <a:rPr lang="en-US" sz="3200" spc="-5" dirty="0">
+              <a:rPr lang="en-US" sz="1400" spc="-5" dirty="0">
                 <a:effectLst/>
-                <a:latin typeface="Calibri" panose="020F0502020204030204" pitchFamily="34" charset="0"/>
+                <a:latin typeface="Times New Roman" panose="02020603050405020304" pitchFamily="18" charset="0"/>
                 <a:ea typeface="Calibri" panose="020F0502020204030204" pitchFamily="34" charset="0"/>
-                <a:cs typeface="Calibri" panose="020F0502020204030204" pitchFamily="34" charset="0"/>
+                <a:cs typeface="Times New Roman" panose="02020603050405020304" pitchFamily="18" charset="0"/>
               </a:rPr>
               <a:t>this</a:t>
             </a:r>
             <a:r>
-              <a:rPr lang="en-US" sz="3200" spc="-30" dirty="0">
+              <a:rPr lang="en-US" sz="1400" spc="-30" dirty="0">
                 <a:effectLst/>
-                <a:latin typeface="Calibri" panose="020F0502020204030204" pitchFamily="34" charset="0"/>
+                <a:latin typeface="Times New Roman" panose="02020603050405020304" pitchFamily="18" charset="0"/>
                 <a:ea typeface="Calibri" panose="020F0502020204030204" pitchFamily="34" charset="0"/>
-                <a:cs typeface="Calibri" panose="020F0502020204030204" pitchFamily="34" charset="0"/>
+                <a:cs typeface="Times New Roman" panose="02020603050405020304" pitchFamily="18" charset="0"/>
               </a:rPr>
               <a:t> </a:t>
             </a:r>
             <a:r>
-              <a:rPr lang="en-US" sz="3200" spc="-5" dirty="0">
+              <a:rPr lang="en-US" sz="1400" spc="-5" dirty="0">
                 <a:effectLst/>
-                <a:latin typeface="Calibri" panose="020F0502020204030204" pitchFamily="34" charset="0"/>
+                <a:latin typeface="Times New Roman" panose="02020603050405020304" pitchFamily="18" charset="0"/>
                 <a:ea typeface="Calibri" panose="020F0502020204030204" pitchFamily="34" charset="0"/>
-                <a:cs typeface="Calibri" panose="020F0502020204030204" pitchFamily="34" charset="0"/>
+                <a:cs typeface="Times New Roman" panose="02020603050405020304" pitchFamily="18" charset="0"/>
               </a:rPr>
               <a:t>is</a:t>
             </a:r>
             <a:r>
-              <a:rPr lang="en-US" sz="3200" spc="-55" dirty="0">
+              <a:rPr lang="en-US" sz="1400" spc="-55" dirty="0">
                 <a:effectLst/>
-                <a:latin typeface="Calibri" panose="020F0502020204030204" pitchFamily="34" charset="0"/>
+                <a:latin typeface="Times New Roman" panose="02020603050405020304" pitchFamily="18" charset="0"/>
                 <a:ea typeface="Calibri" panose="020F0502020204030204" pitchFamily="34" charset="0"/>
-                <a:cs typeface="Calibri" panose="020F0502020204030204" pitchFamily="34" charset="0"/>
+                <a:cs typeface="Times New Roman" panose="02020603050405020304" pitchFamily="18" charset="0"/>
               </a:rPr>
               <a:t> </a:t>
             </a:r>
             <a:r>
-              <a:rPr lang="en-US" sz="3200" spc="-5" dirty="0">
+              <a:rPr lang="en-US" sz="1400" spc="-5" dirty="0">
                 <a:effectLst/>
-                <a:latin typeface="Calibri" panose="020F0502020204030204" pitchFamily="34" charset="0"/>
+                <a:latin typeface="Times New Roman" panose="02020603050405020304" pitchFamily="18" charset="0"/>
                 <a:ea typeface="Calibri" panose="020F0502020204030204" pitchFamily="34" charset="0"/>
-                <a:cs typeface="Calibri" panose="020F0502020204030204" pitchFamily="34" charset="0"/>
+                <a:cs typeface="Times New Roman" panose="02020603050405020304" pitchFamily="18" charset="0"/>
               </a:rPr>
               <a:t>directly</a:t>
             </a:r>
             <a:r>
-              <a:rPr lang="en-US" sz="3200" spc="-60" dirty="0">
+              <a:rPr lang="en-US" sz="1400" spc="-60" dirty="0">
                 <a:effectLst/>
-                <a:latin typeface="Calibri" panose="020F0502020204030204" pitchFamily="34" charset="0"/>
+                <a:latin typeface="Times New Roman" panose="02020603050405020304" pitchFamily="18" charset="0"/>
                 <a:ea typeface="Calibri" panose="020F0502020204030204" pitchFamily="34" charset="0"/>
-                <a:cs typeface="Calibri" panose="020F0502020204030204" pitchFamily="34" charset="0"/>
+                <a:cs typeface="Times New Roman" panose="02020603050405020304" pitchFamily="18" charset="0"/>
               </a:rPr>
               <a:t> </a:t>
             </a:r>
             <a:r>
-              <a:rPr lang="en-US" sz="3200" spc="-5" dirty="0">
+              <a:rPr lang="en-US" sz="1400" spc="-5" dirty="0">
                 <a:effectLst/>
-                <a:latin typeface="Calibri" panose="020F0502020204030204" pitchFamily="34" charset="0"/>
+                <a:latin typeface="Times New Roman" panose="02020603050405020304" pitchFamily="18" charset="0"/>
                 <a:ea typeface="Calibri" panose="020F0502020204030204" pitchFamily="34" charset="0"/>
-                <a:cs typeface="Calibri" panose="020F0502020204030204" pitchFamily="34" charset="0"/>
+                <a:cs typeface="Times New Roman" panose="02020603050405020304" pitchFamily="18" charset="0"/>
               </a:rPr>
               <a:t>aﬀecting</a:t>
             </a:r>
             <a:r>
-              <a:rPr lang="en-US" sz="3200" spc="-30" dirty="0">
+              <a:rPr lang="en-US" sz="1400" spc="-30" dirty="0">
                 <a:effectLst/>
-                <a:latin typeface="Calibri" panose="020F0502020204030204" pitchFamily="34" charset="0"/>
+                <a:latin typeface="Times New Roman" panose="02020603050405020304" pitchFamily="18" charset="0"/>
                 <a:ea typeface="Calibri" panose="020F0502020204030204" pitchFamily="34" charset="0"/>
-                <a:cs typeface="Calibri" panose="020F0502020204030204" pitchFamily="34" charset="0"/>
+                <a:cs typeface="Times New Roman" panose="02020603050405020304" pitchFamily="18" charset="0"/>
               </a:rPr>
               <a:t> </a:t>
             </a:r>
             <a:r>
-              <a:rPr lang="en-US" sz="3200" spc="-5" dirty="0">
+              <a:rPr lang="en-US" sz="1400" spc="-5" dirty="0">
                 <a:effectLst/>
-                <a:latin typeface="Calibri" panose="020F0502020204030204" pitchFamily="34" charset="0"/>
+                <a:latin typeface="Times New Roman" panose="02020603050405020304" pitchFamily="18" charset="0"/>
                 <a:ea typeface="Calibri" panose="020F0502020204030204" pitchFamily="34" charset="0"/>
-                <a:cs typeface="Calibri" panose="020F0502020204030204" pitchFamily="34" charset="0"/>
+                <a:cs typeface="Times New Roman" panose="02020603050405020304" pitchFamily="18" charset="0"/>
               </a:rPr>
               <a:t>crop</a:t>
             </a:r>
             <a:r>
-              <a:rPr lang="en-US" sz="3200" spc="-65" dirty="0">
+              <a:rPr lang="en-US" sz="1400" spc="-65" dirty="0">
                 <a:effectLst/>
-                <a:latin typeface="Calibri" panose="020F0502020204030204" pitchFamily="34" charset="0"/>
+                <a:latin typeface="Times New Roman" panose="02020603050405020304" pitchFamily="18" charset="0"/>
                 <a:ea typeface="Calibri" panose="020F0502020204030204" pitchFamily="34" charset="0"/>
-                <a:cs typeface="Calibri" panose="020F0502020204030204" pitchFamily="34" charset="0"/>
+                <a:cs typeface="Times New Roman" panose="02020603050405020304" pitchFamily="18" charset="0"/>
               </a:rPr>
               <a:t> </a:t>
             </a:r>
             <a:r>
-              <a:rPr lang="en-US" sz="3200" spc="-5" dirty="0">
+              <a:rPr lang="en-US" sz="1400" spc="-5" dirty="0">
                 <a:effectLst/>
-                <a:latin typeface="Calibri" panose="020F0502020204030204" pitchFamily="34" charset="0"/>
+                <a:latin typeface="Times New Roman" panose="02020603050405020304" pitchFamily="18" charset="0"/>
                 <a:ea typeface="Calibri" panose="020F0502020204030204" pitchFamily="34" charset="0"/>
-                <a:cs typeface="Calibri" panose="020F0502020204030204" pitchFamily="34" charset="0"/>
+                <a:cs typeface="Times New Roman" panose="02020603050405020304" pitchFamily="18" charset="0"/>
               </a:rPr>
               <a:t>yield</a:t>
             </a:r>
             <a:r>
-              <a:rPr lang="en-US" sz="3200" spc="-35" dirty="0">
+              <a:rPr lang="en-US" sz="1400" spc="-35" dirty="0">
                 <a:effectLst/>
-                <a:latin typeface="Calibri" panose="020F0502020204030204" pitchFamily="34" charset="0"/>
+                <a:latin typeface="Times New Roman" panose="02020603050405020304" pitchFamily="18" charset="0"/>
                 <a:ea typeface="Calibri" panose="020F0502020204030204" pitchFamily="34" charset="0"/>
-                <a:cs typeface="Calibri" panose="020F0502020204030204" pitchFamily="34" charset="0"/>
+                <a:cs typeface="Times New Roman" panose="02020603050405020304" pitchFamily="18" charset="0"/>
               </a:rPr>
               <a:t> </a:t>
             </a:r>
             <a:r>
-              <a:rPr lang="en-US" sz="3200" spc="-5" dirty="0">
+              <a:rPr lang="en-US" sz="1400" spc="-5" dirty="0">
                 <a:effectLst/>
-                <a:latin typeface="Calibri" panose="020F0502020204030204" pitchFamily="34" charset="0"/>
+                <a:latin typeface="Times New Roman" panose="02020603050405020304" pitchFamily="18" charset="0"/>
                 <a:ea typeface="Calibri" panose="020F0502020204030204" pitchFamily="34" charset="0"/>
-                <a:cs typeface="Calibri" panose="020F0502020204030204" pitchFamily="34" charset="0"/>
+                <a:cs typeface="Times New Roman" panose="02020603050405020304" pitchFamily="18" charset="0"/>
               </a:rPr>
               <a:t>and</a:t>
             </a:r>
             <a:r>
-              <a:rPr lang="en-US" sz="3200" spc="-35" dirty="0">
+              <a:rPr lang="en-US" sz="1400" spc="-35" dirty="0">
                 <a:effectLst/>
-                <a:latin typeface="Calibri" panose="020F0502020204030204" pitchFamily="34" charset="0"/>
+                <a:latin typeface="Times New Roman" panose="02020603050405020304" pitchFamily="18" charset="0"/>
                 <a:ea typeface="Calibri" panose="020F0502020204030204" pitchFamily="34" charset="0"/>
-                <a:cs typeface="Calibri" panose="020F0502020204030204" pitchFamily="34" charset="0"/>
+                <a:cs typeface="Times New Roman" panose="02020603050405020304" pitchFamily="18" charset="0"/>
               </a:rPr>
               <a:t> </a:t>
             </a:r>
             <a:r>
-              <a:rPr lang="en-US" sz="3200" spc="-5" dirty="0">
+              <a:rPr lang="en-US" sz="1400" spc="-5" dirty="0">
                 <a:effectLst/>
-                <a:latin typeface="Calibri" panose="020F0502020204030204" pitchFamily="34" charset="0"/>
+                <a:latin typeface="Times New Roman" panose="02020603050405020304" pitchFamily="18" charset="0"/>
                 <a:ea typeface="Calibri" panose="020F0502020204030204" pitchFamily="34" charset="0"/>
-                <a:cs typeface="Calibri" panose="020F0502020204030204" pitchFamily="34" charset="0"/>
+                <a:cs typeface="Times New Roman" panose="02020603050405020304" pitchFamily="18" charset="0"/>
               </a:rPr>
               <a:t>also</a:t>
             </a:r>
             <a:r>
-              <a:rPr lang="en-US" sz="3200" spc="-55" dirty="0">
+              <a:rPr lang="en-US" sz="1400" spc="-55" dirty="0">
                 <a:effectLst/>
-                <a:latin typeface="Calibri" panose="020F0502020204030204" pitchFamily="34" charset="0"/>
+                <a:latin typeface="Times New Roman" panose="02020603050405020304" pitchFamily="18" charset="0"/>
                 <a:ea typeface="Calibri" panose="020F0502020204030204" pitchFamily="34" charset="0"/>
-                <a:cs typeface="Calibri" panose="020F0502020204030204" pitchFamily="34" charset="0"/>
+                <a:cs typeface="Times New Roman" panose="02020603050405020304" pitchFamily="18" charset="0"/>
               </a:rPr>
               <a:t> </a:t>
             </a:r>
             <a:r>
-              <a:rPr lang="en-US" sz="3200" spc="-5" dirty="0">
+              <a:rPr lang="en-US" sz="1400" spc="-5" dirty="0">
                 <a:effectLst/>
-                <a:latin typeface="Calibri" panose="020F0502020204030204" pitchFamily="34" charset="0"/>
+                <a:latin typeface="Times New Roman" panose="02020603050405020304" pitchFamily="18" charset="0"/>
                 <a:ea typeface="Calibri" panose="020F0502020204030204" pitchFamily="34" charset="0"/>
-                <a:cs typeface="Calibri" panose="020F0502020204030204" pitchFamily="34" charset="0"/>
+                <a:cs typeface="Times New Roman" panose="02020603050405020304" pitchFamily="18" charset="0"/>
               </a:rPr>
               <a:t>causes</a:t>
             </a:r>
             <a:r>
-              <a:rPr lang="en-US" sz="3200" spc="-50" dirty="0">
+              <a:rPr lang="en-US" sz="1400" spc="-50" dirty="0">
                 <a:effectLst/>
-                <a:latin typeface="Calibri" panose="020F0502020204030204" pitchFamily="34" charset="0"/>
+                <a:latin typeface="Times New Roman" panose="02020603050405020304" pitchFamily="18" charset="0"/>
                 <a:ea typeface="Calibri" panose="020F0502020204030204" pitchFamily="34" charset="0"/>
-                <a:cs typeface="Calibri" panose="020F0502020204030204" pitchFamily="34" charset="0"/>
+                <a:cs typeface="Times New Roman" panose="02020603050405020304" pitchFamily="18" charset="0"/>
               </a:rPr>
               <a:t> </a:t>
             </a:r>
             <a:r>
-              <a:rPr lang="en-US" sz="3200" spc="-5" dirty="0">
+              <a:rPr lang="en-US" sz="1400" spc="-5" dirty="0">
                 <a:effectLst/>
-                <a:latin typeface="Calibri" panose="020F0502020204030204" pitchFamily="34" charset="0"/>
+                <a:latin typeface="Times New Roman" panose="02020603050405020304" pitchFamily="18" charset="0"/>
                 <a:ea typeface="Calibri" panose="020F0502020204030204" pitchFamily="34" charset="0"/>
-                <a:cs typeface="Calibri" panose="020F0502020204030204" pitchFamily="34" charset="0"/>
+                <a:cs typeface="Times New Roman" panose="02020603050405020304" pitchFamily="18" charset="0"/>
               </a:rPr>
               <a:t>soil</a:t>
             </a:r>
             <a:r>
-              <a:rPr lang="en-US" sz="3200" spc="-35" dirty="0">
+              <a:rPr lang="en-US" sz="1400" spc="-35" dirty="0">
                 <a:effectLst/>
-                <a:latin typeface="Calibri" panose="020F0502020204030204" pitchFamily="34" charset="0"/>
+                <a:latin typeface="Times New Roman" panose="02020603050405020304" pitchFamily="18" charset="0"/>
                 <a:ea typeface="Calibri" panose="020F0502020204030204" pitchFamily="34" charset="0"/>
-                <a:cs typeface="Calibri" panose="020F0502020204030204" pitchFamily="34" charset="0"/>
+                <a:cs typeface="Times New Roman" panose="02020603050405020304" pitchFamily="18" charset="0"/>
               </a:rPr>
               <a:t> </a:t>
             </a:r>
             <a:r>
-              <a:rPr lang="en-US" sz="3200" spc="-5" dirty="0">
+              <a:rPr lang="en-US" sz="1400" spc="-5" dirty="0">
                 <a:effectLst/>
-                <a:latin typeface="Calibri" panose="020F0502020204030204" pitchFamily="34" charset="0"/>
+                <a:latin typeface="Times New Roman" panose="02020603050405020304" pitchFamily="18" charset="0"/>
                 <a:ea typeface="Calibri" panose="020F0502020204030204" pitchFamily="34" charset="0"/>
-                <a:cs typeface="Calibri" panose="020F0502020204030204" pitchFamily="34" charset="0"/>
+                <a:cs typeface="Times New Roman" panose="02020603050405020304" pitchFamily="18" charset="0"/>
               </a:rPr>
               <a:t>acidiﬁcation</a:t>
             </a:r>
             <a:r>
-              <a:rPr lang="en-US" sz="3200" spc="-45" dirty="0">
+              <a:rPr lang="en-US" sz="1400" spc="-45" dirty="0">
                 <a:effectLst/>
-                <a:latin typeface="Calibri" panose="020F0502020204030204" pitchFamily="34" charset="0"/>
+                <a:latin typeface="Times New Roman" panose="02020603050405020304" pitchFamily="18" charset="0"/>
                 <a:ea typeface="Calibri" panose="020F0502020204030204" pitchFamily="34" charset="0"/>
-                <a:cs typeface="Calibri" panose="020F0502020204030204" pitchFamily="34" charset="0"/>
+                <a:cs typeface="Times New Roman" panose="02020603050405020304" pitchFamily="18" charset="0"/>
               </a:rPr>
               <a:t> </a:t>
             </a:r>
             <a:r>
-              <a:rPr lang="en-US" sz="3200" spc="-5" dirty="0">
+              <a:rPr lang="en-US" sz="1400" spc="-5" dirty="0">
                 <a:effectLst/>
-                <a:latin typeface="Calibri" panose="020F0502020204030204" pitchFamily="34" charset="0"/>
+                <a:latin typeface="Times New Roman" panose="02020603050405020304" pitchFamily="18" charset="0"/>
                 <a:ea typeface="Calibri" panose="020F0502020204030204" pitchFamily="34" charset="0"/>
-                <a:cs typeface="Calibri" panose="020F0502020204030204" pitchFamily="34" charset="0"/>
+                <a:cs typeface="Times New Roman" panose="02020603050405020304" pitchFamily="18" charset="0"/>
               </a:rPr>
               <a:t>and</a:t>
             </a:r>
             <a:r>
-              <a:rPr lang="en-US" sz="3200" dirty="0">
+              <a:rPr lang="en-US" sz="1400" dirty="0">
                 <a:effectLst/>
-                <a:latin typeface="Calibri" panose="020F0502020204030204" pitchFamily="34" charset="0"/>
+                <a:latin typeface="Times New Roman" panose="02020603050405020304" pitchFamily="18" charset="0"/>
                 <a:ea typeface="Calibri" panose="020F0502020204030204" pitchFamily="34" charset="0"/>
-                <a:cs typeface="Calibri" panose="020F0502020204030204" pitchFamily="34" charset="0"/>
+                <a:cs typeface="Times New Roman" panose="02020603050405020304" pitchFamily="18" charset="0"/>
               </a:rPr>
               <a:t> </a:t>
             </a:r>
             <a:r>
-              <a:rPr lang="en-US" sz="3200" spc="-10" dirty="0">
+              <a:rPr lang="en-US" sz="1400" spc="-10" dirty="0">
                 <a:effectLst/>
-                <a:latin typeface="Calibri" panose="020F0502020204030204" pitchFamily="34" charset="0"/>
+                <a:latin typeface="Times New Roman" panose="02020603050405020304" pitchFamily="18" charset="0"/>
                 <a:ea typeface="Calibri" panose="020F0502020204030204" pitchFamily="34" charset="0"/>
-                <a:cs typeface="Calibri" panose="020F0502020204030204" pitchFamily="34" charset="0"/>
+                <a:cs typeface="Times New Roman" panose="02020603050405020304" pitchFamily="18" charset="0"/>
               </a:rPr>
               <a:t>damages </a:t>
             </a:r>
             <a:r>
-              <a:rPr lang="en-US" sz="3200" spc="-5" dirty="0">
+              <a:rPr lang="en-US" sz="1400" spc="-5" dirty="0">
                 <a:effectLst/>
-                <a:latin typeface="Calibri" panose="020F0502020204030204" pitchFamily="34" charset="0"/>
+                <a:latin typeface="Times New Roman" panose="02020603050405020304" pitchFamily="18" charset="0"/>
                 <a:ea typeface="Calibri" panose="020F0502020204030204" pitchFamily="34" charset="0"/>
-                <a:cs typeface="Calibri" panose="020F0502020204030204" pitchFamily="34" charset="0"/>
+                <a:cs typeface="Times New Roman" panose="02020603050405020304" pitchFamily="18" charset="0"/>
               </a:rPr>
               <a:t>the top layer. So, we have designed the system using machine learning</a:t>
             </a:r>
             <a:r>
-              <a:rPr lang="en-US" sz="3200" dirty="0">
+              <a:rPr lang="en-US" sz="1400" dirty="0">
                 <a:effectLst/>
-                <a:latin typeface="Calibri" panose="020F0502020204030204" pitchFamily="34" charset="0"/>
+                <a:latin typeface="Times New Roman" panose="02020603050405020304" pitchFamily="18" charset="0"/>
                 <a:ea typeface="Calibri" panose="020F0502020204030204" pitchFamily="34" charset="0"/>
-                <a:cs typeface="Calibri" panose="020F0502020204030204" pitchFamily="34" charset="0"/>
+                <a:cs typeface="Times New Roman" panose="02020603050405020304" pitchFamily="18" charset="0"/>
               </a:rPr>
               <a:t> algorithms</a:t>
             </a:r>
             <a:r>
-              <a:rPr lang="en-US" sz="3200" spc="-35" dirty="0">
+              <a:rPr lang="en-US" sz="1400" spc="-35" dirty="0">
                 <a:effectLst/>
-                <a:latin typeface="Calibri" panose="020F0502020204030204" pitchFamily="34" charset="0"/>
+                <a:latin typeface="Times New Roman" panose="02020603050405020304" pitchFamily="18" charset="0"/>
                 <a:ea typeface="Calibri" panose="020F0502020204030204" pitchFamily="34" charset="0"/>
-                <a:cs typeface="Calibri" panose="020F0502020204030204" pitchFamily="34" charset="0"/>
+                <a:cs typeface="Times New Roman" panose="02020603050405020304" pitchFamily="18" charset="0"/>
               </a:rPr>
               <a:t> </a:t>
             </a:r>
             <a:r>
-              <a:rPr lang="en-US" sz="3200" dirty="0">
+              <a:rPr lang="en-US" sz="1400" dirty="0">
                 <a:effectLst/>
-                <a:latin typeface="Calibri" panose="020F0502020204030204" pitchFamily="34" charset="0"/>
+                <a:latin typeface="Times New Roman" panose="02020603050405020304" pitchFamily="18" charset="0"/>
                 <a:ea typeface="Calibri" panose="020F0502020204030204" pitchFamily="34" charset="0"/>
-                <a:cs typeface="Calibri" panose="020F0502020204030204" pitchFamily="34" charset="0"/>
+                <a:cs typeface="Times New Roman" panose="02020603050405020304" pitchFamily="18" charset="0"/>
               </a:rPr>
               <a:t>for</a:t>
             </a:r>
             <a:r>
-              <a:rPr lang="en-US" sz="3200" spc="-50" dirty="0">
+              <a:rPr lang="en-US" sz="1400" spc="-50" dirty="0">
                 <a:effectLst/>
-                <a:latin typeface="Calibri" panose="020F0502020204030204" pitchFamily="34" charset="0"/>
+                <a:latin typeface="Times New Roman" panose="02020603050405020304" pitchFamily="18" charset="0"/>
                 <a:ea typeface="Calibri" panose="020F0502020204030204" pitchFamily="34" charset="0"/>
-                <a:cs typeface="Calibri" panose="020F0502020204030204" pitchFamily="34" charset="0"/>
+                <a:cs typeface="Times New Roman" panose="02020603050405020304" pitchFamily="18" charset="0"/>
               </a:rPr>
               <a:t> </a:t>
             </a:r>
             <a:r>
-              <a:rPr lang="en-US" sz="3200" dirty="0">
+              <a:rPr lang="en-US" sz="1400" dirty="0">
                 <a:effectLst/>
-                <a:latin typeface="Calibri" panose="020F0502020204030204" pitchFamily="34" charset="0"/>
+                <a:latin typeface="Times New Roman" panose="02020603050405020304" pitchFamily="18" charset="0"/>
                 <a:ea typeface="Calibri" panose="020F0502020204030204" pitchFamily="34" charset="0"/>
-                <a:cs typeface="Calibri" panose="020F0502020204030204" pitchFamily="34" charset="0"/>
+                <a:cs typeface="Times New Roman" panose="02020603050405020304" pitchFamily="18" charset="0"/>
               </a:rPr>
               <a:t>the</a:t>
             </a:r>
             <a:r>
-              <a:rPr lang="en-US" sz="3200" spc="-35" dirty="0">
+              <a:rPr lang="en-US" sz="1400" spc="-35" dirty="0">
                 <a:effectLst/>
-                <a:latin typeface="Calibri" panose="020F0502020204030204" pitchFamily="34" charset="0"/>
+                <a:latin typeface="Times New Roman" panose="02020603050405020304" pitchFamily="18" charset="0"/>
                 <a:ea typeface="Calibri" panose="020F0502020204030204" pitchFamily="34" charset="0"/>
-                <a:cs typeface="Calibri" panose="020F0502020204030204" pitchFamily="34" charset="0"/>
+                <a:cs typeface="Times New Roman" panose="02020603050405020304" pitchFamily="18" charset="0"/>
               </a:rPr>
               <a:t> </a:t>
             </a:r>
             <a:r>
-              <a:rPr lang="en-US" sz="3200" dirty="0">
+              <a:rPr lang="en-US" sz="1400" dirty="0">
                 <a:effectLst/>
-                <a:latin typeface="Calibri" panose="020F0502020204030204" pitchFamily="34" charset="0"/>
+                <a:latin typeface="Times New Roman" panose="02020603050405020304" pitchFamily="18" charset="0"/>
                 <a:ea typeface="Calibri" panose="020F0502020204030204" pitchFamily="34" charset="0"/>
-                <a:cs typeface="Calibri" panose="020F0502020204030204" pitchFamily="34" charset="0"/>
+                <a:cs typeface="Times New Roman" panose="02020603050405020304" pitchFamily="18" charset="0"/>
               </a:rPr>
               <a:t>betterment</a:t>
             </a:r>
             <a:r>
-              <a:rPr lang="en-US" sz="3200" spc="-55" dirty="0">
+              <a:rPr lang="en-US" sz="1400" spc="-55" dirty="0">
                 <a:effectLst/>
-                <a:latin typeface="Calibri" panose="020F0502020204030204" pitchFamily="34" charset="0"/>
+                <a:latin typeface="Times New Roman" panose="02020603050405020304" pitchFamily="18" charset="0"/>
                 <a:ea typeface="Calibri" panose="020F0502020204030204" pitchFamily="34" charset="0"/>
-                <a:cs typeface="Calibri" panose="020F0502020204030204" pitchFamily="34" charset="0"/>
+                <a:cs typeface="Times New Roman" panose="02020603050405020304" pitchFamily="18" charset="0"/>
               </a:rPr>
               <a:t> </a:t>
             </a:r>
             <a:r>
-              <a:rPr lang="en-US" sz="3200" dirty="0">
+              <a:rPr lang="en-US" sz="1400" dirty="0">
                 <a:effectLst/>
-                <a:latin typeface="Calibri" panose="020F0502020204030204" pitchFamily="34" charset="0"/>
+                <a:latin typeface="Times New Roman" panose="02020603050405020304" pitchFamily="18" charset="0"/>
                 <a:ea typeface="Calibri" panose="020F0502020204030204" pitchFamily="34" charset="0"/>
-                <a:cs typeface="Calibri" panose="020F0502020204030204" pitchFamily="34" charset="0"/>
+                <a:cs typeface="Times New Roman" panose="02020603050405020304" pitchFamily="18" charset="0"/>
               </a:rPr>
               <a:t>of</a:t>
             </a:r>
             <a:r>
-              <a:rPr lang="en-US" sz="3200" spc="15" dirty="0">
+              <a:rPr lang="en-US" sz="1400" spc="15" dirty="0">
                 <a:effectLst/>
-                <a:latin typeface="Calibri" panose="020F0502020204030204" pitchFamily="34" charset="0"/>
+                <a:latin typeface="Times New Roman" panose="02020603050405020304" pitchFamily="18" charset="0"/>
                 <a:ea typeface="Calibri" panose="020F0502020204030204" pitchFamily="34" charset="0"/>
-                <a:cs typeface="Calibri" panose="020F0502020204030204" pitchFamily="34" charset="0"/>
+                <a:cs typeface="Times New Roman" panose="02020603050405020304" pitchFamily="18" charset="0"/>
               </a:rPr>
               <a:t> </a:t>
             </a:r>
             <a:r>
-              <a:rPr lang="en-US" sz="3200" dirty="0">
+              <a:rPr lang="en-US" sz="1400" dirty="0">
                 <a:effectLst/>
-                <a:latin typeface="Calibri" panose="020F0502020204030204" pitchFamily="34" charset="0"/>
+                <a:latin typeface="Times New Roman" panose="02020603050405020304" pitchFamily="18" charset="0"/>
                 <a:ea typeface="Calibri" panose="020F0502020204030204" pitchFamily="34" charset="0"/>
-                <a:cs typeface="Calibri" panose="020F0502020204030204" pitchFamily="34" charset="0"/>
+                <a:cs typeface="Times New Roman" panose="02020603050405020304" pitchFamily="18" charset="0"/>
               </a:rPr>
               <a:t>farmers.</a:t>
             </a:r>
           </a:p>
           <a:p>
-            <a:endParaRPr lang="en-IN" sz="3200" dirty="0">
+            <a:pPr algn="just">
+              <a:lnSpc>
+                <a:spcPct val="170000"/>
+              </a:lnSpc>
+            </a:pPr>
+            <a:endParaRPr lang="en-IN" sz="1400" dirty="0">
               <a:effectLst/>
-              <a:latin typeface="Calibri" panose="020F0502020204030204" pitchFamily="34" charset="0"/>
+              <a:latin typeface="Times New Roman" panose="02020603050405020304" pitchFamily="18" charset="0"/>
               <a:ea typeface="Calibri" panose="020F0502020204030204" pitchFamily="34" charset="0"/>
-              <a:cs typeface="Calibri" panose="020F0502020204030204" pitchFamily="34" charset="0"/>
+              <a:cs typeface="Times New Roman" panose="02020603050405020304" pitchFamily="18" charset="0"/>
             </a:endParaRPr>
           </a:p>
           <a:p>
-            <a:r>
-              <a:rPr lang="en-US" sz="3200" spc="-5" dirty="0">
+            <a:pPr algn="just">
+              <a:lnSpc>
+                <a:spcPct val="170000"/>
+              </a:lnSpc>
+            </a:pPr>
+            <a:r>
+              <a:rPr lang="en-US" sz="1400" spc="-5" dirty="0">
                 <a:effectLst/>
-                <a:latin typeface="Calibri" panose="020F0502020204030204" pitchFamily="34" charset="0"/>
+                <a:latin typeface="Times New Roman" panose="02020603050405020304" pitchFamily="18" charset="0"/>
                 <a:ea typeface="Calibri" panose="020F0502020204030204" pitchFamily="34" charset="0"/>
-                <a:cs typeface="Calibri" panose="020F0502020204030204" pitchFamily="34" charset="0"/>
+                <a:cs typeface="Times New Roman" panose="02020603050405020304" pitchFamily="18" charset="0"/>
               </a:rPr>
               <a:t>Agriculture is one of the important occupations practiced </a:t>
             </a:r>
             <a:r>
-              <a:rPr lang="en-US" sz="3200" dirty="0">
+              <a:rPr lang="en-US" sz="1400" dirty="0">
                 <a:effectLst/>
-                <a:latin typeface="Calibri" panose="020F0502020204030204" pitchFamily="34" charset="0"/>
+                <a:latin typeface="Times New Roman" panose="02020603050405020304" pitchFamily="18" charset="0"/>
                 <a:ea typeface="Calibri" panose="020F0502020204030204" pitchFamily="34" charset="0"/>
-                <a:cs typeface="Calibri" panose="020F0502020204030204" pitchFamily="34" charset="0"/>
+                <a:cs typeface="Times New Roman" panose="02020603050405020304" pitchFamily="18" charset="0"/>
               </a:rPr>
               <a:t>in India. It is the broadest</a:t>
             </a:r>
             <a:r>
-              <a:rPr lang="en-US" sz="3200" spc="5" dirty="0">
+              <a:rPr lang="en-US" sz="1400" spc="5" dirty="0">
                 <a:effectLst/>
-                <a:latin typeface="Calibri" panose="020F0502020204030204" pitchFamily="34" charset="0"/>
+                <a:latin typeface="Times New Roman" panose="02020603050405020304" pitchFamily="18" charset="0"/>
                 <a:ea typeface="Calibri" panose="020F0502020204030204" pitchFamily="34" charset="0"/>
-                <a:cs typeface="Calibri" panose="020F0502020204030204" pitchFamily="34" charset="0"/>
+                <a:cs typeface="Times New Roman" panose="02020603050405020304" pitchFamily="18" charset="0"/>
               </a:rPr>
               <a:t> </a:t>
             </a:r>
             <a:r>
-              <a:rPr lang="en-US" sz="3200" spc="-10" dirty="0">
+              <a:rPr lang="en-US" sz="1400" spc="-10" dirty="0">
                 <a:effectLst/>
-                <a:latin typeface="Calibri" panose="020F0502020204030204" pitchFamily="34" charset="0"/>
+                <a:latin typeface="Times New Roman" panose="02020603050405020304" pitchFamily="18" charset="0"/>
                 <a:ea typeface="Calibri" panose="020F0502020204030204" pitchFamily="34" charset="0"/>
-                <a:cs typeface="Calibri" panose="020F0502020204030204" pitchFamily="34" charset="0"/>
+                <a:cs typeface="Times New Roman" panose="02020603050405020304" pitchFamily="18" charset="0"/>
               </a:rPr>
               <a:t>economic sector and plays </a:t>
             </a:r>
             <a:r>
-              <a:rPr lang="en-US" sz="3200" spc="-5" dirty="0">
+              <a:rPr lang="en-US" sz="1400" spc="-5" dirty="0">
                 <a:effectLst/>
-                <a:latin typeface="Calibri" panose="020F0502020204030204" pitchFamily="34" charset="0"/>
+                <a:latin typeface="Times New Roman" panose="02020603050405020304" pitchFamily="18" charset="0"/>
                 <a:ea typeface="Calibri" panose="020F0502020204030204" pitchFamily="34" charset="0"/>
-                <a:cs typeface="Calibri" panose="020F0502020204030204" pitchFamily="34" charset="0"/>
+                <a:cs typeface="Times New Roman" panose="02020603050405020304" pitchFamily="18" charset="0"/>
               </a:rPr>
               <a:t>the most important role in the overall development of the</a:t>
             </a:r>
             <a:r>
-              <a:rPr lang="en-US" sz="3200" dirty="0">
+              <a:rPr lang="en-US" sz="1400" dirty="0">
                 <a:effectLst/>
-                <a:latin typeface="Calibri" panose="020F0502020204030204" pitchFamily="34" charset="0"/>
+                <a:latin typeface="Times New Roman" panose="02020603050405020304" pitchFamily="18" charset="0"/>
                 <a:ea typeface="Calibri" panose="020F0502020204030204" pitchFamily="34" charset="0"/>
-                <a:cs typeface="Calibri" panose="020F0502020204030204" pitchFamily="34" charset="0"/>
+                <a:cs typeface="Times New Roman" panose="02020603050405020304" pitchFamily="18" charset="0"/>
               </a:rPr>
               <a:t> </a:t>
             </a:r>
             <a:r>
-              <a:rPr lang="en-US" sz="3200" spc="-10" dirty="0">
+              <a:rPr lang="en-US" sz="1400" spc="-10" dirty="0">
                 <a:effectLst/>
-                <a:latin typeface="Calibri" panose="020F0502020204030204" pitchFamily="34" charset="0"/>
+                <a:latin typeface="Times New Roman" panose="02020603050405020304" pitchFamily="18" charset="0"/>
                 <a:ea typeface="Calibri" panose="020F0502020204030204" pitchFamily="34" charset="0"/>
-                <a:cs typeface="Calibri" panose="020F0502020204030204" pitchFamily="34" charset="0"/>
+                <a:cs typeface="Times New Roman" panose="02020603050405020304" pitchFamily="18" charset="0"/>
               </a:rPr>
               <a:t>country. </a:t>
             </a:r>
             <a:r>
-              <a:rPr lang="en-US" sz="3200" dirty="0">
+              <a:rPr lang="en-US" sz="1400" dirty="0">
                 <a:effectLst/>
-                <a:latin typeface="Calibri" panose="020F0502020204030204" pitchFamily="34" charset="0"/>
+                <a:latin typeface="Times New Roman" panose="02020603050405020304" pitchFamily="18" charset="0"/>
                 <a:ea typeface="Calibri" panose="020F0502020204030204" pitchFamily="34" charset="0"/>
-                <a:cs typeface="Calibri" panose="020F0502020204030204" pitchFamily="34" charset="0"/>
+                <a:cs typeface="Times New Roman" panose="02020603050405020304" pitchFamily="18" charset="0"/>
               </a:rPr>
               <a:t>In the</a:t>
             </a:r>
             <a:r>
-              <a:rPr lang="en-US" sz="3200" spc="5" dirty="0">
+              <a:rPr lang="en-US" sz="1400" spc="5" dirty="0">
                 <a:effectLst/>
-                <a:latin typeface="Calibri" panose="020F0502020204030204" pitchFamily="34" charset="0"/>
+                <a:latin typeface="Times New Roman" panose="02020603050405020304" pitchFamily="18" charset="0"/>
                 <a:ea typeface="Calibri" panose="020F0502020204030204" pitchFamily="34" charset="0"/>
-                <a:cs typeface="Calibri" panose="020F0502020204030204" pitchFamily="34" charset="0"/>
+                <a:cs typeface="Times New Roman" panose="02020603050405020304" pitchFamily="18" charset="0"/>
               </a:rPr>
               <a:t> </a:t>
             </a:r>
             <a:r>
-              <a:rPr lang="en-US" sz="3200" spc="-5" dirty="0">
+              <a:rPr lang="en-US" sz="1400" spc="-5" dirty="0">
                 <a:effectLst/>
-                <a:latin typeface="Calibri" panose="020F0502020204030204" pitchFamily="34" charset="0"/>
+                <a:latin typeface="Times New Roman" panose="02020603050405020304" pitchFamily="18" charset="0"/>
                 <a:ea typeface="Calibri" panose="020F0502020204030204" pitchFamily="34" charset="0"/>
-                <a:cs typeface="Calibri" panose="020F0502020204030204" pitchFamily="34" charset="0"/>
+                <a:cs typeface="Times New Roman" panose="02020603050405020304" pitchFamily="18" charset="0"/>
               </a:rPr>
               <a:t>Agriculture</a:t>
             </a:r>
             <a:r>
-              <a:rPr lang="en-US" sz="3200" spc="-50" dirty="0">
+              <a:rPr lang="en-US" sz="1400" spc="-50" dirty="0">
                 <a:effectLst/>
-                <a:latin typeface="Calibri" panose="020F0502020204030204" pitchFamily="34" charset="0"/>
+                <a:latin typeface="Times New Roman" panose="02020603050405020304" pitchFamily="18" charset="0"/>
                 <a:ea typeface="Calibri" panose="020F0502020204030204" pitchFamily="34" charset="0"/>
-                <a:cs typeface="Calibri" panose="020F0502020204030204" pitchFamily="34" charset="0"/>
+                <a:cs typeface="Times New Roman" panose="02020603050405020304" pitchFamily="18" charset="0"/>
               </a:rPr>
               <a:t> </a:t>
             </a:r>
             <a:r>
-              <a:rPr lang="en-US" sz="3200" spc="-5" dirty="0">
+              <a:rPr lang="en-US" sz="1400" spc="-5" dirty="0">
                 <a:effectLst/>
-                <a:latin typeface="Calibri" panose="020F0502020204030204" pitchFamily="34" charset="0"/>
+                <a:latin typeface="Times New Roman" panose="02020603050405020304" pitchFamily="18" charset="0"/>
                 <a:ea typeface="Calibri" panose="020F0502020204030204" pitchFamily="34" charset="0"/>
-                <a:cs typeface="Calibri" panose="020F0502020204030204" pitchFamily="34" charset="0"/>
+                <a:cs typeface="Times New Roman" panose="02020603050405020304" pitchFamily="18" charset="0"/>
               </a:rPr>
               <a:t>ﬁeld</a:t>
             </a:r>
             <a:r>
-              <a:rPr lang="en-US" sz="3200" spc="-25" dirty="0">
+              <a:rPr lang="en-US" sz="1400" spc="-25" dirty="0">
                 <a:effectLst/>
-                <a:latin typeface="Calibri" panose="020F0502020204030204" pitchFamily="34" charset="0"/>
+                <a:latin typeface="Times New Roman" panose="02020603050405020304" pitchFamily="18" charset="0"/>
                 <a:ea typeface="Calibri" panose="020F0502020204030204" pitchFamily="34" charset="0"/>
-                <a:cs typeface="Calibri" panose="020F0502020204030204" pitchFamily="34" charset="0"/>
+                <a:cs typeface="Times New Roman" panose="02020603050405020304" pitchFamily="18" charset="0"/>
               </a:rPr>
               <a:t> </a:t>
             </a:r>
             <a:r>
-              <a:rPr lang="en-US" sz="3200" spc="-5" dirty="0">
+              <a:rPr lang="en-US" sz="1400" spc="-5" dirty="0">
                 <a:effectLst/>
-                <a:latin typeface="Calibri" panose="020F0502020204030204" pitchFamily="34" charset="0"/>
+                <a:latin typeface="Times New Roman" panose="02020603050405020304" pitchFamily="18" charset="0"/>
                 <a:ea typeface="Calibri" panose="020F0502020204030204" pitchFamily="34" charset="0"/>
-                <a:cs typeface="Calibri" panose="020F0502020204030204" pitchFamily="34" charset="0"/>
+                <a:cs typeface="Times New Roman" panose="02020603050405020304" pitchFamily="18" charset="0"/>
               </a:rPr>
               <a:t>machine</a:t>
             </a:r>
             <a:r>
-              <a:rPr lang="en-US" sz="3200" spc="-45" dirty="0">
+              <a:rPr lang="en-US" sz="1400" spc="-45" dirty="0">
                 <a:effectLst/>
-                <a:latin typeface="Calibri" panose="020F0502020204030204" pitchFamily="34" charset="0"/>
+                <a:latin typeface="Times New Roman" panose="02020603050405020304" pitchFamily="18" charset="0"/>
                 <a:ea typeface="Calibri" panose="020F0502020204030204" pitchFamily="34" charset="0"/>
-                <a:cs typeface="Calibri" panose="020F0502020204030204" pitchFamily="34" charset="0"/>
+                <a:cs typeface="Times New Roman" panose="02020603050405020304" pitchFamily="18" charset="0"/>
               </a:rPr>
               <a:t> </a:t>
             </a:r>
             <a:r>
-              <a:rPr lang="en-US" sz="3200" spc="-5" dirty="0">
+              <a:rPr lang="en-US" sz="1400" spc="-5" dirty="0">
                 <a:effectLst/>
-                <a:latin typeface="Calibri" panose="020F0502020204030204" pitchFamily="34" charset="0"/>
+                <a:latin typeface="Times New Roman" panose="02020603050405020304" pitchFamily="18" charset="0"/>
                 <a:ea typeface="Calibri" panose="020F0502020204030204" pitchFamily="34" charset="0"/>
-                <a:cs typeface="Calibri" panose="020F0502020204030204" pitchFamily="34" charset="0"/>
+                <a:cs typeface="Times New Roman" panose="02020603050405020304" pitchFamily="18" charset="0"/>
               </a:rPr>
               <a:t>learning,</a:t>
             </a:r>
             <a:r>
-              <a:rPr lang="en-US" sz="3200" spc="-25" dirty="0">
+              <a:rPr lang="en-US" sz="1400" spc="-25" dirty="0">
                 <a:effectLst/>
-                <a:latin typeface="Calibri" panose="020F0502020204030204" pitchFamily="34" charset="0"/>
+                <a:latin typeface="Times New Roman" panose="02020603050405020304" pitchFamily="18" charset="0"/>
                 <a:ea typeface="Calibri" panose="020F0502020204030204" pitchFamily="34" charset="0"/>
-                <a:cs typeface="Calibri" panose="020F0502020204030204" pitchFamily="34" charset="0"/>
+                <a:cs typeface="Times New Roman" panose="02020603050405020304" pitchFamily="18" charset="0"/>
               </a:rPr>
               <a:t> </a:t>
             </a:r>
             <a:r>
-              <a:rPr lang="en-US" sz="3200" spc="-5" dirty="0">
+              <a:rPr lang="en-US" sz="1400" spc="-5" dirty="0">
                 <a:effectLst/>
-                <a:latin typeface="Calibri" panose="020F0502020204030204" pitchFamily="34" charset="0"/>
+                <a:latin typeface="Times New Roman" panose="02020603050405020304" pitchFamily="18" charset="0"/>
                 <a:ea typeface="Calibri" panose="020F0502020204030204" pitchFamily="34" charset="0"/>
-                <a:cs typeface="Calibri" panose="020F0502020204030204" pitchFamily="34" charset="0"/>
+                <a:cs typeface="Times New Roman" panose="02020603050405020304" pitchFamily="18" charset="0"/>
               </a:rPr>
               <a:t>for</a:t>
             </a:r>
             <a:r>
-              <a:rPr lang="en-US" sz="3200" spc="-55" dirty="0">
+              <a:rPr lang="en-US" sz="1400" spc="-55" dirty="0">
                 <a:effectLst/>
-                <a:latin typeface="Calibri" panose="020F0502020204030204" pitchFamily="34" charset="0"/>
+                <a:latin typeface="Times New Roman" panose="02020603050405020304" pitchFamily="18" charset="0"/>
                 <a:ea typeface="Calibri" panose="020F0502020204030204" pitchFamily="34" charset="0"/>
-                <a:cs typeface="Calibri" panose="020F0502020204030204" pitchFamily="34" charset="0"/>
+                <a:cs typeface="Times New Roman" panose="02020603050405020304" pitchFamily="18" charset="0"/>
               </a:rPr>
               <a:t> </a:t>
             </a:r>
             <a:r>
-              <a:rPr lang="en-US" sz="3200" dirty="0">
+              <a:rPr lang="en-US" sz="1400" dirty="0">
                 <a:effectLst/>
-                <a:latin typeface="Calibri" panose="020F0502020204030204" pitchFamily="34" charset="0"/>
+                <a:latin typeface="Times New Roman" panose="02020603050405020304" pitchFamily="18" charset="0"/>
                 <a:ea typeface="Calibri" panose="020F0502020204030204" pitchFamily="34" charset="0"/>
-                <a:cs typeface="Calibri" panose="020F0502020204030204" pitchFamily="34" charset="0"/>
+                <a:cs typeface="Times New Roman" panose="02020603050405020304" pitchFamily="18" charset="0"/>
               </a:rPr>
               <a:t>instance,</a:t>
             </a:r>
             <a:r>
-              <a:rPr lang="en-US" sz="3200" spc="-20" dirty="0">
+              <a:rPr lang="en-US" sz="1400" spc="-20" dirty="0">
                 <a:effectLst/>
-                <a:latin typeface="Calibri" panose="020F0502020204030204" pitchFamily="34" charset="0"/>
+                <a:latin typeface="Times New Roman" panose="02020603050405020304" pitchFamily="18" charset="0"/>
                 <a:ea typeface="Calibri" panose="020F0502020204030204" pitchFamily="34" charset="0"/>
-                <a:cs typeface="Calibri" panose="020F0502020204030204" pitchFamily="34" charset="0"/>
+                <a:cs typeface="Times New Roman" panose="02020603050405020304" pitchFamily="18" charset="0"/>
               </a:rPr>
               <a:t> </a:t>
             </a:r>
             <a:r>
-              <a:rPr lang="en-US" sz="3200" dirty="0">
+              <a:rPr lang="en-US" sz="1400" dirty="0">
                 <a:effectLst/>
-                <a:latin typeface="Calibri" panose="020F0502020204030204" pitchFamily="34" charset="0"/>
+                <a:latin typeface="Times New Roman" panose="02020603050405020304" pitchFamily="18" charset="0"/>
                 <a:ea typeface="Calibri" panose="020F0502020204030204" pitchFamily="34" charset="0"/>
-                <a:cs typeface="Calibri" panose="020F0502020204030204" pitchFamily="34" charset="0"/>
+                <a:cs typeface="Times New Roman" panose="02020603050405020304" pitchFamily="18" charset="0"/>
               </a:rPr>
               <a:t>is</a:t>
             </a:r>
             <a:r>
-              <a:rPr lang="en-US" sz="3200" spc="-40" dirty="0">
+              <a:rPr lang="en-US" sz="1400" spc="-40" dirty="0">
                 <a:effectLst/>
-                <a:latin typeface="Calibri" panose="020F0502020204030204" pitchFamily="34" charset="0"/>
+                <a:latin typeface="Times New Roman" panose="02020603050405020304" pitchFamily="18" charset="0"/>
                 <a:ea typeface="Calibri" panose="020F0502020204030204" pitchFamily="34" charset="0"/>
-                <a:cs typeface="Calibri" panose="020F0502020204030204" pitchFamily="34" charset="0"/>
+                <a:cs typeface="Times New Roman" panose="02020603050405020304" pitchFamily="18" charset="0"/>
               </a:rPr>
               <a:t> </a:t>
             </a:r>
             <a:r>
-              <a:rPr lang="en-US" sz="3200" dirty="0">
+              <a:rPr lang="en-US" sz="1400" dirty="0">
                 <a:effectLst/>
-                <a:latin typeface="Calibri" panose="020F0502020204030204" pitchFamily="34" charset="0"/>
+                <a:latin typeface="Times New Roman" panose="02020603050405020304" pitchFamily="18" charset="0"/>
                 <a:ea typeface="Calibri" panose="020F0502020204030204" pitchFamily="34" charset="0"/>
-                <a:cs typeface="Calibri" panose="020F0502020204030204" pitchFamily="34" charset="0"/>
+                <a:cs typeface="Times New Roman" panose="02020603050405020304" pitchFamily="18" charset="0"/>
               </a:rPr>
               <a:t>not</a:t>
             </a:r>
             <a:r>
-              <a:rPr lang="en-US" sz="3200" spc="-70" dirty="0">
+              <a:rPr lang="en-US" sz="1400" spc="-70" dirty="0">
                 <a:effectLst/>
-                <a:latin typeface="Calibri" panose="020F0502020204030204" pitchFamily="34" charset="0"/>
+                <a:latin typeface="Times New Roman" panose="02020603050405020304" pitchFamily="18" charset="0"/>
                 <a:ea typeface="Calibri" panose="020F0502020204030204" pitchFamily="34" charset="0"/>
-                <a:cs typeface="Calibri" panose="020F0502020204030204" pitchFamily="34" charset="0"/>
+                <a:cs typeface="Times New Roman" panose="02020603050405020304" pitchFamily="18" charset="0"/>
               </a:rPr>
               <a:t> </a:t>
             </a:r>
             <a:r>
-              <a:rPr lang="en-US" sz="3200" dirty="0">
+              <a:rPr lang="en-US" sz="1400" dirty="0">
                 <a:effectLst/>
-                <a:latin typeface="Calibri" panose="020F0502020204030204" pitchFamily="34" charset="0"/>
+                <a:latin typeface="Times New Roman" panose="02020603050405020304" pitchFamily="18" charset="0"/>
                 <a:ea typeface="Calibri" panose="020F0502020204030204" pitchFamily="34" charset="0"/>
-                <a:cs typeface="Calibri" panose="020F0502020204030204" pitchFamily="34" charset="0"/>
+                <a:cs typeface="Times New Roman" panose="02020603050405020304" pitchFamily="18" charset="0"/>
               </a:rPr>
               <a:t>a</a:t>
             </a:r>
             <a:r>
-              <a:rPr lang="en-US" sz="3200" spc="-45" dirty="0">
+              <a:rPr lang="en-US" sz="1400" spc="-45" dirty="0">
                 <a:effectLst/>
-                <a:latin typeface="Calibri" panose="020F0502020204030204" pitchFamily="34" charset="0"/>
+                <a:latin typeface="Times New Roman" panose="02020603050405020304" pitchFamily="18" charset="0"/>
                 <a:ea typeface="Calibri" panose="020F0502020204030204" pitchFamily="34" charset="0"/>
-                <a:cs typeface="Calibri" panose="020F0502020204030204" pitchFamily="34" charset="0"/>
+                <a:cs typeface="Times New Roman" panose="02020603050405020304" pitchFamily="18" charset="0"/>
               </a:rPr>
               <a:t> </a:t>
             </a:r>
             <a:r>
-              <a:rPr lang="en-US" sz="3200" dirty="0">
+              <a:rPr lang="en-US" sz="1400" dirty="0">
                 <a:effectLst/>
-                <a:latin typeface="Calibri" panose="020F0502020204030204" pitchFamily="34" charset="0"/>
+                <a:latin typeface="Times New Roman" panose="02020603050405020304" pitchFamily="18" charset="0"/>
                 <a:ea typeface="Calibri" panose="020F0502020204030204" pitchFamily="34" charset="0"/>
-                <a:cs typeface="Calibri" panose="020F0502020204030204" pitchFamily="34" charset="0"/>
+                <a:cs typeface="Times New Roman" panose="02020603050405020304" pitchFamily="18" charset="0"/>
               </a:rPr>
               <a:t>mysterious</a:t>
             </a:r>
             <a:r>
-              <a:rPr lang="en-US" sz="3200" spc="-50" dirty="0">
+              <a:rPr lang="en-US" sz="1400" spc="-50" dirty="0">
                 <a:effectLst/>
-                <a:latin typeface="Calibri" panose="020F0502020204030204" pitchFamily="34" charset="0"/>
+                <a:latin typeface="Times New Roman" panose="02020603050405020304" pitchFamily="18" charset="0"/>
                 <a:ea typeface="Calibri" panose="020F0502020204030204" pitchFamily="34" charset="0"/>
-                <a:cs typeface="Calibri" panose="020F0502020204030204" pitchFamily="34" charset="0"/>
+                <a:cs typeface="Times New Roman" panose="02020603050405020304" pitchFamily="18" charset="0"/>
               </a:rPr>
               <a:t> </a:t>
             </a:r>
             <a:r>
-              <a:rPr lang="en-US" sz="3200" dirty="0">
+              <a:rPr lang="en-US" sz="1400" dirty="0">
                 <a:effectLst/>
-                <a:latin typeface="Calibri" panose="020F0502020204030204" pitchFamily="34" charset="0"/>
+                <a:latin typeface="Times New Roman" panose="02020603050405020304" pitchFamily="18" charset="0"/>
                 <a:ea typeface="Calibri" panose="020F0502020204030204" pitchFamily="34" charset="0"/>
-                <a:cs typeface="Calibri" panose="020F0502020204030204" pitchFamily="34" charset="0"/>
+                <a:cs typeface="Times New Roman" panose="02020603050405020304" pitchFamily="18" charset="0"/>
               </a:rPr>
               <a:t>trick</a:t>
             </a:r>
             <a:r>
-              <a:rPr lang="en-US" sz="3200" spc="-50" dirty="0">
+              <a:rPr lang="en-US" sz="1400" spc="-50" dirty="0">
                 <a:effectLst/>
-                <a:latin typeface="Calibri" panose="020F0502020204030204" pitchFamily="34" charset="0"/>
+                <a:latin typeface="Times New Roman" panose="02020603050405020304" pitchFamily="18" charset="0"/>
                 <a:ea typeface="Calibri" panose="020F0502020204030204" pitchFamily="34" charset="0"/>
-                <a:cs typeface="Calibri" panose="020F0502020204030204" pitchFamily="34" charset="0"/>
+                <a:cs typeface="Times New Roman" panose="02020603050405020304" pitchFamily="18" charset="0"/>
               </a:rPr>
               <a:t> </a:t>
             </a:r>
             <a:r>
-              <a:rPr lang="en-US" sz="3200" dirty="0">
+              <a:rPr lang="en-US" sz="1400" dirty="0">
                 <a:effectLst/>
-                <a:latin typeface="Calibri" panose="020F0502020204030204" pitchFamily="34" charset="0"/>
+                <a:latin typeface="Times New Roman" panose="02020603050405020304" pitchFamily="18" charset="0"/>
                 <a:ea typeface="Calibri" panose="020F0502020204030204" pitchFamily="34" charset="0"/>
-                <a:cs typeface="Calibri" panose="020F0502020204030204" pitchFamily="34" charset="0"/>
+                <a:cs typeface="Times New Roman" panose="02020603050405020304" pitchFamily="18" charset="0"/>
               </a:rPr>
               <a:t>or</a:t>
             </a:r>
             <a:r>
-              <a:rPr lang="en-US" sz="3200" spc="-55" dirty="0">
+              <a:rPr lang="en-US" sz="1400" spc="-55" dirty="0">
                 <a:effectLst/>
-                <a:latin typeface="Calibri" panose="020F0502020204030204" pitchFamily="34" charset="0"/>
+                <a:latin typeface="Times New Roman" panose="02020603050405020304" pitchFamily="18" charset="0"/>
                 <a:ea typeface="Calibri" panose="020F0502020204030204" pitchFamily="34" charset="0"/>
-                <a:cs typeface="Calibri" panose="020F0502020204030204" pitchFamily="34" charset="0"/>
+                <a:cs typeface="Times New Roman" panose="02020603050405020304" pitchFamily="18" charset="0"/>
               </a:rPr>
               <a:t> </a:t>
             </a:r>
             <a:r>
-              <a:rPr lang="en-US" sz="3200" dirty="0">
+              <a:rPr lang="en-US" sz="1400" dirty="0">
                 <a:effectLst/>
-                <a:latin typeface="Calibri" panose="020F0502020204030204" pitchFamily="34" charset="0"/>
+                <a:latin typeface="Times New Roman" panose="02020603050405020304" pitchFamily="18" charset="0"/>
                 <a:ea typeface="Calibri" panose="020F0502020204030204" pitchFamily="34" charset="0"/>
-                <a:cs typeface="Calibri" panose="020F0502020204030204" pitchFamily="34" charset="0"/>
+                <a:cs typeface="Times New Roman" panose="02020603050405020304" pitchFamily="18" charset="0"/>
               </a:rPr>
               <a:t>magic,</a:t>
             </a:r>
             <a:r>
-              <a:rPr lang="en-US" sz="3200" spc="-25" dirty="0">
+              <a:rPr lang="en-US" sz="1400" spc="-25" dirty="0">
                 <a:effectLst/>
-                <a:latin typeface="Calibri" panose="020F0502020204030204" pitchFamily="34" charset="0"/>
+                <a:latin typeface="Times New Roman" panose="02020603050405020304" pitchFamily="18" charset="0"/>
                 <a:ea typeface="Calibri" panose="020F0502020204030204" pitchFamily="34" charset="0"/>
-                <a:cs typeface="Calibri" panose="020F0502020204030204" pitchFamily="34" charset="0"/>
+                <a:cs typeface="Times New Roman" panose="02020603050405020304" pitchFamily="18" charset="0"/>
               </a:rPr>
               <a:t> </a:t>
             </a:r>
             <a:r>
-              <a:rPr lang="en-US" sz="3200" dirty="0">
+              <a:rPr lang="en-US" sz="1400" dirty="0">
                 <a:effectLst/>
-                <a:latin typeface="Calibri" panose="020F0502020204030204" pitchFamily="34" charset="0"/>
+                <a:latin typeface="Times New Roman" panose="02020603050405020304" pitchFamily="18" charset="0"/>
                 <a:ea typeface="Calibri" panose="020F0502020204030204" pitchFamily="34" charset="0"/>
-                <a:cs typeface="Calibri" panose="020F0502020204030204" pitchFamily="34" charset="0"/>
+                <a:cs typeface="Times New Roman" panose="02020603050405020304" pitchFamily="18" charset="0"/>
               </a:rPr>
               <a:t>it</a:t>
             </a:r>
             <a:r>
-              <a:rPr lang="en-US" sz="3200" spc="-45" dirty="0">
+              <a:rPr lang="en-US" sz="1400" spc="-45" dirty="0">
                 <a:effectLst/>
-                <a:latin typeface="Calibri" panose="020F0502020204030204" pitchFamily="34" charset="0"/>
+                <a:latin typeface="Times New Roman" panose="02020603050405020304" pitchFamily="18" charset="0"/>
                 <a:ea typeface="Calibri" panose="020F0502020204030204" pitchFamily="34" charset="0"/>
-                <a:cs typeface="Calibri" panose="020F0502020204030204" pitchFamily="34" charset="0"/>
+                <a:cs typeface="Times New Roman" panose="02020603050405020304" pitchFamily="18" charset="0"/>
               </a:rPr>
               <a:t> </a:t>
             </a:r>
             <a:r>
-              <a:rPr lang="en-US" sz="3200" dirty="0">
+              <a:rPr lang="en-US" sz="1400" dirty="0">
                 <a:effectLst/>
-                <a:latin typeface="Calibri" panose="020F0502020204030204" pitchFamily="34" charset="0"/>
+                <a:latin typeface="Times New Roman" panose="02020603050405020304" pitchFamily="18" charset="0"/>
                 <a:ea typeface="Calibri" panose="020F0502020204030204" pitchFamily="34" charset="0"/>
-                <a:cs typeface="Calibri" panose="020F0502020204030204" pitchFamily="34" charset="0"/>
+                <a:cs typeface="Times New Roman" panose="02020603050405020304" pitchFamily="18" charset="0"/>
               </a:rPr>
               <a:t>is</a:t>
             </a:r>
             <a:r>
-              <a:rPr lang="en-US" sz="3200" spc="5" dirty="0">
+              <a:rPr lang="en-US" sz="1400" spc="5" dirty="0">
                 <a:effectLst/>
-                <a:latin typeface="Calibri" panose="020F0502020204030204" pitchFamily="34" charset="0"/>
+                <a:latin typeface="Times New Roman" panose="02020603050405020304" pitchFamily="18" charset="0"/>
                 <a:ea typeface="Calibri" panose="020F0502020204030204" pitchFamily="34" charset="0"/>
-                <a:cs typeface="Calibri" panose="020F0502020204030204" pitchFamily="34" charset="0"/>
+                <a:cs typeface="Times New Roman" panose="02020603050405020304" pitchFamily="18" charset="0"/>
               </a:rPr>
               <a:t> </a:t>
             </a:r>
             <a:r>
-              <a:rPr lang="en-US" sz="3200" spc="-5" dirty="0">
+              <a:rPr lang="en-US" sz="1400" spc="-5" dirty="0">
                 <a:effectLst/>
-                <a:latin typeface="Calibri" panose="020F0502020204030204" pitchFamily="34" charset="0"/>
+                <a:latin typeface="Times New Roman" panose="02020603050405020304" pitchFamily="18" charset="0"/>
                 <a:ea typeface="Calibri" panose="020F0502020204030204" pitchFamily="34" charset="0"/>
-                <a:cs typeface="Calibri" panose="020F0502020204030204" pitchFamily="34" charset="0"/>
+                <a:cs typeface="Times New Roman" panose="02020603050405020304" pitchFamily="18" charset="0"/>
               </a:rPr>
               <a:t>a set of well-deﬁned models that collect speciﬁc. This all input data applies</a:t>
             </a:r>
             <a:r>
-              <a:rPr lang="en-US" sz="3200" dirty="0">
+              <a:rPr lang="en-US" sz="1400" dirty="0">
                 <a:effectLst/>
-                <a:latin typeface="Calibri" panose="020F0502020204030204" pitchFamily="34" charset="0"/>
+                <a:latin typeface="Times New Roman" panose="02020603050405020304" pitchFamily="18" charset="0"/>
                 <a:ea typeface="Calibri" panose="020F0502020204030204" pitchFamily="34" charset="0"/>
-                <a:cs typeface="Calibri" panose="020F0502020204030204" pitchFamily="34" charset="0"/>
+                <a:cs typeface="Times New Roman" panose="02020603050405020304" pitchFamily="18" charset="0"/>
               </a:rPr>
               <a:t> </a:t>
             </a:r>
             <a:r>
-              <a:rPr lang="en-US" sz="3200" spc="-5" dirty="0">
+              <a:rPr lang="en-US" sz="1400" spc="-5" dirty="0">
                 <a:effectLst/>
-                <a:latin typeface="Calibri" panose="020F0502020204030204" pitchFamily="34" charset="0"/>
+                <a:latin typeface="Times New Roman" panose="02020603050405020304" pitchFamily="18" charset="0"/>
                 <a:ea typeface="Calibri" panose="020F0502020204030204" pitchFamily="34" charset="0"/>
-                <a:cs typeface="Calibri" panose="020F0502020204030204" pitchFamily="34" charset="0"/>
+                <a:cs typeface="Times New Roman" panose="02020603050405020304" pitchFamily="18" charset="0"/>
               </a:rPr>
               <a:t>to machine learning predictive algorithms </a:t>
             </a:r>
             <a:r>
-              <a:rPr lang="en-US" sz="3200" dirty="0">
+              <a:rPr lang="en-US" sz="1400" dirty="0">
                 <a:effectLst/>
-                <a:latin typeface="Calibri" panose="020F0502020204030204" pitchFamily="34" charset="0"/>
+                <a:latin typeface="Times New Roman" panose="02020603050405020304" pitchFamily="18" charset="0"/>
                 <a:ea typeface="Calibri" panose="020F0502020204030204" pitchFamily="34" charset="0"/>
-                <a:cs typeface="Calibri" panose="020F0502020204030204" pitchFamily="34" charset="0"/>
+                <a:cs typeface="Times New Roman" panose="02020603050405020304" pitchFamily="18" charset="0"/>
               </a:rPr>
               <a:t>to identify the pattern among data and then process it as per input</a:t>
             </a:r>
             <a:r>
-              <a:rPr lang="en-US" sz="3200" spc="5" dirty="0">
+              <a:rPr lang="en-US" sz="1400" spc="5" dirty="0">
                 <a:effectLst/>
-                <a:latin typeface="Calibri" panose="020F0502020204030204" pitchFamily="34" charset="0"/>
+                <a:latin typeface="Times New Roman" panose="02020603050405020304" pitchFamily="18" charset="0"/>
                 <a:ea typeface="Calibri" panose="020F0502020204030204" pitchFamily="34" charset="0"/>
-                <a:cs typeface="Calibri" panose="020F0502020204030204" pitchFamily="34" charset="0"/>
+                <a:cs typeface="Times New Roman" panose="02020603050405020304" pitchFamily="18" charset="0"/>
               </a:rPr>
               <a:t> </a:t>
             </a:r>
             <a:r>
-              <a:rPr lang="en-US" sz="3200" spc="-10" dirty="0">
+              <a:rPr lang="en-US" sz="1400" spc="-10" dirty="0">
                 <a:effectLst/>
-                <a:latin typeface="Calibri" panose="020F0502020204030204" pitchFamily="34" charset="0"/>
+                <a:latin typeface="Times New Roman" panose="02020603050405020304" pitchFamily="18" charset="0"/>
                 <a:ea typeface="Calibri" panose="020F0502020204030204" pitchFamily="34" charset="0"/>
-                <a:cs typeface="Calibri" panose="020F0502020204030204" pitchFamily="34" charset="0"/>
+                <a:cs typeface="Times New Roman" panose="02020603050405020304" pitchFamily="18" charset="0"/>
               </a:rPr>
               <a:t>conditions.</a:t>
             </a:r>
             <a:r>
-              <a:rPr lang="en-US" sz="3200" spc="-5" dirty="0">
+              <a:rPr lang="en-US" sz="1400" spc="-5" dirty="0">
                 <a:effectLst/>
-                <a:latin typeface="Calibri" panose="020F0502020204030204" pitchFamily="34" charset="0"/>
+                <a:latin typeface="Times New Roman" panose="02020603050405020304" pitchFamily="18" charset="0"/>
                 <a:ea typeface="Calibri" panose="020F0502020204030204" pitchFamily="34" charset="0"/>
-                <a:cs typeface="Calibri" panose="020F0502020204030204" pitchFamily="34" charset="0"/>
+                <a:cs typeface="Times New Roman" panose="02020603050405020304" pitchFamily="18" charset="0"/>
               </a:rPr>
               <a:t> </a:t>
             </a:r>
             <a:r>
-              <a:rPr lang="en-US" sz="3200" dirty="0">
+              <a:rPr lang="en-US" sz="1400" dirty="0">
                 <a:effectLst/>
-                <a:latin typeface="Calibri" panose="020F0502020204030204" pitchFamily="34" charset="0"/>
+                <a:latin typeface="Times New Roman" panose="02020603050405020304" pitchFamily="18" charset="0"/>
                 <a:ea typeface="Calibri" panose="020F0502020204030204" pitchFamily="34" charset="0"/>
-                <a:cs typeface="Calibri" panose="020F0502020204030204" pitchFamily="34" charset="0"/>
+                <a:cs typeface="Times New Roman" panose="02020603050405020304" pitchFamily="18" charset="0"/>
               </a:rPr>
               <a:t>data and apply speciﬁc algorithms to</a:t>
             </a:r>
             <a:r>
-              <a:rPr lang="en-US" sz="3200" spc="5" dirty="0">
+              <a:rPr lang="en-US" sz="1400" spc="5" dirty="0">
                 <a:effectLst/>
-                <a:latin typeface="Calibri" panose="020F0502020204030204" pitchFamily="34" charset="0"/>
+                <a:latin typeface="Times New Roman" panose="02020603050405020304" pitchFamily="18" charset="0"/>
                 <a:ea typeface="Calibri" panose="020F0502020204030204" pitchFamily="34" charset="0"/>
-                <a:cs typeface="Calibri" panose="020F0502020204030204" pitchFamily="34" charset="0"/>
+                <a:cs typeface="Times New Roman" panose="02020603050405020304" pitchFamily="18" charset="0"/>
               </a:rPr>
               <a:t> </a:t>
             </a:r>
             <a:r>
-              <a:rPr lang="en-US" sz="3200" spc="-10" dirty="0">
+              <a:rPr lang="en-US" sz="1400" spc="-10" dirty="0">
                 <a:effectLst/>
-                <a:latin typeface="Calibri" panose="020F0502020204030204" pitchFamily="34" charset="0"/>
+                <a:latin typeface="Times New Roman" panose="02020603050405020304" pitchFamily="18" charset="0"/>
                 <a:ea typeface="Calibri" panose="020F0502020204030204" pitchFamily="34" charset="0"/>
-                <a:cs typeface="Calibri" panose="020F0502020204030204" pitchFamily="34" charset="0"/>
+                <a:cs typeface="Times New Roman" panose="02020603050405020304" pitchFamily="18" charset="0"/>
               </a:rPr>
               <a:t>achieve expected results. </a:t>
             </a:r>
-            <a:endParaRPr lang="en-IN" sz="3200" dirty="0">
-              <a:latin typeface="Calibri" panose="020F0502020204030204" pitchFamily="34" charset="0"/>
+            <a:endParaRPr lang="en-IN" sz="1400" dirty="0">
+              <a:latin typeface="Times New Roman" panose="02020603050405020304" pitchFamily="18" charset="0"/>
               <a:ea typeface="Calibri" panose="020F0502020204030204" pitchFamily="34" charset="0"/>
-              <a:cs typeface="Calibri" panose="020F0502020204030204" pitchFamily="34" charset="0"/>
+              <a:cs typeface="Times New Roman" panose="02020603050405020304" pitchFamily="18" charset="0"/>
             </a:endParaRPr>
           </a:p>
           <a:p>
@@ -16294,7 +17085,7 @@
               <a:buSzPts val="3200"/>
               <a:buNone/>
             </a:pPr>
-            <a:endParaRPr dirty="0">
+            <a:endParaRPr sz="1400" dirty="0">
               <a:latin typeface="Times New Roman" panose="02020603050405020304" pitchFamily="18" charset="0"/>
               <a:cs typeface="Times New Roman" panose="02020603050405020304" pitchFamily="18" charset="0"/>
             </a:endParaRPr>
@@ -16502,7 +17293,7 @@
         </p:nvSpPr>
         <p:spPr>
           <a:xfrm>
-            <a:off x="2931459" y="421005"/>
+            <a:off x="2884806" y="353845"/>
             <a:ext cx="5109882" cy="1143000"/>
           </a:xfrm>
         </p:spPr>
@@ -16511,24 +17302,24 @@
           <a:lstStyle/>
           <a:p>
             <a:r>
-              <a:rPr lang="en-IN" i="0" dirty="0">
+              <a:rPr lang="en-IN" b="1" i="0" dirty="0">
                 <a:solidFill>
                   <a:schemeClr val="tx1"/>
                 </a:solidFill>
                 <a:effectLst/>
-                <a:latin typeface="Calibri" panose="020F0502020204030204" pitchFamily="34" charset="0"/>
+                <a:latin typeface="Times New Roman" panose="02020603050405020304" pitchFamily="18" charset="0"/>
                 <a:ea typeface="Calibri" panose="020F0502020204030204" pitchFamily="34" charset="0"/>
-                <a:cs typeface="Calibri" panose="020F0502020204030204" pitchFamily="34" charset="0"/>
+                <a:cs typeface="Times New Roman" panose="02020603050405020304" pitchFamily="18" charset="0"/>
               </a:rPr>
               <a:t>Literature review</a:t>
             </a:r>
-            <a:endParaRPr lang="en-IN" dirty="0">
+            <a:endParaRPr lang="en-IN" b="1" dirty="0">
               <a:solidFill>
                 <a:schemeClr val="tx1"/>
               </a:solidFill>
-              <a:latin typeface="Calibri" panose="020F0502020204030204" pitchFamily="34" charset="0"/>
+              <a:latin typeface="Times New Roman" panose="02020603050405020304" pitchFamily="18" charset="0"/>
               <a:ea typeface="Calibri" panose="020F0502020204030204" pitchFamily="34" charset="0"/>
-              <a:cs typeface="Calibri" panose="020F0502020204030204" pitchFamily="34" charset="0"/>
+              <a:cs typeface="Times New Roman" panose="02020603050405020304" pitchFamily="18" charset="0"/>
             </a:endParaRPr>
           </a:p>
         </p:txBody>
@@ -16549,10 +17340,15 @@
             <p:ph type="body" idx="1"/>
           </p:nvPr>
         </p:nvSpPr>
-        <p:spPr/>
+        <p:spPr>
+          <a:xfrm>
+            <a:off x="457200" y="1455576"/>
+            <a:ext cx="8229600" cy="5402424"/>
+          </a:xfrm>
+        </p:spPr>
         <p:txBody>
           <a:bodyPr>
-            <a:normAutofit fontScale="92500"/>
+            <a:normAutofit lnSpcReduction="10000"/>
           </a:bodyPr>
           <a:lstStyle/>
           <a:p>
@@ -16560,34 +17356,106 @@
               <a:buNone/>
             </a:pPr>
             <a:r>
-              <a:rPr lang="en-GB" sz="2000" b="1" dirty="0" err="1"/>
-              <a:t>Analyze</a:t>
-            </a:r>
-            <a:r>
-              <a:rPr lang="en-GB" sz="2000" b="1" dirty="0"/>
-              <a:t> Soil Fertility using Deep Learning Convolutional Neural Networks</a:t>
-            </a:r>
-            <a:endParaRPr lang="en-GB" sz="3600" b="1" dirty="0"/>
-          </a:p>
-          <a:p>
-            <a:endParaRPr lang="en-GB" sz="1800" dirty="0"/>
+              <a:rPr lang="en-IN" sz="1600" b="1" i="1" dirty="0">
+                <a:latin typeface="Times New Roman" panose="02020603050405020304" pitchFamily="18" charset="0"/>
+                <a:cs typeface="Times New Roman" panose="02020603050405020304" pitchFamily="18" charset="0"/>
+              </a:rPr>
+              <a:t>Jamshed, Muhammad Ammar. “Analyze Soil Fertility Using Deep Learning Convolutional Neural Networks.” Shanlax International Journal of Arts, Science and Humanities, vol. 10, no. 3, 2023, pp. 1–5.</a:t>
+            </a:r>
           </a:p>
           <a:p>
             <a:pPr marL="114300" indent="0">
               <a:buNone/>
             </a:pPr>
-            <a:r>
-              <a:rPr lang="en-GB" sz="1600" dirty="0">
-                <a:latin typeface="Calibri" panose="020F0502020204030204" pitchFamily="34" charset="0"/>
-                <a:ea typeface="Calibri" panose="020F0502020204030204" pitchFamily="34" charset="0"/>
-                <a:cs typeface="Calibri" panose="020F0502020204030204" pitchFamily="34" charset="0"/>
-              </a:rPr>
-              <a:t>This research revolves around how plant soil potential can be further discovered and used for farming through detection of relevant nutrients and chemicals within the soil landscapes within areas and even desert climates and how we can improve land soil fertility of the purpose of farming both using Convolutional neural networks which process of imagery in layers and predictive detections of objects within image backgrounds and frontal lobes. The majority of research and application done towards layered imaging in trying to separate layers of structures to discover minerals and fertility rates have mostly been applied using supervised machine learning algorithms in combination with Computer vision methodologies such as CNN and OpenCV but not much research have tried in applying Unsupervised machine learning algorithms thus most studies are limited towards use of constant assumptions towards their analytics in soil fertility and kept statistical sampling very restricted in certain localities rather than a general trend overview towards how soil fertility is impacted and changed which affects potential for crop farming as well as other forms of farming on it. CNN analytics with soil fertility data might be the first phase of trying to discover the schematics of components fertility of soil to further assess using principal component analysis and apply clustering algorithms to visualize how minerals and land structures may be possessing a statistically significant relationship leading towards a predictable CNN model of Soil fertility in new farmlands.</a:t>
-            </a:r>
-            <a:endParaRPr lang="en-IN" sz="1600" dirty="0">
+            <a:endParaRPr lang="en-GB" sz="1600" dirty="0">
               <a:latin typeface="Calibri" panose="020F0502020204030204" pitchFamily="34" charset="0"/>
               <a:ea typeface="Calibri" panose="020F0502020204030204" pitchFamily="34" charset="0"/>
               <a:cs typeface="Calibri" panose="020F0502020204030204" pitchFamily="34" charset="0"/>
+            </a:endParaRPr>
+          </a:p>
+          <a:p>
+            <a:pPr marL="114300" indent="0" algn="just">
+              <a:lnSpc>
+                <a:spcPct val="150000"/>
+              </a:lnSpc>
+              <a:buNone/>
+            </a:pPr>
+            <a:r>
+              <a:rPr lang="en-GB" sz="1500" b="1" dirty="0">
+                <a:latin typeface="Times New Roman" panose="02020603050405020304" pitchFamily="18" charset="0"/>
+                <a:cs typeface="Times New Roman" panose="02020603050405020304" pitchFamily="18" charset="0"/>
+              </a:rPr>
+              <a:t>Abstract: </a:t>
+            </a:r>
+            <a:r>
+              <a:rPr lang="en-GB" sz="1400" dirty="0">
+                <a:latin typeface="Times New Roman" panose="02020603050405020304" pitchFamily="18" charset="0"/>
+                <a:cs typeface="Times New Roman" panose="02020603050405020304" pitchFamily="18" charset="0"/>
+              </a:rPr>
+              <a:t>This research revolves around how plant soil potential can be further discovered and used for farming through detection of relevant nutrients and chemicals within the soil landscapes within areas and even desert climates and how we can improve land soil fertility of the purpose of farming both using Convolutional neural networks which process of imagery in layers and predictive detections of objects within image backgrounds and frontal lobes. </a:t>
+            </a:r>
+          </a:p>
+          <a:p>
+            <a:pPr marL="114300" indent="0" algn="just">
+              <a:lnSpc>
+                <a:spcPct val="150000"/>
+              </a:lnSpc>
+              <a:buNone/>
+            </a:pPr>
+            <a:endParaRPr lang="en-GB" sz="1400" dirty="0">
+              <a:latin typeface="Times New Roman" panose="02020603050405020304" pitchFamily="18" charset="0"/>
+              <a:cs typeface="Times New Roman" panose="02020603050405020304" pitchFamily="18" charset="0"/>
+            </a:endParaRPr>
+          </a:p>
+          <a:p>
+            <a:pPr marL="114300" indent="0" algn="just">
+              <a:lnSpc>
+                <a:spcPct val="150000"/>
+              </a:lnSpc>
+              <a:buNone/>
+            </a:pPr>
+            <a:r>
+              <a:rPr lang="en-GB" sz="1500" b="1" dirty="0">
+                <a:latin typeface="Times New Roman" panose="02020603050405020304" pitchFamily="18" charset="0"/>
+                <a:cs typeface="Times New Roman" panose="02020603050405020304" pitchFamily="18" charset="0"/>
+              </a:rPr>
+              <a:t>Introduction: </a:t>
+            </a:r>
+            <a:r>
+              <a:rPr lang="en-GB" sz="1400" dirty="0">
+                <a:latin typeface="Times New Roman" panose="02020603050405020304" pitchFamily="18" charset="0"/>
+                <a:cs typeface="Times New Roman" panose="02020603050405020304" pitchFamily="18" charset="0"/>
+              </a:rPr>
+              <a:t>The majority of research and application done towards layered imaging in trying to separate layers of structures to discover minerals and fertility rates have mostly been applied using supervised machine learning algorithms in combination with Computer vision methodologies such as CNN and OpenCV.</a:t>
+            </a:r>
+          </a:p>
+          <a:p>
+            <a:pPr marL="114300" indent="0" algn="just">
+              <a:lnSpc>
+                <a:spcPct val="150000"/>
+              </a:lnSpc>
+              <a:buNone/>
+            </a:pPr>
+            <a:r>
+              <a:rPr lang="en-GB" sz="1400" dirty="0">
+                <a:latin typeface="Times New Roman" panose="02020603050405020304" pitchFamily="18" charset="0"/>
+                <a:cs typeface="Times New Roman" panose="02020603050405020304" pitchFamily="18" charset="0"/>
+              </a:rPr>
+              <a:t>CNN analytics with soil fertility data might be the first phase of trying to discover the schematics of components fertility of soil to further assess using principal component analysis and apply clustering algorithms to visualize how minerals and land structures may be possessing a statistically significant relationship leading towards a predictable CNN model of Soil fertility in new farmlands.</a:t>
+            </a:r>
+            <a:endParaRPr lang="en-IN" sz="1400" dirty="0">
+              <a:latin typeface="Times New Roman" panose="02020603050405020304" pitchFamily="18" charset="0"/>
+              <a:cs typeface="Times New Roman" panose="02020603050405020304" pitchFamily="18" charset="0"/>
+            </a:endParaRPr>
+          </a:p>
+          <a:p>
+            <a:pPr marL="114300" indent="0">
+              <a:buNone/>
+            </a:pPr>
+            <a:endParaRPr lang="en-IN" sz="1800" b="1" i="1" dirty="0">
+              <a:latin typeface="Times New Roman" panose="02020603050405020304" pitchFamily="18" charset="0"/>
+              <a:ea typeface="Calibri" panose="020F0502020204030204" pitchFamily="34" charset="0"/>
+              <a:cs typeface="Times New Roman" panose="02020603050405020304" pitchFamily="18" charset="0"/>
             </a:endParaRPr>
           </a:p>
         </p:txBody>
@@ -16651,7 +17519,7 @@
         </p:blipFill>
         <p:spPr>
           <a:xfrm>
-            <a:off x="336177" y="614998"/>
+            <a:off x="298855" y="547838"/>
             <a:ext cx="2237740" cy="755015"/>
           </a:xfrm>
           <a:prstGeom prst="rect">
@@ -16666,7 +17534,7 @@
     </p:spTree>
     <p:extLst>
       <p:ext uri="{BB962C8B-B14F-4D97-AF65-F5344CB8AC3E}">
-        <p14:creationId xmlns:p14="http://schemas.microsoft.com/office/powerpoint/2010/main" val="186011692"/>
+        <p14:creationId xmlns:p14="http://schemas.microsoft.com/office/powerpoint/2010/main" val="871889534"/>
       </p:ext>
     </p:extLst>
   </p:cSld>
@@ -16733,7 +17601,7 @@
               <a:rPr lang="en-US" dirty="0"/>
             </a:br>
             <a:r>
-              <a:rPr lang="en-US" dirty="0">
+              <a:rPr lang="en-US" b="1" dirty="0">
                 <a:latin typeface="Times New Roman" panose="02020603050405020304" pitchFamily="18" charset="0"/>
                 <a:cs typeface="Times New Roman" panose="02020603050405020304" pitchFamily="18" charset="0"/>
               </a:rPr>
@@ -16762,7 +17630,7 @@
         <p:spPr>
           <a:xfrm>
             <a:off x="457200" y="1600200"/>
-            <a:ext cx="8229600" cy="4525963"/>
+            <a:ext cx="8229600" cy="4756150"/>
           </a:xfrm>
           <a:prstGeom prst="rect">
             <a:avLst/>
@@ -16774,7 +17642,7 @@
         </p:spPr>
         <p:txBody>
           <a:bodyPr spcFirstLastPara="1" wrap="square" lIns="91425" tIns="45700" rIns="91425" bIns="45700" anchor="t" anchorCtr="0">
-            <a:normAutofit fontScale="55000" lnSpcReduction="20000"/>
+            <a:normAutofit fontScale="47500" lnSpcReduction="20000"/>
           </a:bodyPr>
           <a:lstStyle/>
           <a:p>
@@ -16810,7 +17678,10 @@
             </a:endParaRPr>
           </a:p>
           <a:p>
-            <a:pPr algn="l">
+            <a:pPr algn="just">
+              <a:lnSpc>
+                <a:spcPct val="170000"/>
+              </a:lnSpc>
               <a:buFont typeface="+mj-lt"/>
               <a:buAutoNum type="arabicPeriod"/>
             </a:pPr>
@@ -16820,7 +17691,8 @@
                   <a:schemeClr val="tx1"/>
                 </a:solidFill>
                 <a:effectLst/>
-                <a:latin typeface="Söhne"/>
+                <a:latin typeface="Times New Roman" panose="02020603050405020304" pitchFamily="18" charset="0"/>
+                <a:cs typeface="Times New Roman" panose="02020603050405020304" pitchFamily="18" charset="0"/>
               </a:rPr>
               <a:t>Laboratory Testing:</a:t>
             </a:r>
@@ -16830,7 +17702,8 @@
                   <a:schemeClr val="tx1"/>
                 </a:solidFill>
                 <a:effectLst/>
-                <a:latin typeface="Söhne"/>
+                <a:latin typeface="Times New Roman" panose="02020603050405020304" pitchFamily="18" charset="0"/>
+                <a:cs typeface="Times New Roman" panose="02020603050405020304" pitchFamily="18" charset="0"/>
               </a:rPr>
               <a:t> Traditional soil testing involves collecting soil samples and sending them to a laboratory for analysis. Soil samples are </a:t>
             </a:r>
@@ -16840,7 +17713,8 @@
                   <a:schemeClr val="tx1"/>
                 </a:solidFill>
                 <a:effectLst/>
-                <a:latin typeface="Söhne"/>
+                <a:latin typeface="Times New Roman" panose="02020603050405020304" pitchFamily="18" charset="0"/>
+                <a:cs typeface="Times New Roman" panose="02020603050405020304" pitchFamily="18" charset="0"/>
               </a:rPr>
               <a:t>analyzed</a:t>
             </a:r>
@@ -16850,26 +17724,70 @@
                   <a:schemeClr val="tx1"/>
                 </a:solidFill>
                 <a:effectLst/>
-                <a:latin typeface="Söhne"/>
+                <a:latin typeface="Times New Roman" panose="02020603050405020304" pitchFamily="18" charset="0"/>
+                <a:cs typeface="Times New Roman" panose="02020603050405020304" pitchFamily="18" charset="0"/>
               </a:rPr>
               <a:t> for essential nutrients (N, K, P, Ca, S), pH, organic carbon (OC), and electrical conductivity (EC). Laboratory tests provide accurate and detailed results but are often time-consuming and require specialized equipment and expertise.</a:t>
             </a:r>
           </a:p>
           <a:p>
-            <a:pPr algn="l">
+            <a:pPr algn="just">
+              <a:lnSpc>
+                <a:spcPct val="170000"/>
+              </a:lnSpc>
               <a:buFont typeface="+mj-lt"/>
               <a:buAutoNum type="arabicPeriod"/>
             </a:pPr>
-            <a:endParaRPr lang="en-GB" b="0" i="0" dirty="0">
-              <a:solidFill>
-                <a:schemeClr val="tx1"/>
-              </a:solidFill>
-              <a:effectLst/>
-              <a:latin typeface="Söhne"/>
-            </a:endParaRPr>
-          </a:p>
-          <a:p>
-            <a:pPr algn="l">
+            <a:r>
+              <a:rPr lang="en-GB" b="1" i="0" dirty="0">
+                <a:solidFill>
+                  <a:schemeClr val="tx1"/>
+                </a:solidFill>
+                <a:effectLst/>
+                <a:latin typeface="Times New Roman" panose="02020603050405020304" pitchFamily="18" charset="0"/>
+                <a:cs typeface="Times New Roman" panose="02020603050405020304" pitchFamily="18" charset="0"/>
+              </a:rPr>
+              <a:t>Soil Testing Kits:</a:t>
+            </a:r>
+            <a:r>
+              <a:rPr lang="en-GB" b="0" i="0" dirty="0">
+                <a:solidFill>
+                  <a:schemeClr val="tx1"/>
+                </a:solidFill>
+                <a:effectLst/>
+                <a:latin typeface="Times New Roman" panose="02020603050405020304" pitchFamily="18" charset="0"/>
+                <a:cs typeface="Times New Roman" panose="02020603050405020304" pitchFamily="18" charset="0"/>
+              </a:rPr>
+              <a:t> Various commercially available soil testing kits provide a simplified way to </a:t>
+            </a:r>
+            <a:r>
+              <a:rPr lang="en-GB" b="0" i="0" dirty="0" err="1">
+                <a:solidFill>
+                  <a:schemeClr val="tx1"/>
+                </a:solidFill>
+                <a:effectLst/>
+                <a:latin typeface="Times New Roman" panose="02020603050405020304" pitchFamily="18" charset="0"/>
+                <a:cs typeface="Times New Roman" panose="02020603050405020304" pitchFamily="18" charset="0"/>
+              </a:rPr>
+              <a:t>analyze</a:t>
+            </a:r>
+            <a:r>
+              <a:rPr lang="en-GB" b="0" i="0" dirty="0">
+                <a:solidFill>
+                  <a:schemeClr val="tx1"/>
+                </a:solidFill>
+                <a:effectLst/>
+                <a:latin typeface="Times New Roman" panose="02020603050405020304" pitchFamily="18" charset="0"/>
+                <a:cs typeface="Times New Roman" panose="02020603050405020304" pitchFamily="18" charset="0"/>
+              </a:rPr>
+              <a:t> basic soil properties. These kits typically include colorimetric tests for pH and sometimes N, P, and K. While these kits are portable and relatively quick, they may lack the precision and comprehensive analysis provided by laboratory methods.</a:t>
+            </a:r>
+          </a:p>
+          <a:p>
+            <a:pPr algn="just">
+              <a:lnSpc>
+                <a:spcPct val="170000"/>
+              </a:lnSpc>
               <a:buFont typeface="+mj-lt"/>
               <a:buAutoNum type="arabicPeriod"/>
             </a:pPr>
@@ -16879,9 +17797,10 @@
                   <a:schemeClr val="tx1"/>
                 </a:solidFill>
                 <a:effectLst/>
-                <a:latin typeface="Söhne"/>
-              </a:rPr>
-              <a:t>Soil Testing Kits:</a:t>
+                <a:latin typeface="Times New Roman" panose="02020603050405020304" pitchFamily="18" charset="0"/>
+                <a:cs typeface="Times New Roman" panose="02020603050405020304" pitchFamily="18" charset="0"/>
+              </a:rPr>
+              <a:t>Field Observations:</a:t>
             </a:r>
             <a:r>
               <a:rPr lang="en-GB" b="0" i="0" dirty="0">
@@ -16889,9 +17808,10 @@
                   <a:schemeClr val="tx1"/>
                 </a:solidFill>
                 <a:effectLst/>
-                <a:latin typeface="Söhne"/>
-              </a:rPr>
-              <a:t> Various commercially available soil testing kits provide a simplified way to </a:t>
+                <a:latin typeface="Times New Roman" panose="02020603050405020304" pitchFamily="18" charset="0"/>
+                <a:cs typeface="Times New Roman" panose="02020603050405020304" pitchFamily="18" charset="0"/>
+              </a:rPr>
+              <a:t> Experienced agronomists and farmers often rely on visual cues and field observations to assess soil health and nutrient deficiencies. This might involve looking for signs of nutrient deficiency in plants or considering factors like plant growth, </a:t>
             </a:r>
             <a:r>
               <a:rPr lang="en-GB" b="0" i="0" dirty="0" err="1">
@@ -16899,9 +17819,10 @@
                   <a:schemeClr val="tx1"/>
                 </a:solidFill>
                 <a:effectLst/>
-                <a:latin typeface="Söhne"/>
-              </a:rPr>
-              <a:t>analyze</a:t>
+                <a:latin typeface="Times New Roman" panose="02020603050405020304" pitchFamily="18" charset="0"/>
+                <a:cs typeface="Times New Roman" panose="02020603050405020304" pitchFamily="18" charset="0"/>
+              </a:rPr>
+              <a:t>color</a:t>
             </a:r>
             <a:r>
               <a:rPr lang="en-GB" b="0" i="0" dirty="0">
@@ -16909,66 +17830,8 @@
                   <a:schemeClr val="tx1"/>
                 </a:solidFill>
                 <a:effectLst/>
-                <a:latin typeface="Söhne"/>
-              </a:rPr>
-              <a:t> basic soil properties. These kits typically include colorimetric tests for pH and sometimes N, P, and K. While these kits are portable and relatively quick, they may lack the precision and comprehensive analysis provided by laboratory methods.</a:t>
-            </a:r>
-          </a:p>
-          <a:p>
-            <a:pPr algn="l">
-              <a:buFont typeface="+mj-lt"/>
-              <a:buAutoNum type="arabicPeriod"/>
-            </a:pPr>
-            <a:endParaRPr lang="en-GB" b="0" i="0" dirty="0">
-              <a:solidFill>
-                <a:schemeClr val="tx1"/>
-              </a:solidFill>
-              <a:effectLst/>
-              <a:latin typeface="Söhne"/>
-            </a:endParaRPr>
-          </a:p>
-          <a:p>
-            <a:pPr algn="l">
-              <a:buFont typeface="+mj-lt"/>
-              <a:buAutoNum type="arabicPeriod"/>
-            </a:pPr>
-            <a:r>
-              <a:rPr lang="en-GB" b="1" i="0" dirty="0">
-                <a:solidFill>
-                  <a:schemeClr val="tx1"/>
-                </a:solidFill>
-                <a:effectLst/>
-                <a:latin typeface="Söhne"/>
-              </a:rPr>
-              <a:t>Field Observations:</a:t>
-            </a:r>
-            <a:r>
-              <a:rPr lang="en-GB" b="0" i="0" dirty="0">
-                <a:solidFill>
-                  <a:schemeClr val="tx1"/>
-                </a:solidFill>
-                <a:effectLst/>
-                <a:latin typeface="Söhne"/>
-              </a:rPr>
-              <a:t> Experienced agronomists and farmers often rely on visual cues and field observations to assess soil health and nutrient deficiencies. This might involve looking for signs of nutrient deficiency in plants or considering factors like plant growth, </a:t>
-            </a:r>
-            <a:r>
-              <a:rPr lang="en-GB" b="0" i="0" dirty="0" err="1">
-                <a:solidFill>
-                  <a:schemeClr val="tx1"/>
-                </a:solidFill>
-                <a:effectLst/>
-                <a:latin typeface="Söhne"/>
-              </a:rPr>
-              <a:t>color</a:t>
-            </a:r>
-            <a:r>
-              <a:rPr lang="en-GB" b="0" i="0" dirty="0">
-                <a:solidFill>
-                  <a:schemeClr val="tx1"/>
-                </a:solidFill>
-                <a:effectLst/>
-                <a:latin typeface="Söhne"/>
+                <a:latin typeface="Times New Roman" panose="02020603050405020304" pitchFamily="18" charset="0"/>
+                <a:cs typeface="Times New Roman" panose="02020603050405020304" pitchFamily="18" charset="0"/>
               </a:rPr>
               <a:t>, and yield. While this approach is practical, it is subjective and may not provide precise quantitative data.</a:t>
             </a:r>
@@ -17220,8 +18083,8 @@
         </p:nvSpPr>
         <p:spPr>
           <a:xfrm>
-            <a:off x="3047999" y="457201"/>
-            <a:ext cx="5226424" cy="1143000"/>
+            <a:off x="2786741" y="359360"/>
+            <a:ext cx="6012025" cy="1143000"/>
           </a:xfrm>
         </p:spPr>
         <p:txBody>
@@ -17231,21 +18094,21 @@
           <a:lstStyle/>
           <a:p>
             <a:r>
-              <a:rPr lang="en-US" sz="2400" dirty="0">
+              <a:rPr lang="en-US" sz="2800" b="1" dirty="0">
                 <a:solidFill>
                   <a:srgbClr val="000000"/>
                 </a:solidFill>
                 <a:effectLst/>
-                <a:latin typeface="Calibri" panose="020F0502020204030204" pitchFamily="34" charset="0"/>
+                <a:latin typeface="Times New Roman" panose="02020603050405020304" pitchFamily="18" charset="0"/>
                 <a:ea typeface="Calibri" panose="020F0502020204030204" pitchFamily="34" charset="0"/>
-                <a:cs typeface="Calibri" panose="020F0502020204030204" pitchFamily="34" charset="0"/>
-              </a:rPr>
-              <a:t>Comparison of Existing methods with merits and demerits</a:t>
-            </a:r>
-            <a:endParaRPr lang="en-IN" sz="2400" dirty="0">
-              <a:latin typeface="Calibri" panose="020F0502020204030204" pitchFamily="34" charset="0"/>
+                <a:cs typeface="Times New Roman" panose="02020603050405020304" pitchFamily="18" charset="0"/>
+              </a:rPr>
+              <a:t>Comparison of Existing Methods with Merits and Demerits</a:t>
+            </a:r>
+            <a:endParaRPr lang="en-IN" sz="2800" b="1" dirty="0">
+              <a:latin typeface="Times New Roman" panose="02020603050405020304" pitchFamily="18" charset="0"/>
               <a:ea typeface="Calibri" panose="020F0502020204030204" pitchFamily="34" charset="0"/>
-              <a:cs typeface="Calibri" panose="020F0502020204030204" pitchFamily="34" charset="0"/>
+              <a:cs typeface="Times New Roman" panose="02020603050405020304" pitchFamily="18" charset="0"/>
             </a:endParaRPr>
           </a:p>
         </p:txBody>
@@ -17269,267 +18132,309 @@
         <p:spPr>
           <a:xfrm>
             <a:off x="457200" y="1600201"/>
-            <a:ext cx="8229600" cy="4137212"/>
+            <a:ext cx="8229600" cy="4917140"/>
           </a:xfrm>
         </p:spPr>
         <p:txBody>
           <a:bodyPr>
-            <a:normAutofit fontScale="47500" lnSpcReduction="20000"/>
+            <a:noAutofit/>
           </a:bodyPr>
           <a:lstStyle/>
           <a:p>
             <a:pPr marL="114300" indent="0" algn="l">
+              <a:lnSpc>
+                <a:spcPct val="170000"/>
+              </a:lnSpc>
               <a:buNone/>
             </a:pPr>
             <a:r>
-              <a:rPr lang="en-GB" sz="3400" b="1" i="0" dirty="0">
+              <a:rPr lang="en-GB" sz="1300" b="1" i="0" dirty="0">
                 <a:solidFill>
                   <a:schemeClr val="tx1"/>
                 </a:solidFill>
                 <a:effectLst/>
-                <a:latin typeface="Söhne"/>
+                <a:latin typeface="Times New Roman" panose="02020603050405020304" pitchFamily="18" charset="0"/>
+                <a:cs typeface="Times New Roman" panose="02020603050405020304" pitchFamily="18" charset="0"/>
               </a:rPr>
               <a:t>Merits:</a:t>
             </a:r>
           </a:p>
           <a:p>
-            <a:pPr algn="l"/>
-            <a:endParaRPr lang="en-GB" b="0" i="0" dirty="0">
-              <a:solidFill>
-                <a:schemeClr val="tx1"/>
-              </a:solidFill>
-              <a:effectLst/>
-              <a:latin typeface="Söhne"/>
-            </a:endParaRPr>
-          </a:p>
-          <a:p>
-            <a:r>
-              <a:rPr lang="en-GB" sz="2900" b="1" i="0" dirty="0">
+            <a:pPr algn="just">
+              <a:lnSpc>
+                <a:spcPct val="170000"/>
+              </a:lnSpc>
+            </a:pPr>
+            <a:r>
+              <a:rPr lang="en-GB" sz="1300" b="1" i="0" dirty="0">
                 <a:solidFill>
                   <a:schemeClr val="tx1"/>
                 </a:solidFill>
                 <a:effectLst/>
-                <a:latin typeface="Söhne"/>
+                <a:latin typeface="Times New Roman" panose="02020603050405020304" pitchFamily="18" charset="0"/>
+                <a:cs typeface="Times New Roman" panose="02020603050405020304" pitchFamily="18" charset="0"/>
               </a:rPr>
               <a:t>Accuracy:</a:t>
             </a:r>
             <a:r>
-              <a:rPr lang="en-GB" sz="2900" b="0" i="0" dirty="0">
+              <a:rPr lang="en-GB" sz="1300" b="0" i="0" dirty="0">
                 <a:solidFill>
                   <a:schemeClr val="tx1"/>
                 </a:solidFill>
                 <a:effectLst/>
-                <a:latin typeface="Söhne"/>
+                <a:latin typeface="Times New Roman" panose="02020603050405020304" pitchFamily="18" charset="0"/>
+                <a:cs typeface="Times New Roman" panose="02020603050405020304" pitchFamily="18" charset="0"/>
               </a:rPr>
               <a:t> Laboratory testing provides accurate measurements of soil properties and nutrient levels.</a:t>
             </a:r>
           </a:p>
           <a:p>
-            <a:r>
-              <a:rPr lang="en-GB" sz="2900" b="1" i="0" dirty="0">
+            <a:pPr algn="just">
+              <a:lnSpc>
+                <a:spcPct val="170000"/>
+              </a:lnSpc>
+            </a:pPr>
+            <a:r>
+              <a:rPr lang="en-GB" sz="1300" b="1" i="0" dirty="0">
                 <a:solidFill>
                   <a:schemeClr val="tx1"/>
                 </a:solidFill>
                 <a:effectLst/>
-                <a:latin typeface="Söhne"/>
+                <a:latin typeface="Times New Roman" panose="02020603050405020304" pitchFamily="18" charset="0"/>
+                <a:cs typeface="Times New Roman" panose="02020603050405020304" pitchFamily="18" charset="0"/>
               </a:rPr>
               <a:t>Standardized Procedures:</a:t>
             </a:r>
             <a:r>
-              <a:rPr lang="en-GB" sz="2900" b="0" i="0" dirty="0">
+              <a:rPr lang="en-GB" sz="1300" b="0" i="0" dirty="0">
                 <a:solidFill>
                   <a:schemeClr val="tx1"/>
                 </a:solidFill>
                 <a:effectLst/>
-                <a:latin typeface="Söhne"/>
+                <a:latin typeface="Times New Roman" panose="02020603050405020304" pitchFamily="18" charset="0"/>
+                <a:cs typeface="Times New Roman" panose="02020603050405020304" pitchFamily="18" charset="0"/>
               </a:rPr>
               <a:t> Established procedures and protocols for soil testing ensure consistency.</a:t>
             </a:r>
           </a:p>
           <a:p>
-            <a:r>
-              <a:rPr lang="en-GB" sz="2900" b="1" i="0" dirty="0">
+            <a:pPr algn="just">
+              <a:lnSpc>
+                <a:spcPct val="170000"/>
+              </a:lnSpc>
+            </a:pPr>
+            <a:r>
+              <a:rPr lang="en-GB" sz="1300" b="1" i="0" dirty="0">
                 <a:solidFill>
                   <a:schemeClr val="tx1"/>
                 </a:solidFill>
                 <a:effectLst/>
-                <a:latin typeface="Söhne"/>
+                <a:latin typeface="Times New Roman" panose="02020603050405020304" pitchFamily="18" charset="0"/>
+                <a:cs typeface="Times New Roman" panose="02020603050405020304" pitchFamily="18" charset="0"/>
               </a:rPr>
               <a:t>Expert Interpretation:</a:t>
             </a:r>
             <a:r>
-              <a:rPr lang="en-GB" sz="2900" b="0" i="0" dirty="0">
+              <a:rPr lang="en-GB" sz="1300" b="0" i="0" dirty="0">
                 <a:solidFill>
                   <a:schemeClr val="tx1"/>
                 </a:solidFill>
                 <a:effectLst/>
-                <a:latin typeface="Söhne"/>
+                <a:latin typeface="Times New Roman" panose="02020603050405020304" pitchFamily="18" charset="0"/>
+                <a:cs typeface="Times New Roman" panose="02020603050405020304" pitchFamily="18" charset="0"/>
               </a:rPr>
               <a:t> Analysis results are often interpreted by trained professionals, offering valuable insights.</a:t>
             </a:r>
           </a:p>
           <a:p>
-            <a:r>
-              <a:rPr lang="en-GB" sz="2900" b="1" i="0" dirty="0">
+            <a:pPr algn="just">
+              <a:lnSpc>
+                <a:spcPct val="170000"/>
+              </a:lnSpc>
+            </a:pPr>
+            <a:r>
+              <a:rPr lang="en-GB" sz="1300" b="1" i="0" dirty="0">
                 <a:solidFill>
                   <a:schemeClr val="tx1"/>
                 </a:solidFill>
                 <a:effectLst/>
-                <a:latin typeface="Söhne"/>
+                <a:latin typeface="Times New Roman" panose="02020603050405020304" pitchFamily="18" charset="0"/>
+                <a:cs typeface="Times New Roman" panose="02020603050405020304" pitchFamily="18" charset="0"/>
               </a:rPr>
               <a:t>Proven Approach:</a:t>
             </a:r>
             <a:r>
-              <a:rPr lang="en-GB" sz="2900" b="0" i="0" dirty="0">
+              <a:rPr lang="en-GB" sz="1300" b="0" i="0" dirty="0">
                 <a:solidFill>
                   <a:schemeClr val="tx1"/>
                 </a:solidFill>
                 <a:effectLst/>
-                <a:latin typeface="Söhne"/>
+                <a:latin typeface="Times New Roman" panose="02020603050405020304" pitchFamily="18" charset="0"/>
+                <a:cs typeface="Times New Roman" panose="02020603050405020304" pitchFamily="18" charset="0"/>
               </a:rPr>
               <a:t> Traditional methods have been used successfully for years in agricultural practices.</a:t>
             </a:r>
           </a:p>
           <a:p>
-            <a:endParaRPr lang="en-GB" b="0" i="0" dirty="0">
-              <a:solidFill>
-                <a:schemeClr val="tx1"/>
-              </a:solidFill>
-              <a:effectLst/>
-              <a:latin typeface="Söhne"/>
-            </a:endParaRPr>
-          </a:p>
-          <a:p>
-            <a:pPr marL="114300" indent="0" algn="l">
+            <a:pPr marL="114300" indent="0" algn="just">
+              <a:lnSpc>
+                <a:spcPct val="170000"/>
+              </a:lnSpc>
               <a:buNone/>
             </a:pPr>
             <a:r>
-              <a:rPr lang="en-GB" sz="3400" b="1" i="0" dirty="0">
+              <a:rPr lang="en-GB" sz="1300" b="1" i="0" dirty="0">
                 <a:solidFill>
                   <a:schemeClr val="tx1"/>
                 </a:solidFill>
                 <a:effectLst/>
-                <a:latin typeface="Söhne"/>
+                <a:latin typeface="Times New Roman" panose="02020603050405020304" pitchFamily="18" charset="0"/>
+                <a:cs typeface="Times New Roman" panose="02020603050405020304" pitchFamily="18" charset="0"/>
               </a:rPr>
               <a:t>Demerits:</a:t>
             </a:r>
           </a:p>
           <a:p>
-            <a:pPr algn="l"/>
-            <a:endParaRPr lang="en-GB" b="0" i="0" dirty="0">
-              <a:solidFill>
-                <a:schemeClr val="tx1"/>
-              </a:solidFill>
-              <a:effectLst/>
-              <a:latin typeface="Söhne"/>
-            </a:endParaRPr>
-          </a:p>
-          <a:p>
-            <a:r>
-              <a:rPr lang="en-GB" sz="2900" b="1" i="0" dirty="0">
+            <a:pPr algn="just">
+              <a:lnSpc>
+                <a:spcPct val="170000"/>
+              </a:lnSpc>
+            </a:pPr>
+            <a:r>
+              <a:rPr lang="en-GB" sz="1300" b="1" i="0" dirty="0">
                 <a:solidFill>
                   <a:schemeClr val="tx1"/>
                 </a:solidFill>
                 <a:effectLst/>
-                <a:latin typeface="Söhne"/>
+                <a:latin typeface="Times New Roman" panose="02020603050405020304" pitchFamily="18" charset="0"/>
+                <a:cs typeface="Times New Roman" panose="02020603050405020304" pitchFamily="18" charset="0"/>
               </a:rPr>
               <a:t>Time-Consuming:</a:t>
             </a:r>
             <a:r>
-              <a:rPr lang="en-GB" sz="2900" b="0" i="0" dirty="0">
+              <a:rPr lang="en-GB" sz="1300" b="0" i="0" dirty="0">
                 <a:solidFill>
                   <a:schemeClr val="tx1"/>
                 </a:solidFill>
                 <a:effectLst/>
-                <a:latin typeface="Söhne"/>
+                <a:latin typeface="Times New Roman" panose="02020603050405020304" pitchFamily="18" charset="0"/>
+                <a:cs typeface="Times New Roman" panose="02020603050405020304" pitchFamily="18" charset="0"/>
               </a:rPr>
               <a:t> Laboratory testing and analysis are time-intensive processes, delaying decision-making.</a:t>
             </a:r>
           </a:p>
           <a:p>
-            <a:r>
-              <a:rPr lang="en-GB" sz="2900" b="1" i="0" dirty="0">
+            <a:pPr algn="just">
+              <a:lnSpc>
+                <a:spcPct val="170000"/>
+              </a:lnSpc>
+            </a:pPr>
+            <a:r>
+              <a:rPr lang="en-GB" sz="1300" b="1" i="0" dirty="0">
                 <a:solidFill>
                   <a:schemeClr val="tx1"/>
                 </a:solidFill>
                 <a:effectLst/>
-                <a:latin typeface="Söhne"/>
+                <a:latin typeface="Times New Roman" panose="02020603050405020304" pitchFamily="18" charset="0"/>
+                <a:cs typeface="Times New Roman" panose="02020603050405020304" pitchFamily="18" charset="0"/>
               </a:rPr>
               <a:t>Labor-Intensive:</a:t>
             </a:r>
             <a:r>
-              <a:rPr lang="en-GB" sz="2900" b="0" i="0" dirty="0">
+              <a:rPr lang="en-GB" sz="1300" b="0" i="0" dirty="0">
                 <a:solidFill>
                   <a:schemeClr val="tx1"/>
                 </a:solidFill>
                 <a:effectLst/>
-                <a:latin typeface="Söhne"/>
+                <a:latin typeface="Times New Roman" panose="02020603050405020304" pitchFamily="18" charset="0"/>
+                <a:cs typeface="Times New Roman" panose="02020603050405020304" pitchFamily="18" charset="0"/>
               </a:rPr>
               <a:t> Collecting samples and sending them to labs requires effort and resources.</a:t>
             </a:r>
           </a:p>
           <a:p>
-            <a:r>
-              <a:rPr lang="en-GB" sz="2900" b="1" i="0" dirty="0">
+            <a:pPr algn="just">
+              <a:lnSpc>
+                <a:spcPct val="170000"/>
+              </a:lnSpc>
+            </a:pPr>
+            <a:r>
+              <a:rPr lang="en-GB" sz="1300" b="1" i="0" dirty="0">
                 <a:solidFill>
                   <a:schemeClr val="tx1"/>
                 </a:solidFill>
                 <a:effectLst/>
-                <a:latin typeface="Söhne"/>
+                <a:latin typeface="Times New Roman" panose="02020603050405020304" pitchFamily="18" charset="0"/>
+                <a:cs typeface="Times New Roman" panose="02020603050405020304" pitchFamily="18" charset="0"/>
               </a:rPr>
               <a:t>Limited Spatial Data:</a:t>
             </a:r>
             <a:r>
-              <a:rPr lang="en-GB" sz="2900" b="0" i="0" dirty="0">
+              <a:rPr lang="en-GB" sz="1300" b="0" i="0" dirty="0">
                 <a:solidFill>
                   <a:schemeClr val="tx1"/>
                 </a:solidFill>
                 <a:effectLst/>
-                <a:latin typeface="Söhne"/>
+                <a:latin typeface="Times New Roman" panose="02020603050405020304" pitchFamily="18" charset="0"/>
+                <a:cs typeface="Times New Roman" panose="02020603050405020304" pitchFamily="18" charset="0"/>
               </a:rPr>
               <a:t> Traditional methods might not provide detailed spatial variations in soil properties.</a:t>
             </a:r>
           </a:p>
           <a:p>
-            <a:r>
-              <a:rPr lang="en-GB" sz="2900" b="1" i="0" dirty="0">
+            <a:pPr algn="just">
+              <a:lnSpc>
+                <a:spcPct val="170000"/>
+              </a:lnSpc>
+            </a:pPr>
+            <a:r>
+              <a:rPr lang="en-GB" sz="1300" b="1" i="0" dirty="0">
                 <a:solidFill>
                   <a:schemeClr val="tx1"/>
                 </a:solidFill>
                 <a:effectLst/>
-                <a:latin typeface="Söhne"/>
+                <a:latin typeface="Times New Roman" panose="02020603050405020304" pitchFamily="18" charset="0"/>
+                <a:cs typeface="Times New Roman" panose="02020603050405020304" pitchFamily="18" charset="0"/>
               </a:rPr>
               <a:t>Costly:</a:t>
             </a:r>
             <a:r>
-              <a:rPr lang="en-GB" sz="2900" b="0" i="0" dirty="0">
+              <a:rPr lang="en-GB" sz="1300" b="0" i="0" dirty="0">
                 <a:solidFill>
                   <a:schemeClr val="tx1"/>
                 </a:solidFill>
                 <a:effectLst/>
-                <a:latin typeface="Söhne"/>
+                <a:latin typeface="Times New Roman" panose="02020603050405020304" pitchFamily="18" charset="0"/>
+                <a:cs typeface="Times New Roman" panose="02020603050405020304" pitchFamily="18" charset="0"/>
               </a:rPr>
               <a:t> Lab testing, equipment, and expert interpretation can be expensive.</a:t>
             </a:r>
           </a:p>
           <a:p>
-            <a:r>
-              <a:rPr lang="en-GB" sz="2900" b="1" i="0" dirty="0">
+            <a:pPr algn="just">
+              <a:lnSpc>
+                <a:spcPct val="170000"/>
+              </a:lnSpc>
+            </a:pPr>
+            <a:r>
+              <a:rPr lang="en-GB" sz="1300" b="1" i="0" dirty="0">
                 <a:solidFill>
                   <a:schemeClr val="tx1"/>
                 </a:solidFill>
                 <a:effectLst/>
-                <a:latin typeface="Söhne"/>
+                <a:latin typeface="Times New Roman" panose="02020603050405020304" pitchFamily="18" charset="0"/>
+                <a:cs typeface="Times New Roman" panose="02020603050405020304" pitchFamily="18" charset="0"/>
               </a:rPr>
               <a:t>Subjective Interpretation:</a:t>
             </a:r>
             <a:r>
-              <a:rPr lang="en-GB" sz="2900" b="0" i="0" dirty="0">
+              <a:rPr lang="en-GB" sz="1300" b="0" i="0" dirty="0">
                 <a:solidFill>
                   <a:schemeClr val="tx1"/>
                 </a:solidFill>
                 <a:effectLst/>
-                <a:latin typeface="Söhne"/>
+                <a:latin typeface="Times New Roman" panose="02020603050405020304" pitchFamily="18" charset="0"/>
+                <a:cs typeface="Times New Roman" panose="02020603050405020304" pitchFamily="18" charset="0"/>
               </a:rPr>
               <a:t> Interpretation can vary based on the expertise of the analyst.</a:t>
             </a:r>
@@ -17666,21 +18571,21 @@
           <a:lstStyle/>
           <a:p>
             <a:r>
-              <a:rPr lang="en-US" sz="2800" dirty="0">
+              <a:rPr lang="en-US" sz="2800" b="1" dirty="0">
                 <a:solidFill>
                   <a:srgbClr val="000000"/>
                 </a:solidFill>
                 <a:effectLst/>
-                <a:latin typeface="Calibri" panose="020F0502020204030204" pitchFamily="34" charset="0"/>
+                <a:latin typeface="Times New Roman" panose="02020603050405020304" pitchFamily="18" charset="0"/>
                 <a:ea typeface="Calibri" panose="020F0502020204030204" pitchFamily="34" charset="0"/>
-                <a:cs typeface="Calibri" panose="020F0502020204030204" pitchFamily="34" charset="0"/>
+                <a:cs typeface="Times New Roman" panose="02020603050405020304" pitchFamily="18" charset="0"/>
               </a:rPr>
               <a:t>Challenges to address</a:t>
             </a:r>
-            <a:endParaRPr lang="en-IN" sz="2800" dirty="0">
-              <a:latin typeface="Calibri" panose="020F0502020204030204" pitchFamily="34" charset="0"/>
+            <a:endParaRPr lang="en-IN" sz="2800" b="1" dirty="0">
+              <a:latin typeface="Times New Roman" panose="02020603050405020304" pitchFamily="18" charset="0"/>
               <a:ea typeface="Calibri" panose="020F0502020204030204" pitchFamily="34" charset="0"/>
-              <a:cs typeface="Calibri" panose="020F0502020204030204" pitchFamily="34" charset="0"/>
+              <a:cs typeface="Times New Roman" panose="02020603050405020304" pitchFamily="18" charset="0"/>
             </a:endParaRPr>
           </a:p>
         </p:txBody>
@@ -17703,13 +18608,13 @@
         </p:nvSpPr>
         <p:spPr>
           <a:xfrm>
-            <a:off x="457200" y="1417638"/>
-            <a:ext cx="8229600" cy="4708525"/>
+            <a:off x="457200" y="1417637"/>
+            <a:ext cx="8229600" cy="5303837"/>
           </a:xfrm>
         </p:spPr>
         <p:txBody>
           <a:bodyPr>
-            <a:normAutofit fontScale="40000" lnSpcReduction="20000"/>
+            <a:normAutofit fontScale="47500" lnSpcReduction="20000"/>
           </a:bodyPr>
           <a:lstStyle/>
           <a:p>
@@ -17727,7 +18632,7 @@
             </a:endParaRPr>
           </a:p>
           <a:p>
-            <a:pPr marL="114300" indent="0" algn="l">
+            <a:pPr marL="114300" indent="0" algn="just">
               <a:buNone/>
             </a:pPr>
             <a:r>
@@ -17736,15 +18641,15 @@
                   <a:schemeClr val="tx1"/>
                 </a:solidFill>
                 <a:effectLst/>
-                <a:latin typeface="Calibri" panose="020F0502020204030204" pitchFamily="34" charset="0"/>
+                <a:latin typeface="Times New Roman" panose="02020603050405020304" pitchFamily="18" charset="0"/>
                 <a:ea typeface="Calibri" panose="020F0502020204030204" pitchFamily="34" charset="0"/>
-                <a:cs typeface="Calibri" panose="020F0502020204030204" pitchFamily="34" charset="0"/>
+                <a:cs typeface="Times New Roman" panose="02020603050405020304" pitchFamily="18" charset="0"/>
               </a:rPr>
               <a:t>Traditional soil analysis methods address challenges including:</a:t>
             </a:r>
           </a:p>
           <a:p>
-            <a:pPr marL="114300" indent="0" algn="l">
+            <a:pPr marL="114300" indent="0" algn="just">
               <a:buNone/>
             </a:pPr>
             <a:endParaRPr lang="en-GB" sz="3500" b="1" i="0" dirty="0">
@@ -17752,21 +18657,22 @@
                 <a:schemeClr val="tx1"/>
               </a:solidFill>
               <a:effectLst/>
-              <a:latin typeface="Calibri" panose="020F0502020204030204" pitchFamily="34" charset="0"/>
+              <a:latin typeface="Times New Roman" panose="02020603050405020304" pitchFamily="18" charset="0"/>
               <a:ea typeface="Calibri" panose="020F0502020204030204" pitchFamily="34" charset="0"/>
-              <a:cs typeface="Calibri" panose="020F0502020204030204" pitchFamily="34" charset="0"/>
+              <a:cs typeface="Times New Roman" panose="02020603050405020304" pitchFamily="18" charset="0"/>
             </a:endParaRPr>
           </a:p>
           <a:p>
+            <a:pPr algn="just"/>
             <a:r>
               <a:rPr lang="en-GB" b="1" i="0" dirty="0">
                 <a:solidFill>
                   <a:schemeClr val="tx1"/>
                 </a:solidFill>
                 <a:effectLst/>
-                <a:latin typeface="Calibri" panose="020F0502020204030204" pitchFamily="34" charset="0"/>
+                <a:latin typeface="Times New Roman" panose="02020603050405020304" pitchFamily="18" charset="0"/>
                 <a:ea typeface="Calibri" panose="020F0502020204030204" pitchFamily="34" charset="0"/>
-                <a:cs typeface="Calibri" panose="020F0502020204030204" pitchFamily="34" charset="0"/>
+                <a:cs typeface="Times New Roman" panose="02020603050405020304" pitchFamily="18" charset="0"/>
               </a:rPr>
               <a:t>Accuracy and Reliability:</a:t>
             </a:r>
@@ -17775,13 +18681,13 @@
                 <a:schemeClr val="tx1"/>
               </a:solidFill>
               <a:effectLst/>
-              <a:latin typeface="Calibri" panose="020F0502020204030204" pitchFamily="34" charset="0"/>
+              <a:latin typeface="Times New Roman" panose="02020603050405020304" pitchFamily="18" charset="0"/>
               <a:ea typeface="Calibri" panose="020F0502020204030204" pitchFamily="34" charset="0"/>
-              <a:cs typeface="Calibri" panose="020F0502020204030204" pitchFamily="34" charset="0"/>
+              <a:cs typeface="Times New Roman" panose="02020603050405020304" pitchFamily="18" charset="0"/>
             </a:endParaRPr>
           </a:p>
           <a:p>
-            <a:pPr marL="457200" lvl="1" indent="0">
+            <a:pPr marL="457200" lvl="1" indent="0" algn="just">
               <a:buNone/>
             </a:pPr>
             <a:r>
@@ -17790,23 +18696,24 @@
                   <a:schemeClr val="tx1"/>
                 </a:solidFill>
                 <a:effectLst/>
-                <a:latin typeface="Calibri" panose="020F0502020204030204" pitchFamily="34" charset="0"/>
+                <a:latin typeface="Times New Roman" panose="02020603050405020304" pitchFamily="18" charset="0"/>
                 <a:ea typeface="Calibri" panose="020F0502020204030204" pitchFamily="34" charset="0"/>
-                <a:cs typeface="Calibri" panose="020F0502020204030204" pitchFamily="34" charset="0"/>
+                <a:cs typeface="Times New Roman" panose="02020603050405020304" pitchFamily="18" charset="0"/>
               </a:rPr>
               <a:t>	Rigorous laboratory processes and quality control ensure accurate results.</a:t>
             </a:r>
           </a:p>
           <a:p>
+            <a:pPr algn="just"/>
             <a:r>
               <a:rPr lang="en-GB" b="1" i="0" dirty="0">
                 <a:solidFill>
                   <a:schemeClr val="tx1"/>
                 </a:solidFill>
                 <a:effectLst/>
-                <a:latin typeface="Calibri" panose="020F0502020204030204" pitchFamily="34" charset="0"/>
+                <a:latin typeface="Times New Roman" panose="02020603050405020304" pitchFamily="18" charset="0"/>
                 <a:ea typeface="Calibri" panose="020F0502020204030204" pitchFamily="34" charset="0"/>
-                <a:cs typeface="Calibri" panose="020F0502020204030204" pitchFamily="34" charset="0"/>
+                <a:cs typeface="Times New Roman" panose="02020603050405020304" pitchFamily="18" charset="0"/>
               </a:rPr>
               <a:t>Standardized Protocols:</a:t>
             </a:r>
@@ -17815,13 +18722,13 @@
                 <a:schemeClr val="tx1"/>
               </a:solidFill>
               <a:effectLst/>
-              <a:latin typeface="Calibri" panose="020F0502020204030204" pitchFamily="34" charset="0"/>
+              <a:latin typeface="Times New Roman" panose="02020603050405020304" pitchFamily="18" charset="0"/>
               <a:ea typeface="Calibri" panose="020F0502020204030204" pitchFamily="34" charset="0"/>
-              <a:cs typeface="Calibri" panose="020F0502020204030204" pitchFamily="34" charset="0"/>
+              <a:cs typeface="Times New Roman" panose="02020603050405020304" pitchFamily="18" charset="0"/>
             </a:endParaRPr>
           </a:p>
           <a:p>
-            <a:pPr marL="457200" lvl="1" indent="0">
+            <a:pPr marL="457200" lvl="1" indent="0" algn="just">
               <a:buNone/>
             </a:pPr>
             <a:r>
@@ -17830,23 +18737,24 @@
                   <a:schemeClr val="tx1"/>
                 </a:solidFill>
                 <a:effectLst/>
-                <a:latin typeface="Calibri" panose="020F0502020204030204" pitchFamily="34" charset="0"/>
+                <a:latin typeface="Times New Roman" panose="02020603050405020304" pitchFamily="18" charset="0"/>
                 <a:ea typeface="Calibri" panose="020F0502020204030204" pitchFamily="34" charset="0"/>
-                <a:cs typeface="Calibri" panose="020F0502020204030204" pitchFamily="34" charset="0"/>
+                <a:cs typeface="Times New Roman" panose="02020603050405020304" pitchFamily="18" charset="0"/>
               </a:rPr>
               <a:t>	Established protocols maintain consistent testing procedures.</a:t>
             </a:r>
           </a:p>
           <a:p>
+            <a:pPr algn="just"/>
             <a:r>
               <a:rPr lang="en-GB" b="1" i="0" dirty="0">
                 <a:solidFill>
                   <a:schemeClr val="tx1"/>
                 </a:solidFill>
                 <a:effectLst/>
-                <a:latin typeface="Calibri" panose="020F0502020204030204" pitchFamily="34" charset="0"/>
+                <a:latin typeface="Times New Roman" panose="02020603050405020304" pitchFamily="18" charset="0"/>
                 <a:ea typeface="Calibri" panose="020F0502020204030204" pitchFamily="34" charset="0"/>
-                <a:cs typeface="Calibri" panose="020F0502020204030204" pitchFamily="34" charset="0"/>
+                <a:cs typeface="Times New Roman" panose="02020603050405020304" pitchFamily="18" charset="0"/>
               </a:rPr>
               <a:t>Expert Interpretation:</a:t>
             </a:r>
@@ -17855,13 +18763,13 @@
                 <a:schemeClr val="tx1"/>
               </a:solidFill>
               <a:effectLst/>
-              <a:latin typeface="Calibri" panose="020F0502020204030204" pitchFamily="34" charset="0"/>
+              <a:latin typeface="Times New Roman" panose="02020603050405020304" pitchFamily="18" charset="0"/>
               <a:ea typeface="Calibri" panose="020F0502020204030204" pitchFamily="34" charset="0"/>
-              <a:cs typeface="Calibri" panose="020F0502020204030204" pitchFamily="34" charset="0"/>
+              <a:cs typeface="Times New Roman" panose="02020603050405020304" pitchFamily="18" charset="0"/>
             </a:endParaRPr>
           </a:p>
           <a:p>
-            <a:pPr marL="457200" lvl="1" indent="0">
+            <a:pPr marL="457200" lvl="1" indent="0" algn="just">
               <a:buNone/>
             </a:pPr>
             <a:r>
@@ -17870,23 +18778,24 @@
                   <a:schemeClr val="tx1"/>
                 </a:solidFill>
                 <a:effectLst/>
-                <a:latin typeface="Calibri" panose="020F0502020204030204" pitchFamily="34" charset="0"/>
+                <a:latin typeface="Times New Roman" panose="02020603050405020304" pitchFamily="18" charset="0"/>
                 <a:ea typeface="Calibri" panose="020F0502020204030204" pitchFamily="34" charset="0"/>
-                <a:cs typeface="Calibri" panose="020F0502020204030204" pitchFamily="34" charset="0"/>
+                <a:cs typeface="Times New Roman" panose="02020603050405020304" pitchFamily="18" charset="0"/>
               </a:rPr>
               <a:t>	Trained experts provide insights and recommendations.</a:t>
             </a:r>
           </a:p>
           <a:p>
+            <a:pPr algn="just"/>
             <a:r>
               <a:rPr lang="en-GB" b="1" i="0" dirty="0">
                 <a:solidFill>
                   <a:schemeClr val="tx1"/>
                 </a:solidFill>
                 <a:effectLst/>
-                <a:latin typeface="Calibri" panose="020F0502020204030204" pitchFamily="34" charset="0"/>
+                <a:latin typeface="Times New Roman" panose="02020603050405020304" pitchFamily="18" charset="0"/>
                 <a:ea typeface="Calibri" panose="020F0502020204030204" pitchFamily="34" charset="0"/>
-                <a:cs typeface="Calibri" panose="020F0502020204030204" pitchFamily="34" charset="0"/>
+                <a:cs typeface="Times New Roman" panose="02020603050405020304" pitchFamily="18" charset="0"/>
               </a:rPr>
               <a:t>Historical Data:</a:t>
             </a:r>
@@ -17895,13 +18804,13 @@
                 <a:schemeClr val="tx1"/>
               </a:solidFill>
               <a:effectLst/>
-              <a:latin typeface="Calibri" panose="020F0502020204030204" pitchFamily="34" charset="0"/>
+              <a:latin typeface="Times New Roman" panose="02020603050405020304" pitchFamily="18" charset="0"/>
               <a:ea typeface="Calibri" panose="020F0502020204030204" pitchFamily="34" charset="0"/>
-              <a:cs typeface="Calibri" panose="020F0502020204030204" pitchFamily="34" charset="0"/>
+              <a:cs typeface="Times New Roman" panose="02020603050405020304" pitchFamily="18" charset="0"/>
             </a:endParaRPr>
           </a:p>
           <a:p>
-            <a:pPr marL="457200" lvl="1" indent="0">
+            <a:pPr marL="457200" lvl="1" indent="0" algn="just">
               <a:buNone/>
             </a:pPr>
             <a:r>
@@ -17910,23 +18819,24 @@
                   <a:schemeClr val="tx1"/>
                 </a:solidFill>
                 <a:effectLst/>
-                <a:latin typeface="Calibri" panose="020F0502020204030204" pitchFamily="34" charset="0"/>
+                <a:latin typeface="Times New Roman" panose="02020603050405020304" pitchFamily="18" charset="0"/>
                 <a:ea typeface="Calibri" panose="020F0502020204030204" pitchFamily="34" charset="0"/>
-                <a:cs typeface="Calibri" panose="020F0502020204030204" pitchFamily="34" charset="0"/>
+                <a:cs typeface="Times New Roman" panose="02020603050405020304" pitchFamily="18" charset="0"/>
               </a:rPr>
               <a:t>	Soil surveys and historical data inform soil properties.</a:t>
             </a:r>
           </a:p>
           <a:p>
+            <a:pPr algn="just"/>
             <a:r>
               <a:rPr lang="en-GB" b="1" i="0" dirty="0">
                 <a:solidFill>
                   <a:schemeClr val="tx1"/>
                 </a:solidFill>
                 <a:effectLst/>
-                <a:latin typeface="Calibri" panose="020F0502020204030204" pitchFamily="34" charset="0"/>
+                <a:latin typeface="Times New Roman" panose="02020603050405020304" pitchFamily="18" charset="0"/>
                 <a:ea typeface="Calibri" panose="020F0502020204030204" pitchFamily="34" charset="0"/>
-                <a:cs typeface="Calibri" panose="020F0502020204030204" pitchFamily="34" charset="0"/>
+                <a:cs typeface="Times New Roman" panose="02020603050405020304" pitchFamily="18" charset="0"/>
               </a:rPr>
               <a:t>Local Expertise:</a:t>
             </a:r>
@@ -17935,13 +18845,13 @@
                 <a:schemeClr val="tx1"/>
               </a:solidFill>
               <a:effectLst/>
-              <a:latin typeface="Calibri" panose="020F0502020204030204" pitchFamily="34" charset="0"/>
+              <a:latin typeface="Times New Roman" panose="02020603050405020304" pitchFamily="18" charset="0"/>
               <a:ea typeface="Calibri" panose="020F0502020204030204" pitchFamily="34" charset="0"/>
-              <a:cs typeface="Calibri" panose="020F0502020204030204" pitchFamily="34" charset="0"/>
+              <a:cs typeface="Times New Roman" panose="02020603050405020304" pitchFamily="18" charset="0"/>
             </a:endParaRPr>
           </a:p>
           <a:p>
-            <a:pPr marL="457200" lvl="1" indent="0">
+            <a:pPr marL="457200" lvl="1" indent="0" algn="just">
               <a:buNone/>
             </a:pPr>
             <a:r>
@@ -17950,23 +18860,24 @@
                   <a:schemeClr val="tx1"/>
                 </a:solidFill>
                 <a:effectLst/>
-                <a:latin typeface="Calibri" panose="020F0502020204030204" pitchFamily="34" charset="0"/>
+                <a:latin typeface="Times New Roman" panose="02020603050405020304" pitchFamily="18" charset="0"/>
                 <a:ea typeface="Calibri" panose="020F0502020204030204" pitchFamily="34" charset="0"/>
-                <a:cs typeface="Calibri" panose="020F0502020204030204" pitchFamily="34" charset="0"/>
+                <a:cs typeface="Times New Roman" panose="02020603050405020304" pitchFamily="18" charset="0"/>
               </a:rPr>
               <a:t>	Local agronomists offer region-specific advice.</a:t>
             </a:r>
           </a:p>
           <a:p>
+            <a:pPr algn="just"/>
             <a:r>
               <a:rPr lang="en-GB" b="1" i="0" dirty="0">
                 <a:solidFill>
                   <a:schemeClr val="tx1"/>
                 </a:solidFill>
                 <a:effectLst/>
-                <a:latin typeface="Calibri" panose="020F0502020204030204" pitchFamily="34" charset="0"/>
+                <a:latin typeface="Times New Roman" panose="02020603050405020304" pitchFamily="18" charset="0"/>
                 <a:ea typeface="Calibri" panose="020F0502020204030204" pitchFamily="34" charset="0"/>
-                <a:cs typeface="Calibri" panose="020F0502020204030204" pitchFamily="34" charset="0"/>
+                <a:cs typeface="Times New Roman" panose="02020603050405020304" pitchFamily="18" charset="0"/>
               </a:rPr>
               <a:t>Sampling Techniques:</a:t>
             </a:r>
@@ -17975,13 +18886,13 @@
                 <a:schemeClr val="tx1"/>
               </a:solidFill>
               <a:effectLst/>
-              <a:latin typeface="Calibri" panose="020F0502020204030204" pitchFamily="34" charset="0"/>
+              <a:latin typeface="Times New Roman" panose="02020603050405020304" pitchFamily="18" charset="0"/>
               <a:ea typeface="Calibri" panose="020F0502020204030204" pitchFamily="34" charset="0"/>
-              <a:cs typeface="Calibri" panose="020F0502020204030204" pitchFamily="34" charset="0"/>
+              <a:cs typeface="Times New Roman" panose="02020603050405020304" pitchFamily="18" charset="0"/>
             </a:endParaRPr>
           </a:p>
           <a:p>
-            <a:pPr marL="457200" lvl="1" indent="0">
+            <a:pPr marL="457200" lvl="1" indent="0" algn="just">
               <a:buNone/>
             </a:pPr>
             <a:r>
@@ -17990,23 +18901,24 @@
                   <a:schemeClr val="tx1"/>
                 </a:solidFill>
                 <a:effectLst/>
-                <a:latin typeface="Calibri" panose="020F0502020204030204" pitchFamily="34" charset="0"/>
+                <a:latin typeface="Times New Roman" panose="02020603050405020304" pitchFamily="18" charset="0"/>
                 <a:ea typeface="Calibri" panose="020F0502020204030204" pitchFamily="34" charset="0"/>
-                <a:cs typeface="Calibri" panose="020F0502020204030204" pitchFamily="34" charset="0"/>
+                <a:cs typeface="Times New Roman" panose="02020603050405020304" pitchFamily="18" charset="0"/>
               </a:rPr>
               <a:t>	Standardized methods ensure representative samples.</a:t>
             </a:r>
           </a:p>
           <a:p>
+            <a:pPr algn="just"/>
             <a:r>
               <a:rPr lang="en-GB" b="1" i="0" dirty="0">
                 <a:solidFill>
                   <a:schemeClr val="tx1"/>
                 </a:solidFill>
                 <a:effectLst/>
-                <a:latin typeface="Calibri" panose="020F0502020204030204" pitchFamily="34" charset="0"/>
+                <a:latin typeface="Times New Roman" panose="02020603050405020304" pitchFamily="18" charset="0"/>
                 <a:ea typeface="Calibri" panose="020F0502020204030204" pitchFamily="34" charset="0"/>
-                <a:cs typeface="Calibri" panose="020F0502020204030204" pitchFamily="34" charset="0"/>
+                <a:cs typeface="Times New Roman" panose="02020603050405020304" pitchFamily="18" charset="0"/>
               </a:rPr>
               <a:t>Laboratory Infrastructure:</a:t>
             </a:r>
@@ -18015,13 +18927,13 @@
                 <a:schemeClr val="tx1"/>
               </a:solidFill>
               <a:effectLst/>
-              <a:latin typeface="Calibri" panose="020F0502020204030204" pitchFamily="34" charset="0"/>
+              <a:latin typeface="Times New Roman" panose="02020603050405020304" pitchFamily="18" charset="0"/>
               <a:ea typeface="Calibri" panose="020F0502020204030204" pitchFamily="34" charset="0"/>
-              <a:cs typeface="Calibri" panose="020F0502020204030204" pitchFamily="34" charset="0"/>
+              <a:cs typeface="Times New Roman" panose="02020603050405020304" pitchFamily="18" charset="0"/>
             </a:endParaRPr>
           </a:p>
           <a:p>
-            <a:pPr marL="457200" lvl="1" indent="0">
+            <a:pPr marL="457200" lvl="1" indent="0" algn="just">
               <a:buNone/>
             </a:pPr>
             <a:r>
@@ -18030,23 +18942,24 @@
                   <a:schemeClr val="tx1"/>
                 </a:solidFill>
                 <a:effectLst/>
-                <a:latin typeface="Calibri" panose="020F0502020204030204" pitchFamily="34" charset="0"/>
+                <a:latin typeface="Times New Roman" panose="02020603050405020304" pitchFamily="18" charset="0"/>
                 <a:ea typeface="Calibri" panose="020F0502020204030204" pitchFamily="34" charset="0"/>
-                <a:cs typeface="Calibri" panose="020F0502020204030204" pitchFamily="34" charset="0"/>
+                <a:cs typeface="Times New Roman" panose="02020603050405020304" pitchFamily="18" charset="0"/>
               </a:rPr>
               <a:t>	Equipped labs handle comprehensive analysis.</a:t>
             </a:r>
           </a:p>
           <a:p>
+            <a:pPr algn="just"/>
             <a:r>
               <a:rPr lang="en-GB" b="1" i="0" dirty="0">
                 <a:solidFill>
                   <a:schemeClr val="tx1"/>
                 </a:solidFill>
                 <a:effectLst/>
-                <a:latin typeface="Calibri" panose="020F0502020204030204" pitchFamily="34" charset="0"/>
+                <a:latin typeface="Times New Roman" panose="02020603050405020304" pitchFamily="18" charset="0"/>
                 <a:ea typeface="Calibri" panose="020F0502020204030204" pitchFamily="34" charset="0"/>
-                <a:cs typeface="Calibri" panose="020F0502020204030204" pitchFamily="34" charset="0"/>
+                <a:cs typeface="Times New Roman" panose="02020603050405020304" pitchFamily="18" charset="0"/>
               </a:rPr>
               <a:t>Time-Consuming Analysis:</a:t>
             </a:r>
@@ -18055,13 +18968,13 @@
                 <a:schemeClr val="tx1"/>
               </a:solidFill>
               <a:effectLst/>
-              <a:latin typeface="Calibri" panose="020F0502020204030204" pitchFamily="34" charset="0"/>
+              <a:latin typeface="Times New Roman" panose="02020603050405020304" pitchFamily="18" charset="0"/>
               <a:ea typeface="Calibri" panose="020F0502020204030204" pitchFamily="34" charset="0"/>
-              <a:cs typeface="Calibri" panose="020F0502020204030204" pitchFamily="34" charset="0"/>
+              <a:cs typeface="Times New Roman" panose="02020603050405020304" pitchFamily="18" charset="0"/>
             </a:endParaRPr>
           </a:p>
           <a:p>
-            <a:pPr marL="457200" lvl="1" indent="0">
+            <a:pPr marL="457200" lvl="1" indent="0" algn="just">
               <a:buNone/>
             </a:pPr>
             <a:r>
@@ -18070,23 +18983,24 @@
                   <a:schemeClr val="tx1"/>
                 </a:solidFill>
                 <a:effectLst/>
-                <a:latin typeface="Calibri" panose="020F0502020204030204" pitchFamily="34" charset="0"/>
+                <a:latin typeface="Times New Roman" panose="02020603050405020304" pitchFamily="18" charset="0"/>
                 <a:ea typeface="Calibri" panose="020F0502020204030204" pitchFamily="34" charset="0"/>
-                <a:cs typeface="Calibri" panose="020F0502020204030204" pitchFamily="34" charset="0"/>
+                <a:cs typeface="Times New Roman" panose="02020603050405020304" pitchFamily="18" charset="0"/>
               </a:rPr>
               <a:t>	Though slow, accurate results guide decisions.</a:t>
             </a:r>
           </a:p>
           <a:p>
+            <a:pPr algn="just"/>
             <a:r>
               <a:rPr lang="en-GB" b="1" i="0" dirty="0">
                 <a:solidFill>
                   <a:schemeClr val="tx1"/>
                 </a:solidFill>
                 <a:effectLst/>
-                <a:latin typeface="Calibri" panose="020F0502020204030204" pitchFamily="34" charset="0"/>
+                <a:latin typeface="Times New Roman" panose="02020603050405020304" pitchFamily="18" charset="0"/>
                 <a:ea typeface="Calibri" panose="020F0502020204030204" pitchFamily="34" charset="0"/>
-                <a:cs typeface="Calibri" panose="020F0502020204030204" pitchFamily="34" charset="0"/>
+                <a:cs typeface="Times New Roman" panose="02020603050405020304" pitchFamily="18" charset="0"/>
               </a:rPr>
               <a:t>High Cost:</a:t>
             </a:r>
@@ -18095,13 +19009,13 @@
                 <a:schemeClr val="tx1"/>
               </a:solidFill>
               <a:effectLst/>
-              <a:latin typeface="Calibri" panose="020F0502020204030204" pitchFamily="34" charset="0"/>
+              <a:latin typeface="Times New Roman" panose="02020603050405020304" pitchFamily="18" charset="0"/>
               <a:ea typeface="Calibri" panose="020F0502020204030204" pitchFamily="34" charset="0"/>
-              <a:cs typeface="Calibri" panose="020F0502020204030204" pitchFamily="34" charset="0"/>
+              <a:cs typeface="Times New Roman" panose="02020603050405020304" pitchFamily="18" charset="0"/>
             </a:endParaRPr>
           </a:p>
           <a:p>
-            <a:pPr marL="457200" lvl="1" indent="0">
+            <a:pPr marL="457200" lvl="1" indent="0" algn="just">
               <a:buNone/>
             </a:pPr>
             <a:r>
@@ -18110,23 +19024,24 @@
                   <a:schemeClr val="tx1"/>
                 </a:solidFill>
                 <a:effectLst/>
-                <a:latin typeface="Calibri" panose="020F0502020204030204" pitchFamily="34" charset="0"/>
+                <a:latin typeface="Times New Roman" panose="02020603050405020304" pitchFamily="18" charset="0"/>
                 <a:ea typeface="Calibri" panose="020F0502020204030204" pitchFamily="34" charset="0"/>
-                <a:cs typeface="Calibri" panose="020F0502020204030204" pitchFamily="34" charset="0"/>
+                <a:cs typeface="Times New Roman" panose="02020603050405020304" pitchFamily="18" charset="0"/>
               </a:rPr>
               <a:t>	Accuracy justifies expenses for improved yields.</a:t>
             </a:r>
           </a:p>
           <a:p>
+            <a:pPr algn="just"/>
             <a:r>
               <a:rPr lang="en-GB" b="1" i="0" dirty="0">
                 <a:solidFill>
                   <a:schemeClr val="tx1"/>
                 </a:solidFill>
                 <a:effectLst/>
-                <a:latin typeface="Calibri" panose="020F0502020204030204" pitchFamily="34" charset="0"/>
+                <a:latin typeface="Times New Roman" panose="02020603050405020304" pitchFamily="18" charset="0"/>
                 <a:ea typeface="Calibri" panose="020F0502020204030204" pitchFamily="34" charset="0"/>
-                <a:cs typeface="Calibri" panose="020F0502020204030204" pitchFamily="34" charset="0"/>
+                <a:cs typeface="Times New Roman" panose="02020603050405020304" pitchFamily="18" charset="0"/>
               </a:rPr>
               <a:t>Limited Accessibility:</a:t>
             </a:r>
@@ -18135,13 +19050,13 @@
                 <a:schemeClr val="tx1"/>
               </a:solidFill>
               <a:effectLst/>
-              <a:latin typeface="Calibri" panose="020F0502020204030204" pitchFamily="34" charset="0"/>
+              <a:latin typeface="Times New Roman" panose="02020603050405020304" pitchFamily="18" charset="0"/>
               <a:ea typeface="Calibri" panose="020F0502020204030204" pitchFamily="34" charset="0"/>
-              <a:cs typeface="Calibri" panose="020F0502020204030204" pitchFamily="34" charset="0"/>
+              <a:cs typeface="Times New Roman" panose="02020603050405020304" pitchFamily="18" charset="0"/>
             </a:endParaRPr>
           </a:p>
           <a:p>
-            <a:pPr marL="457200" lvl="1" indent="0">
+            <a:pPr marL="457200" lvl="1" indent="0" algn="just">
               <a:buNone/>
             </a:pPr>
             <a:r>
@@ -18150,9 +19065,9 @@
                   <a:schemeClr val="tx1"/>
                 </a:solidFill>
                 <a:effectLst/>
-                <a:latin typeface="Calibri" panose="020F0502020204030204" pitchFamily="34" charset="0"/>
+                <a:latin typeface="Times New Roman" panose="02020603050405020304" pitchFamily="18" charset="0"/>
                 <a:ea typeface="Calibri" panose="020F0502020204030204" pitchFamily="34" charset="0"/>
-                <a:cs typeface="Calibri" panose="020F0502020204030204" pitchFamily="34" charset="0"/>
+                <a:cs typeface="Times New Roman" panose="02020603050405020304" pitchFamily="18" charset="0"/>
               </a:rPr>
               <a:t>	Mobile testing units bridge remote access gaps.</a:t>
             </a:r>
@@ -18282,8 +19197,8 @@
         </p:nvSpPr>
         <p:spPr>
           <a:xfrm>
-            <a:off x="457200" y="1600200"/>
-            <a:ext cx="8229600" cy="4525963"/>
+            <a:off x="457200" y="1426994"/>
+            <a:ext cx="8229600" cy="5188306"/>
           </a:xfrm>
           <a:prstGeom prst="rect">
             <a:avLst/>
@@ -18295,11 +19210,14 @@
         </p:spPr>
         <p:txBody>
           <a:bodyPr spcFirstLastPara="1" wrap="square" lIns="91425" tIns="45700" rIns="91425" bIns="45700" anchor="t" anchorCtr="0">
-            <a:normAutofit fontScale="55000" lnSpcReduction="20000"/>
+            <a:normAutofit fontScale="32500" lnSpcReduction="20000"/>
           </a:bodyPr>
           <a:lstStyle/>
           <a:p>
-            <a:pPr marL="0" indent="0">
+            <a:pPr marL="0" indent="0" algn="just">
+              <a:lnSpc>
+                <a:spcPct val="170000"/>
+              </a:lnSpc>
               <a:spcBef>
                 <a:spcPts val="0"/>
               </a:spcBef>
@@ -18307,20 +19225,32 @@
               <a:buNone/>
             </a:pPr>
             <a:r>
-              <a:rPr lang="en-GB" dirty="0"/>
+              <a:rPr lang="en-GB" sz="4600" dirty="0">
+                <a:latin typeface="Times New Roman" panose="02020603050405020304" pitchFamily="18" charset="0"/>
+                <a:cs typeface="Times New Roman" panose="02020603050405020304" pitchFamily="18" charset="0"/>
+              </a:rPr>
               <a:t>Traditional methods of soil fertility analysis are often time-consuming, </a:t>
             </a:r>
             <a:r>
-              <a:rPr lang="en-GB" dirty="0" err="1"/>
+              <a:rPr lang="en-GB" sz="4600" dirty="0" err="1">
+                <a:latin typeface="Times New Roman" panose="02020603050405020304" pitchFamily="18" charset="0"/>
+                <a:cs typeface="Times New Roman" panose="02020603050405020304" pitchFamily="18" charset="0"/>
+              </a:rPr>
               <a:t>labor-intensive</a:t>
             </a:r>
             <a:r>
-              <a:rPr lang="en-GB" dirty="0"/>
+              <a:rPr lang="en-GB" sz="4600" dirty="0">
+                <a:latin typeface="Times New Roman" panose="02020603050405020304" pitchFamily="18" charset="0"/>
+                <a:cs typeface="Times New Roman" panose="02020603050405020304" pitchFamily="18" charset="0"/>
+              </a:rPr>
               <a:t>, and may lack precision. Farmers and agricultural experts require a more efficient and accurate solution to predict essential nutrient levels (N, K, P, Ca, S), pH, organic carbon (OC), and electrical conductivity (EC) in soil. The absence of an automated system for soil fertility assessment hinders optimal crop growth and yield.</a:t>
             </a:r>
           </a:p>
           <a:p>
-            <a:pPr marL="0" lvl="0" indent="0" rtl="0">
+            <a:pPr marL="0" lvl="0" indent="0" algn="just" rtl="0">
+              <a:lnSpc>
+                <a:spcPct val="170000"/>
+              </a:lnSpc>
               <a:spcBef>
                 <a:spcPts val="0"/>
               </a:spcBef>
@@ -18333,10 +19263,16 @@
               <a:buSzPts val="3200"/>
               <a:buNone/>
             </a:pPr>
-            <a:endParaRPr lang="en-IN" dirty="0"/>
-          </a:p>
-          <a:p>
-            <a:pPr marL="0" lvl="0" indent="0" rtl="0">
+            <a:endParaRPr lang="en-IN" sz="4600" dirty="0">
+              <a:latin typeface="Times New Roman" panose="02020603050405020304" pitchFamily="18" charset="0"/>
+              <a:cs typeface="Times New Roman" panose="02020603050405020304" pitchFamily="18" charset="0"/>
+            </a:endParaRPr>
+          </a:p>
+          <a:p>
+            <a:pPr marL="0" lvl="0" indent="0" algn="just" rtl="0">
+              <a:lnSpc>
+                <a:spcPct val="170000"/>
+              </a:lnSpc>
               <a:spcBef>
                 <a:spcPts val="0"/>
               </a:spcBef>
@@ -18350,31 +19286,48 @@
               <a:buNone/>
             </a:pPr>
             <a:r>
-              <a:rPr lang="en-IN" b="1" dirty="0"/>
+              <a:rPr lang="en-IN" sz="4600" b="1" dirty="0">
+                <a:latin typeface="Times New Roman" panose="02020603050405020304" pitchFamily="18" charset="0"/>
+                <a:cs typeface="Times New Roman" panose="02020603050405020304" pitchFamily="18" charset="0"/>
+              </a:rPr>
               <a:t>Objective:</a:t>
             </a:r>
-          </a:p>
-          <a:p>
-            <a:pPr marL="114300" indent="0">
+            <a:endParaRPr lang="en-GB" sz="4600" dirty="0">
+              <a:latin typeface="Times New Roman" panose="02020603050405020304" pitchFamily="18" charset="0"/>
+              <a:cs typeface="Times New Roman" panose="02020603050405020304" pitchFamily="18" charset="0"/>
+            </a:endParaRPr>
+          </a:p>
+          <a:p>
+            <a:pPr algn="just">
               <a:lnSpc>
-                <a:spcPct val="100000"/>
+                <a:spcPct val="170000"/>
               </a:lnSpc>
-              <a:buNone/>
             </a:pPr>
-            <a:endParaRPr lang="en-GB" dirty="0"/>
-          </a:p>
-          <a:p>
-            <a:r>
-              <a:rPr lang="en-GB" dirty="0"/>
+            <a:r>
+              <a:rPr lang="en-GB" sz="4600" dirty="0">
+                <a:latin typeface="Times New Roman" panose="02020603050405020304" pitchFamily="18" charset="0"/>
+                <a:cs typeface="Times New Roman" panose="02020603050405020304" pitchFamily="18" charset="0"/>
+              </a:rPr>
               <a:t>The purpose of deploying this project is to revolutionize soil analysis and nutrient management in agriculture. By leveraging advanced technologies like machine learning and data analytics, the project aims to provide accurate and real-time predictions of soil fertility. </a:t>
             </a:r>
           </a:p>
           <a:p>
-            <a:r>
-              <a:rPr lang="en-GB" dirty="0"/>
+            <a:pPr algn="just">
+              <a:lnSpc>
+                <a:spcPct val="170000"/>
+              </a:lnSpc>
+            </a:pPr>
+            <a:r>
+              <a:rPr lang="en-GB" sz="4600" dirty="0">
+                <a:latin typeface="Times New Roman" panose="02020603050405020304" pitchFamily="18" charset="0"/>
+                <a:cs typeface="Times New Roman" panose="02020603050405020304" pitchFamily="18" charset="0"/>
+              </a:rPr>
               <a:t>This predictive capability will empower farmers to make informed decisions about nutrient application, leading to optimized crop yields, resource efficiency, and sustainable farming practices. Ultimately, the deployment of this project aims to enhance agricultural productivity, reduce environmental impact, and contribute to global food security.</a:t>
             </a:r>
-            <a:endParaRPr lang="en-IN" dirty="0"/>
+            <a:endParaRPr lang="en-IN" sz="4600" dirty="0">
+              <a:latin typeface="Times New Roman" panose="02020603050405020304" pitchFamily="18" charset="0"/>
+              <a:cs typeface="Times New Roman" panose="02020603050405020304" pitchFamily="18" charset="0"/>
+            </a:endParaRPr>
           </a:p>
           <a:p>
             <a:pPr marL="0" lvl="0" indent="0" rtl="0">
@@ -18568,7 +19521,7 @@
         <p:spPr>
           <a:xfrm>
             <a:off x="2958353" y="517058"/>
-            <a:ext cx="5199529" cy="523220"/>
+            <a:ext cx="6185647" cy="523220"/>
           </a:xfrm>
           <a:prstGeom prst="rect">
             <a:avLst/>
@@ -18589,12 +19542,12 @@
               <a:buNone/>
             </a:pPr>
             <a:r>
-              <a:rPr lang="en-US" sz="2800" dirty="0">
-                <a:latin typeface="Calibri" panose="020F0502020204030204" pitchFamily="34" charset="0"/>
+              <a:rPr lang="en-US" sz="2800" b="1" dirty="0">
+                <a:latin typeface="Times New Roman" panose="02020603050405020304" pitchFamily="18" charset="0"/>
                 <a:ea typeface="Calibri" panose="020F0502020204030204" pitchFamily="34" charset="0"/>
-                <a:cs typeface="Calibri" panose="020F0502020204030204" pitchFamily="34" charset="0"/>
-              </a:rPr>
-              <a:t>Problem statement and Objectives </a:t>
+                <a:cs typeface="Times New Roman" panose="02020603050405020304" pitchFamily="18" charset="0"/>
+              </a:rPr>
+              <a:t>Problem Statement and Objectives </a:t>
             </a:r>
           </a:p>
         </p:txBody>
@@ -18672,13 +19625,13 @@
               <a:t>    </a:t>
             </a:r>
             <a:r>
-              <a:rPr lang="en-US" sz="3600" dirty="0">
+              <a:rPr lang="en-US" sz="3600" b="1" dirty="0">
                 <a:latin typeface="Times New Roman" panose="02020603050405020304" pitchFamily="18" charset="0"/>
                 <a:cs typeface="Times New Roman" panose="02020603050405020304" pitchFamily="18" charset="0"/>
               </a:rPr>
               <a:t>Proposed System   </a:t>
             </a:r>
-            <a:endParaRPr sz="3600" dirty="0"/>
+            <a:endParaRPr sz="3600" b="1" dirty="0"/>
           </a:p>
         </p:txBody>
       </p:sp>
@@ -18694,8 +19647,8 @@
         </p:nvSpPr>
         <p:spPr>
           <a:xfrm>
-            <a:off x="457200" y="1417638"/>
-            <a:ext cx="8229600" cy="4829442"/>
+            <a:off x="457200" y="1308368"/>
+            <a:ext cx="8229600" cy="5274994"/>
           </a:xfrm>
           <a:prstGeom prst="rect">
             <a:avLst/>
@@ -18706,35 +19659,15 @@
           </a:ln>
         </p:spPr>
         <p:txBody>
-          <a:bodyPr spcFirstLastPara="1" wrap="square" lIns="91425" tIns="45700" rIns="91425" bIns="45700" anchor="t" anchorCtr="0">
-            <a:normAutofit/>
+          <a:bodyPr spcFirstLastPara="1" wrap="square" lIns="91425" tIns="45700" rIns="91425" bIns="45700" numCol="1" anchor="t" anchorCtr="0">
+            <a:normAutofit lnSpcReduction="10000"/>
           </a:bodyPr>
           <a:lstStyle/>
           <a:p>
-            <a:pPr algn="l">
-              <a:buFont typeface="+mj-lt"/>
-              <a:buAutoNum type="arabicPeriod"/>
-            </a:pPr>
-            <a:r>
-              <a:rPr lang="en-GB" sz="1400" b="1" i="0" dirty="0">
-                <a:solidFill>
-                  <a:schemeClr val="tx1"/>
-                </a:solidFill>
-                <a:effectLst/>
-                <a:latin typeface="Söhne"/>
-              </a:rPr>
-              <a:t>Data Collection and Preparation:</a:t>
-            </a:r>
-            <a:endParaRPr lang="en-GB" sz="1400" b="0" i="0" dirty="0">
-              <a:solidFill>
-                <a:schemeClr val="tx1"/>
-              </a:solidFill>
-              <a:effectLst/>
-              <a:latin typeface="Söhne"/>
-            </a:endParaRPr>
-          </a:p>
-          <a:p>
-            <a:pPr marL="742950" lvl="1" indent="-285750">
+            <a:pPr marL="569913" lvl="1" indent="-401638" algn="just">
+              <a:lnSpc>
+                <a:spcPct val="150000"/>
+              </a:lnSpc>
               <a:buFont typeface="Arial" panose="020B0604020202020204" pitchFamily="34" charset="0"/>
               <a:buChar char="•"/>
             </a:pPr>
@@ -18744,13 +19677,17 @@
                   <a:schemeClr val="tx1"/>
                 </a:solidFill>
                 <a:effectLst/>
-                <a:latin typeface="Söhne"/>
+                <a:latin typeface="Times New Roman" panose="02020603050405020304" pitchFamily="18" charset="0"/>
+                <a:cs typeface="Times New Roman" panose="02020603050405020304" pitchFamily="18" charset="0"/>
               </a:rPr>
               <a:t>Collect a diverse dataset of soil samples encompassing essential nutrients (N, K, P, Ca, S), pH, organic carbon (OC), and electrical conductivity (EC).</a:t>
             </a:r>
           </a:p>
           <a:p>
-            <a:pPr marL="742950" lvl="1" indent="-285750">
+            <a:pPr marL="569913" lvl="1" indent="-401638" algn="just">
+              <a:lnSpc>
+                <a:spcPct val="150000"/>
+              </a:lnSpc>
               <a:buFont typeface="Arial" panose="020B0604020202020204" pitchFamily="34" charset="0"/>
               <a:buChar char="•"/>
             </a:pPr>
@@ -18760,36 +19697,17 @@
                   <a:schemeClr val="tx1"/>
                 </a:solidFill>
                 <a:effectLst/>
-                <a:latin typeface="Söhne"/>
+                <a:latin typeface="Times New Roman" panose="02020603050405020304" pitchFamily="18" charset="0"/>
+                <a:cs typeface="Times New Roman" panose="02020603050405020304" pitchFamily="18" charset="0"/>
               </a:rPr>
               <a:t>Preprocess the data to handle missing values, outliers, and normalize features for consistent model performance.</a:t>
             </a:r>
           </a:p>
           <a:p>
-            <a:pPr algn="l">
-              <a:buFont typeface="+mj-lt"/>
-              <a:buAutoNum type="arabicPeriod"/>
-            </a:pPr>
-            <a:r>
-              <a:rPr lang="en-GB" sz="1400" b="1" i="0" dirty="0">
-                <a:solidFill>
-                  <a:schemeClr val="tx1"/>
-                </a:solidFill>
-                <a:effectLst/>
-                <a:latin typeface="Söhne"/>
-              </a:rPr>
-              <a:t>Machine Learning Model:</a:t>
-            </a:r>
-            <a:endParaRPr lang="en-GB" sz="1400" b="0" i="0" dirty="0">
-              <a:solidFill>
-                <a:schemeClr val="tx1"/>
-              </a:solidFill>
-              <a:effectLst/>
-              <a:latin typeface="Söhne"/>
-            </a:endParaRPr>
-          </a:p>
-          <a:p>
-            <a:pPr marL="742950" lvl="1" indent="-285750">
+            <a:pPr marL="569913" lvl="1" indent="-401638" algn="just">
+              <a:lnSpc>
+                <a:spcPct val="150000"/>
+              </a:lnSpc>
               <a:buFont typeface="Arial" panose="020B0604020202020204" pitchFamily="34" charset="0"/>
               <a:buChar char="•"/>
             </a:pPr>
@@ -18799,13 +19717,17 @@
                   <a:schemeClr val="tx1"/>
                 </a:solidFill>
                 <a:effectLst/>
-                <a:latin typeface="Söhne"/>
+                <a:latin typeface="Times New Roman" panose="02020603050405020304" pitchFamily="18" charset="0"/>
+                <a:cs typeface="Times New Roman" panose="02020603050405020304" pitchFamily="18" charset="0"/>
               </a:rPr>
               <a:t>Select and implement suitable machine learning algorithms for soil fertility prediction, such as Random Forest or Gradient Boosting.</a:t>
             </a:r>
           </a:p>
           <a:p>
-            <a:pPr marL="742950" lvl="1" indent="-285750">
+            <a:pPr marL="569913" lvl="1" indent="-401638" algn="just">
+              <a:lnSpc>
+                <a:spcPct val="150000"/>
+              </a:lnSpc>
               <a:buFont typeface="Arial" panose="020B0604020202020204" pitchFamily="34" charset="0"/>
               <a:buChar char="•"/>
             </a:pPr>
@@ -18815,7 +19737,8 @@
                   <a:schemeClr val="tx1"/>
                 </a:solidFill>
                 <a:effectLst/>
-                <a:latin typeface="Söhne"/>
+                <a:latin typeface="Times New Roman" panose="02020603050405020304" pitchFamily="18" charset="0"/>
+                <a:cs typeface="Times New Roman" panose="02020603050405020304" pitchFamily="18" charset="0"/>
               </a:rPr>
               <a:t>Train the models using the </a:t>
             </a:r>
@@ -18825,7 +19748,8 @@
                   <a:schemeClr val="tx1"/>
                 </a:solidFill>
                 <a:effectLst/>
-                <a:latin typeface="Söhne"/>
+                <a:latin typeface="Times New Roman" panose="02020603050405020304" pitchFamily="18" charset="0"/>
+                <a:cs typeface="Times New Roman" panose="02020603050405020304" pitchFamily="18" charset="0"/>
               </a:rPr>
               <a:t>preprocessed</a:t>
             </a:r>
@@ -18835,39 +19759,17 @@
                   <a:schemeClr val="tx1"/>
                 </a:solidFill>
                 <a:effectLst/>
-                <a:latin typeface="Söhne"/>
+                <a:latin typeface="Times New Roman" panose="02020603050405020304" pitchFamily="18" charset="0"/>
+                <a:cs typeface="Times New Roman" panose="02020603050405020304" pitchFamily="18" charset="0"/>
               </a:rPr>
               <a:t> dataset, employing cross-validation and hyperparameter tuning techniques to optimize performance.</a:t>
             </a:r>
           </a:p>
           <a:p>
-            <a:pPr algn="l">
-              <a:buFont typeface="+mj-lt"/>
-              <a:buAutoNum type="arabicPeriod"/>
-            </a:pPr>
-            <a:r>
-              <a:rPr lang="en-IN" sz="1400" b="1" i="0" dirty="0">
-                <a:solidFill>
-                  <a:schemeClr val="tx1"/>
-                </a:solidFill>
-                <a:effectLst/>
-                <a:latin typeface="Söhne"/>
-              </a:rPr>
-              <a:t>User Interface (UI):</a:t>
-            </a:r>
-            <a:r>
-              <a:rPr lang="en-IN" sz="1400" b="0" i="0" dirty="0">
-                <a:solidFill>
-                  <a:schemeClr val="tx1"/>
-                </a:solidFill>
-                <a:effectLst/>
-                <a:latin typeface="Söhne"/>
-              </a:rPr>
-              <a:t>               </a:t>
-            </a:r>
-          </a:p>
-          <a:p>
-            <a:pPr lvl="1">
+            <a:pPr marL="569913" lvl="1" indent="-401638" algn="just">
+              <a:lnSpc>
+                <a:spcPct val="150000"/>
+              </a:lnSpc>
               <a:buFont typeface="Arial" panose="020B0604020202020204" pitchFamily="34" charset="0"/>
               <a:buChar char="•"/>
             </a:pPr>
@@ -18877,13 +19779,17 @@
                   <a:schemeClr val="tx1"/>
                 </a:solidFill>
                 <a:effectLst/>
-                <a:latin typeface="Söhne"/>
+                <a:latin typeface="Times New Roman" panose="02020603050405020304" pitchFamily="18" charset="0"/>
+                <a:cs typeface="Times New Roman" panose="02020603050405020304" pitchFamily="18" charset="0"/>
               </a:rPr>
               <a:t>Develop a user-friendly web-based interface that allows users to input soil data easily.</a:t>
             </a:r>
           </a:p>
           <a:p>
-            <a:pPr lvl="1">
+            <a:pPr marL="569913" lvl="1" indent="-401638" algn="just">
+              <a:lnSpc>
+                <a:spcPct val="150000"/>
+              </a:lnSpc>
               <a:buFont typeface="Arial" panose="020B0604020202020204" pitchFamily="34" charset="0"/>
               <a:buChar char="•"/>
             </a:pPr>
@@ -18893,35 +19799,17 @@
                   <a:schemeClr val="tx1"/>
                 </a:solidFill>
                 <a:effectLst/>
-                <a:latin typeface="Söhne"/>
+                <a:latin typeface="Times New Roman" panose="02020603050405020304" pitchFamily="18" charset="0"/>
+                <a:cs typeface="Times New Roman" panose="02020603050405020304" pitchFamily="18" charset="0"/>
               </a:rPr>
               <a:t>Design an intuitive UI with clear instructions, input fields, and interactive elements for an enhanced user experience.</a:t>
             </a:r>
           </a:p>
           <a:p>
-            <a:pPr algn="l">
-              <a:buFont typeface="+mj-lt"/>
-              <a:buAutoNum type="arabicPeriod"/>
-            </a:pPr>
-            <a:r>
-              <a:rPr lang="en-GB" sz="1400" b="1" i="0" dirty="0">
-                <a:solidFill>
-                  <a:schemeClr val="tx1"/>
-                </a:solidFill>
-                <a:effectLst/>
-                <a:latin typeface="Söhne"/>
-              </a:rPr>
-              <a:t>Prediction Generation:</a:t>
-            </a:r>
-            <a:endParaRPr lang="en-GB" sz="1400" dirty="0">
-              <a:solidFill>
-                <a:schemeClr val="tx1"/>
-              </a:solidFill>
-              <a:latin typeface="Söhne"/>
-            </a:endParaRPr>
-          </a:p>
-          <a:p>
-            <a:pPr lvl="1">
+            <a:pPr marL="569913" lvl="1" indent="-401638" algn="just">
+              <a:lnSpc>
+                <a:spcPct val="150000"/>
+              </a:lnSpc>
               <a:buFont typeface="Arial" panose="020B0604020202020204" pitchFamily="34" charset="0"/>
               <a:buChar char="•"/>
             </a:pPr>
@@ -18931,13 +19819,17 @@
                   <a:schemeClr val="tx1"/>
                 </a:solidFill>
                 <a:effectLst/>
-                <a:latin typeface="Söhne"/>
+                <a:latin typeface="Times New Roman" panose="02020603050405020304" pitchFamily="18" charset="0"/>
+                <a:cs typeface="Times New Roman" panose="02020603050405020304" pitchFamily="18" charset="0"/>
               </a:rPr>
               <a:t>Implement the trained machine learning models in the backend of the system to generate predictions based on user-inputted soil data.</a:t>
             </a:r>
           </a:p>
           <a:p>
-            <a:pPr lvl="1">
+            <a:pPr marL="569913" lvl="1" indent="-401638" algn="just">
+              <a:lnSpc>
+                <a:spcPct val="150000"/>
+              </a:lnSpc>
               <a:buFont typeface="Arial" panose="020B0604020202020204" pitchFamily="34" charset="0"/>
               <a:buChar char="•"/>
             </a:pPr>
@@ -18947,7 +19839,8 @@
                   <a:schemeClr val="tx1"/>
                 </a:solidFill>
                 <a:effectLst/>
-                <a:latin typeface="Söhne"/>
+                <a:latin typeface="Times New Roman" panose="02020603050405020304" pitchFamily="18" charset="0"/>
+                <a:cs typeface="Times New Roman" panose="02020603050405020304" pitchFamily="18" charset="0"/>
               </a:rPr>
               <a:t>Process the input data through the models to produce predictions for essential nutrient levels, pH, OC, and EC.</a:t>
             </a:r>

--- a/Documents/Review 1 ppt.pptx
+++ b/Documents/Review 1 ppt.pptx
@@ -5,7 +5,7 @@
     <p:sldMasterId id="2147483648" r:id="rId1"/>
   </p:sldMasterIdLst>
   <p:notesMasterIdLst>
-    <p:notesMasterId r:id="rId17"/>
+    <p:notesMasterId r:id="rId18"/>
   </p:notesMasterIdLst>
   <p:sldIdLst>
     <p:sldId id="256" r:id="rId2"/>
@@ -23,6 +23,7 @@
     <p:sldId id="273" r:id="rId14"/>
     <p:sldId id="274" r:id="rId15"/>
     <p:sldId id="269" r:id="rId16"/>
+    <p:sldId id="276" r:id="rId17"/>
   </p:sldIdLst>
   <p:sldSz cx="9144000" cy="6858000" type="screen4x3"/>
   <p:notesSz cx="6858000" cy="9144000"/>
@@ -271,7 +272,7 @@
       </p15:sldGuideLst>
     </p:ext>
     <p:ext uri="http://customooxmlschemas.google.com/">
-      <go:slidesCustomData xmlns:go="http://customooxmlschemas.google.com/" xmlns:ahyp="http://schemas.microsoft.com/office/drawing/2018/hyperlinkcolor" xmlns:p15="http://schemas.microsoft.com/office/powerpoint/2012/main" xmlns:p14="http://schemas.microsoft.com/office/powerpoint/2010/main" xmlns:com="http://schemas.openxmlformats.org/drawingml/2006/compatibility" xmlns:pvml="urn:schemas-microsoft-com:office:powerpoint" xmlns:v="urn:schemas-microsoft-com:vml" xmlns:o="urn:schemas-microsoft-com:office:office" xmlns:dgm="http://schemas.openxmlformats.org/drawingml/2006/diagram" xmlns:c="http://schemas.openxmlformats.org/drawingml/2006/chart" xmlns:mv="urn:schemas-microsoft-com:mac:vml" xmlns:mc="http://schemas.openxmlformats.org/markup-compatibility/2006" xmlns="" r:id="rId18" roundtripDataSignature="AMtx7mi8k4vfTcigBOvi1GPtpHoS9j9jSA=="/>
+      <go:slidesCustomData xmlns="" xmlns:mc="http://schemas.openxmlformats.org/markup-compatibility/2006" xmlns:mv="urn:schemas-microsoft-com:mac:vml" xmlns:c="http://schemas.openxmlformats.org/drawingml/2006/chart" xmlns:dgm="http://schemas.openxmlformats.org/drawingml/2006/diagram" xmlns:o="urn:schemas-microsoft-com:office:office" xmlns:v="urn:schemas-microsoft-com:vml" xmlns:pvml="urn:schemas-microsoft-com:office:powerpoint" xmlns:com="http://schemas.openxmlformats.org/drawingml/2006/compatibility" xmlns:p14="http://schemas.microsoft.com/office/powerpoint/2010/main" xmlns:p15="http://schemas.microsoft.com/office/powerpoint/2012/main" xmlns:ahyp="http://schemas.microsoft.com/office/drawing/2018/hyperlinkcolor" xmlns:go="http://customooxmlschemas.google.com/" r:id="rId19" roundtripDataSignature="AMtx7mi8k4vfTcigBOvi1GPtpHoS9j9jSA=="/>
     </p:ext>
   </p:extLst>
 </p:presentation>
@@ -15433,6 +15434,145 @@
 </p:sld>
 </file>
 
+<file path=ppt/slides/slide16.xml><?xml version="1.0" encoding="utf-8"?>
+<p:sld xmlns:a="http://schemas.openxmlformats.org/drawingml/2006/main" xmlns:r="http://schemas.openxmlformats.org/officeDocument/2006/relationships" xmlns:p="http://schemas.openxmlformats.org/presentationml/2006/main">
+  <p:cSld>
+    <p:spTree>
+      <p:nvGrpSpPr>
+        <p:cNvPr id="1" name=""/>
+        <p:cNvGrpSpPr/>
+        <p:nvPr/>
+      </p:nvGrpSpPr>
+      <p:grpSpPr>
+        <a:xfrm>
+          <a:off x="0" y="0"/>
+          <a:ext cx="0" cy="0"/>
+          <a:chOff x="0" y="0"/>
+          <a:chExt cx="0" cy="0"/>
+        </a:xfrm>
+      </p:grpSpPr>
+      <p:sp>
+        <p:nvSpPr>
+          <p:cNvPr id="2" name="Title 1">
+            <a:extLst>
+              <a:ext uri="{FF2B5EF4-FFF2-40B4-BE49-F238E27FC236}">
+                <a16:creationId xmlns:a16="http://schemas.microsoft.com/office/drawing/2014/main" id="{D947A4FE-10A0-6C28-3A77-79FC0C3EF51E}"/>
+              </a:ext>
+            </a:extLst>
+          </p:cNvPr>
+          <p:cNvSpPr>
+            <a:spLocks noGrp="1"/>
+          </p:cNvSpPr>
+          <p:nvPr>
+            <p:ph type="title"/>
+          </p:nvPr>
+        </p:nvSpPr>
+        <p:spPr/>
+        <p:txBody>
+          <a:bodyPr/>
+          <a:lstStyle/>
+          <a:p>
+            <a:endParaRPr lang="en-IN"/>
+          </a:p>
+        </p:txBody>
+      </p:sp>
+      <p:sp>
+        <p:nvSpPr>
+          <p:cNvPr id="3" name="Text Placeholder 2">
+            <a:extLst>
+              <a:ext uri="{FF2B5EF4-FFF2-40B4-BE49-F238E27FC236}">
+                <a16:creationId xmlns:a16="http://schemas.microsoft.com/office/drawing/2014/main" id="{DE37FB1E-2FBE-4BA8-00AC-5273F37F0479}"/>
+              </a:ext>
+            </a:extLst>
+          </p:cNvPr>
+          <p:cNvSpPr>
+            <a:spLocks noGrp="1"/>
+          </p:cNvSpPr>
+          <p:nvPr>
+            <p:ph type="body" idx="1"/>
+          </p:nvPr>
+        </p:nvSpPr>
+        <p:spPr/>
+        <p:txBody>
+          <a:bodyPr/>
+          <a:lstStyle/>
+          <a:p>
+            <a:r>
+              <a:rPr lang="en-GB" dirty="0"/>
+              <a:t>UML Diagrams for the proposed modules (Appropriate UML diagrams to be included) </a:t>
+            </a:r>
+          </a:p>
+          <a:p>
+            <a:r>
+              <a:rPr lang="en-GB" dirty="0"/>
+              <a:t> 30% of implementation with demo</a:t>
+            </a:r>
+          </a:p>
+          <a:p>
+            <a:r>
+              <a:rPr lang="en-GB" dirty="0"/>
+              <a:t>Innovation idea of the project </a:t>
+            </a:r>
+          </a:p>
+          <a:p>
+            <a:r>
+              <a:rPr lang="en-GB" dirty="0"/>
+              <a:t> Scope and application of the project</a:t>
+            </a:r>
+          </a:p>
+        </p:txBody>
+      </p:sp>
+      <p:sp>
+        <p:nvSpPr>
+          <p:cNvPr id="4" name="Slide Number Placeholder 3">
+            <a:extLst>
+              <a:ext uri="{FF2B5EF4-FFF2-40B4-BE49-F238E27FC236}">
+                <a16:creationId xmlns:a16="http://schemas.microsoft.com/office/drawing/2014/main" id="{F04F7379-2F5F-6EF1-1156-7E47485E7ECA}"/>
+              </a:ext>
+            </a:extLst>
+          </p:cNvPr>
+          <p:cNvSpPr>
+            <a:spLocks noGrp="1"/>
+          </p:cNvSpPr>
+          <p:nvPr>
+            <p:ph type="sldNum" idx="12"/>
+          </p:nvPr>
+        </p:nvSpPr>
+        <p:spPr/>
+        <p:txBody>
+          <a:bodyPr/>
+          <a:lstStyle/>
+          <a:p>
+            <a:pPr marL="0" lvl="0" indent="0" algn="r" rtl="0">
+              <a:spcBef>
+                <a:spcPts val="0"/>
+              </a:spcBef>
+              <a:spcAft>
+                <a:spcPts val="0"/>
+              </a:spcAft>
+              <a:buNone/>
+            </a:pPr>
+            <a:fld id="{00000000-1234-1234-1234-123412341234}" type="slidenum">
+              <a:rPr lang="en-US" smtClean="0"/>
+              <a:t>16</a:t>
+            </a:fld>
+            <a:endParaRPr lang="en-US"/>
+          </a:p>
+        </p:txBody>
+      </p:sp>
+    </p:spTree>
+    <p:extLst>
+      <p:ext uri="{BB962C8B-B14F-4D97-AF65-F5344CB8AC3E}">
+        <p14:creationId xmlns:p14="http://schemas.microsoft.com/office/powerpoint/2010/main" val="2054979406"/>
+      </p:ext>
+    </p:extLst>
+  </p:cSld>
+  <p:clrMapOvr>
+    <a:masterClrMapping/>
+  </p:clrMapOvr>
+</p:sld>
+</file>
+
 <file path=ppt/slides/slide2.xml><?xml version="1.0" encoding="utf-8"?>
 <p:sld xmlns:a="http://schemas.openxmlformats.org/drawingml/2006/main" xmlns:r="http://schemas.openxmlformats.org/officeDocument/2006/relationships" xmlns:p="http://schemas.openxmlformats.org/presentationml/2006/main">
   <p:cSld>
